--- a/genpsych/randy_slides/oreilly_genpsych_language.pptx
+++ b/genpsych/randy_slides/oreilly_genpsych_language.pptx
@@ -5,44 +5,34 @@
     <p:sldMasterId id="2147483660" r:id="rId1"/>
   </p:sldMasterIdLst>
   <p:notesMasterIdLst>
-    <p:notesMasterId r:id="rId34"/>
+    <p:notesMasterId r:id="rId24"/>
   </p:notesMasterIdLst>
   <p:handoutMasterIdLst>
-    <p:handoutMasterId r:id="rId35"/>
+    <p:handoutMasterId r:id="rId25"/>
   </p:handoutMasterIdLst>
   <p:sldIdLst>
     <p:sldId id="356" r:id="rId2"/>
     <p:sldId id="357" r:id="rId3"/>
     <p:sldId id="358" r:id="rId4"/>
-    <p:sldId id="363" r:id="rId5"/>
-    <p:sldId id="364" r:id="rId6"/>
-    <p:sldId id="359" r:id="rId7"/>
-    <p:sldId id="360" r:id="rId8"/>
-    <p:sldId id="361" r:id="rId9"/>
-    <p:sldId id="385" r:id="rId10"/>
-    <p:sldId id="386" r:id="rId11"/>
-    <p:sldId id="362" r:id="rId12"/>
-    <p:sldId id="366" r:id="rId13"/>
-    <p:sldId id="365" r:id="rId14"/>
-    <p:sldId id="367" r:id="rId15"/>
-    <p:sldId id="368" r:id="rId16"/>
-    <p:sldId id="369" r:id="rId17"/>
-    <p:sldId id="384" r:id="rId18"/>
-    <p:sldId id="370" r:id="rId19"/>
-    <p:sldId id="371" r:id="rId20"/>
-    <p:sldId id="372" r:id="rId21"/>
-    <p:sldId id="373" r:id="rId22"/>
-    <p:sldId id="374" r:id="rId23"/>
-    <p:sldId id="375" r:id="rId24"/>
-    <p:sldId id="376" r:id="rId25"/>
-    <p:sldId id="377" r:id="rId26"/>
-    <p:sldId id="381" r:id="rId27"/>
-    <p:sldId id="382" r:id="rId28"/>
-    <p:sldId id="383" r:id="rId29"/>
-    <p:sldId id="378" r:id="rId30"/>
-    <p:sldId id="379" r:id="rId31"/>
-    <p:sldId id="380" r:id="rId32"/>
-    <p:sldId id="387" r:id="rId33"/>
+    <p:sldId id="388" r:id="rId5"/>
+    <p:sldId id="361" r:id="rId6"/>
+    <p:sldId id="385" r:id="rId7"/>
+    <p:sldId id="386" r:id="rId8"/>
+    <p:sldId id="362" r:id="rId9"/>
+    <p:sldId id="366" r:id="rId10"/>
+    <p:sldId id="392" r:id="rId11"/>
+    <p:sldId id="393" r:id="rId12"/>
+    <p:sldId id="389" r:id="rId13"/>
+    <p:sldId id="359" r:id="rId14"/>
+    <p:sldId id="360" r:id="rId15"/>
+    <p:sldId id="371" r:id="rId16"/>
+    <p:sldId id="374" r:id="rId17"/>
+    <p:sldId id="375" r:id="rId18"/>
+    <p:sldId id="376" r:id="rId19"/>
+    <p:sldId id="390" r:id="rId20"/>
+    <p:sldId id="391" r:id="rId21"/>
+    <p:sldId id="394" r:id="rId22"/>
+    <p:sldId id="395" r:id="rId23"/>
   </p:sldIdLst>
   <p:sldSz cx="9144000" cy="6858000" type="screen4x3"/>
   <p:notesSz cx="6858000" cy="9144000"/>
@@ -243,7 +233,7 @@
             <a:fld id="{134E0E46-09FB-E94F-B740-AE4D5C6FE5DD}" type="datetimeFigureOut">
               <a:rPr lang="en-US" smtClean="0"/>
               <a:pPr/>
-              <a:t>9/23/21</a:t>
+              <a:t>11/4/21</a:t>
             </a:fld>
             <a:endParaRPr lang="en-US"/>
           </a:p>
@@ -411,7 +401,7 @@
             <a:fld id="{A39D9CCF-58B7-6C4F-9057-0B7282734A9C}" type="datetimeFigureOut">
               <a:rPr lang="en-US" smtClean="0"/>
               <a:pPr/>
-              <a:t>9/23/21</a:t>
+              <a:t>11/4/21</a:t>
             </a:fld>
             <a:endParaRPr lang="en-US"/>
           </a:p>
@@ -812,7 +802,7 @@
             <a:fld id="{0F43610C-CF0F-A341-95E3-9AC2B6738F38}" type="datetime1">
               <a:rPr lang="en-US" smtClean="0"/>
               <a:pPr/>
-              <a:t>9/23/21</a:t>
+              <a:t>11/4/21</a:t>
             </a:fld>
             <a:endParaRPr lang="en-US"/>
           </a:p>
@@ -989,7 +979,7 @@
             <a:fld id="{80722BD1-6F2E-954E-9666-DACFAE059D87}" type="datetime1">
               <a:rPr lang="en-US" smtClean="0"/>
               <a:pPr/>
-              <a:t>9/23/21</a:t>
+              <a:t>11/4/21</a:t>
             </a:fld>
             <a:endParaRPr lang="en-US"/>
           </a:p>
@@ -1176,7 +1166,7 @@
             <a:fld id="{81719E71-40F5-594A-A597-B9A1F7A8E2A0}" type="datetime1">
               <a:rPr lang="en-US" smtClean="0"/>
               <a:pPr/>
-              <a:t>9/23/21</a:t>
+              <a:t>11/4/21</a:t>
             </a:fld>
             <a:endParaRPr lang="en-US"/>
           </a:p>
@@ -1353,7 +1343,7 @@
             <a:fld id="{80E7870B-B594-BE4F-883F-5AA3BF0E980A}" type="datetime1">
               <a:rPr lang="en-US" smtClean="0"/>
               <a:pPr/>
-              <a:t>9/23/21</a:t>
+              <a:t>11/4/21</a:t>
             </a:fld>
             <a:endParaRPr lang="en-US"/>
           </a:p>
@@ -1553,7 +1543,7 @@
             <a:fld id="{4001173A-C22D-A545-AA98-51D0B584A64A}" type="datetime1">
               <a:rPr lang="en-US" smtClean="0"/>
               <a:pPr/>
-              <a:t>9/23/21</a:t>
+              <a:t>11/4/21</a:t>
             </a:fld>
             <a:endParaRPr lang="en-US"/>
           </a:p>
@@ -1847,7 +1837,7 @@
             <a:fld id="{8627B750-1BB8-F846-854F-817BE719E813}" type="datetime1">
               <a:rPr lang="en-US" smtClean="0"/>
               <a:pPr/>
-              <a:t>9/23/21</a:t>
+              <a:t>11/4/21</a:t>
             </a:fld>
             <a:endParaRPr lang="en-US"/>
           </a:p>
@@ -2280,7 +2270,7 @@
             <a:fld id="{A24BBA21-B6FA-C24E-9759-3735F7DAA052}" type="datetime1">
               <a:rPr lang="en-US" smtClean="0"/>
               <a:pPr/>
-              <a:t>9/23/21</a:t>
+              <a:t>11/4/21</a:t>
             </a:fld>
             <a:endParaRPr lang="en-US"/>
           </a:p>
@@ -2406,7 +2396,7 @@
             <a:fld id="{A208DD61-016E-E544-8D0E-6C417EB34521}" type="datetime1">
               <a:rPr lang="en-US" smtClean="0"/>
               <a:pPr/>
-              <a:t>9/23/21</a:t>
+              <a:t>11/4/21</a:t>
             </a:fld>
             <a:endParaRPr lang="en-US"/>
           </a:p>
@@ -2510,7 +2500,7 @@
             <a:fld id="{60D8413E-DCA1-2346-AF80-5D4D797103C0}" type="datetime1">
               <a:rPr lang="en-US" smtClean="0"/>
               <a:pPr/>
-              <a:t>9/23/21</a:t>
+              <a:t>11/4/21</a:t>
             </a:fld>
             <a:endParaRPr lang="en-US"/>
           </a:p>
@@ -2794,7 +2784,7 @@
             <a:fld id="{51AF361F-D5BC-E048-9595-281C5881E6B3}" type="datetime1">
               <a:rPr lang="en-US" smtClean="0"/>
               <a:pPr/>
-              <a:t>9/23/21</a:t>
+              <a:t>11/4/21</a:t>
             </a:fld>
             <a:endParaRPr lang="en-US"/>
           </a:p>
@@ -3058,7 +3048,7 @@
             <a:fld id="{C8332548-F664-E64B-966D-816A33A80B57}" type="datetime1">
               <a:rPr lang="en-US" smtClean="0"/>
               <a:pPr/>
-              <a:t>9/23/21</a:t>
+              <a:t>11/4/21</a:t>
             </a:fld>
             <a:endParaRPr lang="en-US"/>
           </a:p>
@@ -3323,7 +3313,7 @@
             <a:fld id="{97796E05-5980-E044-9A8E-0F7500585CCE}" type="datetime1">
               <a:rPr lang="en-US" smtClean="0"/>
               <a:pPr/>
-              <a:t>9/23/21</a:t>
+              <a:t>11/4/21</a:t>
             </a:fld>
             <a:endParaRPr lang="en-US"/>
           </a:p>
@@ -4072,12 +4062,6 @@
           <a:p>
             <a:r>
               <a:rPr lang="en-US" dirty="0"/>
-              <a:t>Computational Cognitive Neuroscience</a:t>
-            </a:r>
-          </a:p>
-          <a:p>
-            <a:r>
-              <a:rPr lang="en-US" dirty="0"/>
               <a:t>Randall O’Reilly</a:t>
             </a:r>
           </a:p>
@@ -4115,7 +4099,13 @@
       </p:grpSpPr>
       <p:sp>
         <p:nvSpPr>
-          <p:cNvPr id="2" name="Title 1"/>
+          <p:cNvPr id="2" name="Title 1">
+            <a:extLst>
+              <a:ext uri="{FF2B5EF4-FFF2-40B4-BE49-F238E27FC236}">
+                <a16:creationId xmlns:a16="http://schemas.microsoft.com/office/drawing/2014/main" id="{B0A08EC2-1BE8-B149-98FC-8646E207F39C}"/>
+              </a:ext>
+            </a:extLst>
+          </p:cNvPr>
           <p:cNvSpPr>
             <a:spLocks noGrp="1"/>
           </p:cNvSpPr>
@@ -4130,75 +4120,49 @@
           <a:p>
             <a:r>
               <a:rPr lang="en-US" dirty="0"/>
-              <a:t>Wernicke’s Aphasia</a:t>
-            </a:r>
-          </a:p>
-        </p:txBody>
-      </p:sp>
-      <p:sp>
-        <p:nvSpPr>
-          <p:cNvPr id="3" name="Content Placeholder 2"/>
-          <p:cNvSpPr>
-            <a:spLocks noGrp="1"/>
-          </p:cNvSpPr>
+              <a:t>Speech Perception</a:t>
+            </a:r>
+          </a:p>
+        </p:txBody>
+      </p:sp>
+      <p:pic>
+        <p:nvPicPr>
+          <p:cNvPr id="6" name="Content Placeholder 5">
+            <a:extLst>
+              <a:ext uri="{FF2B5EF4-FFF2-40B4-BE49-F238E27FC236}">
+                <a16:creationId xmlns:a16="http://schemas.microsoft.com/office/drawing/2014/main" id="{3C2851F5-8407-F945-88C3-271617BC8E5A}"/>
+              </a:ext>
+            </a:extLst>
+          </p:cNvPr>
+          <p:cNvPicPr>
+            <a:picLocks noGrp="1" noChangeAspect="1"/>
+          </p:cNvPicPr>
           <p:nvPr>
             <p:ph idx="1"/>
           </p:nvPr>
-        </p:nvSpPr>
-        <p:spPr/>
-        <p:txBody>
-          <a:bodyPr/>
-          <a:lstStyle/>
-          <a:p>
-            <a:pPr marL="97901" indent="0">
-              <a:buNone/>
-            </a:pPr>
-            <a:r>
-              <a:rPr lang="en-US" sz="1800" dirty="0"/>
-              <a:t>End of the football. It influence the football right here. It crawls and it comes in, see? The end of it. Oh, we got a lot of these, see?</a:t>
-            </a:r>
-          </a:p>
-          <a:p>
-            <a:pPr marL="97901" indent="0">
-              <a:buNone/>
-            </a:pPr>
-            <a:r>
-              <a:rPr lang="en-US" sz="1800" dirty="0"/>
-              <a:t>Well, it's playable in the government. You don't understand it, but it pauses in the long very cumbersome and it comes source in the country out through. All the under it, see, comes up, finally it comes up here and goes out... It comes in and comes out and BING That's a good free throw, see?</a:t>
-            </a:r>
-          </a:p>
-          <a:p>
-            <a:pPr marL="97901" indent="0">
-              <a:buNone/>
-            </a:pPr>
-            <a:r>
-              <a:rPr lang="en-US" sz="1800" dirty="0"/>
-              <a:t>That's a good throw slow mosey fire, fire. See slows it cold or it gives or kicks out or bing or whatever it is, we has no for football farther down. It's just pulling, see, but they say feel good. I guess it reminds you half dead or I don't even know.</a:t>
-            </a:r>
-          </a:p>
-          <a:p>
-            <a:pPr marL="97901" indent="0">
-              <a:buNone/>
-            </a:pPr>
-            <a:r>
-              <a:rPr lang="en-US" sz="1800" dirty="0"/>
-              <a:t>Where do you live? If you live, you appear, see. Where do you leave? Where do you live is, well friends are front and center here around here.</a:t>
-            </a:r>
-          </a:p>
-          <a:p>
-            <a:pPr marL="97901" indent="0">
-              <a:buNone/>
-            </a:pPr>
-            <a:r>
-              <a:rPr lang="en-US" sz="1800" dirty="0"/>
-              <a:t>Yes. Right here. Rest of the hearing. How many? Holy Christmas! Oh about a hundred, let's see about a hundred and thirty. About Forty. Gosh, what time is it? One plus five...</a:t>
-            </a:r>
-          </a:p>
-        </p:txBody>
-      </p:sp>
-      <p:sp>
-        <p:nvSpPr>
-          <p:cNvPr id="4" name="Slide Number Placeholder 3"/>
+        </p:nvPicPr>
+        <p:blipFill>
+          <a:blip r:embed="rId2"/>
+          <a:stretch>
+            <a:fillRect/>
+          </a:stretch>
+        </p:blipFill>
+        <p:spPr>
+          <a:xfrm>
+            <a:off x="304802" y="1752600"/>
+            <a:ext cx="8433244" cy="3352800"/>
+          </a:xfrm>
+        </p:spPr>
+      </p:pic>
+      <p:sp>
+        <p:nvSpPr>
+          <p:cNvPr id="4" name="Slide Number Placeholder 3">
+            <a:extLst>
+              <a:ext uri="{FF2B5EF4-FFF2-40B4-BE49-F238E27FC236}">
+                <a16:creationId xmlns:a16="http://schemas.microsoft.com/office/drawing/2014/main" id="{12B21F5E-9C57-1048-AC56-FFD3633149AD}"/>
+              </a:ext>
+            </a:extLst>
+          </p:cNvPr>
           <p:cNvSpPr>
             <a:spLocks noGrp="1"/>
           </p:cNvSpPr>
@@ -4223,7 +4187,7 @@
     </p:spTree>
     <p:extLst>
       <p:ext uri="{BB962C8B-B14F-4D97-AF65-F5344CB8AC3E}">
-        <p14:creationId xmlns:p14="http://schemas.microsoft.com/office/powerpoint/2010/main" val="1051484972"/>
+        <p14:creationId xmlns:p14="http://schemas.microsoft.com/office/powerpoint/2010/main" val="2520958853"/>
       </p:ext>
     </p:extLst>
   </p:cSld>
@@ -4252,7 +4216,13 @@
       </p:grpSpPr>
       <p:sp>
         <p:nvSpPr>
-          <p:cNvPr id="2" name="Title 1"/>
+          <p:cNvPr id="2" name="Title 1">
+            <a:extLst>
+              <a:ext uri="{FF2B5EF4-FFF2-40B4-BE49-F238E27FC236}">
+                <a16:creationId xmlns:a16="http://schemas.microsoft.com/office/drawing/2014/main" id="{CD3B8A54-43A4-0647-ABC9-7BDA72D07B4C}"/>
+              </a:ext>
+            </a:extLst>
+          </p:cNvPr>
           <p:cNvSpPr>
             <a:spLocks noGrp="1"/>
           </p:cNvSpPr>
@@ -4260,26 +4230,34 @@
             <p:ph type="title"/>
           </p:nvPr>
         </p:nvSpPr>
-        <p:spPr>
-          <a:xfrm>
-            <a:off x="456627" y="273515"/>
-            <a:ext cx="8227871" cy="717086"/>
-          </a:xfrm>
-        </p:spPr>
+        <p:spPr/>
         <p:txBody>
           <a:bodyPr/>
           <a:lstStyle/>
           <a:p>
             <a:r>
               <a:rPr lang="en-US" dirty="0"/>
-              <a:t>Speech Output</a:t>
+              <a:t>Categorical Perception</a:t>
+            </a:r>
+            <a:br>
+              <a:rPr lang="en-US" dirty="0"/>
+            </a:br>
+            <a:r>
+              <a:rPr lang="en-US" dirty="0"/>
+              <a:t>(compression)</a:t>
             </a:r>
           </a:p>
         </p:txBody>
       </p:sp>
       <p:pic>
         <p:nvPicPr>
-          <p:cNvPr id="5" name="Content Placeholder 4" descr="fig_vocal_tract.png"/>
+          <p:cNvPr id="6" name="Content Placeholder 5">
+            <a:extLst>
+              <a:ext uri="{FF2B5EF4-FFF2-40B4-BE49-F238E27FC236}">
+                <a16:creationId xmlns:a16="http://schemas.microsoft.com/office/drawing/2014/main" id="{39ECCEC8-E5DC-124A-8151-0DB06D7A7244}"/>
+              </a:ext>
+            </a:extLst>
+          </p:cNvPr>
           <p:cNvPicPr>
             <a:picLocks noGrp="1" noChangeAspect="1"/>
           </p:cNvPicPr>
@@ -4287,27 +4265,28 @@
             <p:ph idx="1"/>
           </p:nvPr>
         </p:nvPicPr>
-        <p:blipFill rotWithShape="1">
-          <a:blip r:embed="rId2">
-            <a:extLst>
-              <a:ext uri="{28A0092B-C50C-407E-A947-70E740481C1C}">
-                <a14:useLocalDpi xmlns:a14="http://schemas.microsoft.com/office/drawing/2010/main" val="0"/>
-              </a:ext>
-            </a:extLst>
-          </a:blip>
-          <a:srcRect l="-328" r="-706"/>
-          <a:stretch/>
+        <p:blipFill>
+          <a:blip r:embed="rId2"/>
+          <a:stretch>
+            <a:fillRect/>
+          </a:stretch>
         </p:blipFill>
         <p:spPr>
           <a:xfrm>
-            <a:off x="450284" y="1580631"/>
-            <a:ext cx="3816916" cy="3577334"/>
+            <a:off x="1743472" y="1604963"/>
+            <a:ext cx="5655468" cy="4524375"/>
           </a:xfrm>
         </p:spPr>
       </p:pic>
       <p:sp>
         <p:nvSpPr>
-          <p:cNvPr id="4" name="Slide Number Placeholder 3"/>
+          <p:cNvPr id="4" name="Slide Number Placeholder 3">
+            <a:extLst>
+              <a:ext uri="{FF2B5EF4-FFF2-40B4-BE49-F238E27FC236}">
+                <a16:creationId xmlns:a16="http://schemas.microsoft.com/office/drawing/2014/main" id="{29AA11FE-C010-284E-AB36-91B81EC479CD}"/>
+              </a:ext>
+            </a:extLst>
+          </p:cNvPr>
           <p:cNvSpPr>
             <a:spLocks noGrp="1"/>
           </p:cNvSpPr>
@@ -4329,70 +4308,10 @@
           </a:p>
         </p:txBody>
       </p:sp>
-      <p:pic>
-        <p:nvPicPr>
-          <p:cNvPr id="6" name="Picture 5"/>
-          <p:cNvPicPr>
-            <a:picLocks noChangeAspect="1"/>
-          </p:cNvPicPr>
-          <p:nvPr/>
-        </p:nvPicPr>
-        <p:blipFill>
-          <a:blip r:embed="rId3">
-            <a:extLst>
-              <a:ext uri="{28A0092B-C50C-407E-A947-70E740481C1C}">
-                <a14:useLocalDpi xmlns:a14="http://schemas.microsoft.com/office/drawing/2010/main" val="0"/>
-              </a:ext>
-            </a:extLst>
-          </a:blip>
-          <a:stretch>
-            <a:fillRect/>
-          </a:stretch>
-        </p:blipFill>
-        <p:spPr>
-          <a:xfrm>
-            <a:off x="4725355" y="1143001"/>
-            <a:ext cx="3456858" cy="2790859"/>
-          </a:xfrm>
-          <a:prstGeom prst="rect">
-            <a:avLst/>
-          </a:prstGeom>
-        </p:spPr>
-      </p:pic>
-      <p:pic>
-        <p:nvPicPr>
-          <p:cNvPr id="7" name="Picture 6"/>
-          <p:cNvPicPr>
-            <a:picLocks noChangeAspect="1"/>
-          </p:cNvPicPr>
-          <p:nvPr/>
-        </p:nvPicPr>
-        <p:blipFill>
-          <a:blip r:embed="rId4">
-            <a:extLst>
-              <a:ext uri="{28A0092B-C50C-407E-A947-70E740481C1C}">
-                <a14:useLocalDpi xmlns:a14="http://schemas.microsoft.com/office/drawing/2010/main" val="0"/>
-              </a:ext>
-            </a:extLst>
-          </a:blip>
-          <a:stretch>
-            <a:fillRect/>
-          </a:stretch>
-        </p:blipFill>
-        <p:spPr>
-          <a:xfrm>
-            <a:off x="4745470" y="3954241"/>
-            <a:ext cx="3456858" cy="2790858"/>
-          </a:xfrm>
-          <a:prstGeom prst="rect">
-            <a:avLst/>
-          </a:prstGeom>
-        </p:spPr>
-      </p:pic>
     </p:spTree>
     <p:extLst>
       <p:ext uri="{BB962C8B-B14F-4D97-AF65-F5344CB8AC3E}">
-        <p14:creationId xmlns:p14="http://schemas.microsoft.com/office/powerpoint/2010/main" val="3019805537"/>
+        <p14:creationId xmlns:p14="http://schemas.microsoft.com/office/powerpoint/2010/main" val="148172767"/>
       </p:ext>
     </p:extLst>
   </p:cSld>
@@ -4421,7 +4340,13 @@
       </p:grpSpPr>
       <p:sp>
         <p:nvSpPr>
-          <p:cNvPr id="2" name="Title 1"/>
+          <p:cNvPr id="2" name="Title 1">
+            <a:extLst>
+              <a:ext uri="{FF2B5EF4-FFF2-40B4-BE49-F238E27FC236}">
+                <a16:creationId xmlns:a16="http://schemas.microsoft.com/office/drawing/2014/main" id="{4CC462FC-F172-C444-BFC2-F08219D46C60}"/>
+              </a:ext>
+            </a:extLst>
+          </p:cNvPr>
           <p:cNvSpPr>
             <a:spLocks noGrp="1"/>
           </p:cNvSpPr>
@@ -4429,26 +4354,56 @@
             <p:ph type="title"/>
           </p:nvPr>
         </p:nvSpPr>
+        <p:spPr/>
+        <p:txBody>
+          <a:bodyPr/>
+          <a:lstStyle/>
+          <a:p>
+            <a:r>
+              <a:rPr lang="en-US" dirty="0"/>
+              <a:t>Word Learning</a:t>
+            </a:r>
+          </a:p>
+        </p:txBody>
+      </p:sp>
+      <p:pic>
+        <p:nvPicPr>
+          <p:cNvPr id="6" name="Content Placeholder 5">
+            <a:extLst>
+              <a:ext uri="{FF2B5EF4-FFF2-40B4-BE49-F238E27FC236}">
+                <a16:creationId xmlns:a16="http://schemas.microsoft.com/office/drawing/2014/main" id="{AED39BE3-C164-E443-B6BD-AA4D74BCEBAC}"/>
+              </a:ext>
+            </a:extLst>
+          </p:cNvPr>
+          <p:cNvPicPr>
+            <a:picLocks noGrp="1" noChangeAspect="1"/>
+          </p:cNvPicPr>
+          <p:nvPr>
+            <p:ph idx="1"/>
+          </p:nvPr>
+        </p:nvPicPr>
+        <p:blipFill>
+          <a:blip r:embed="rId2"/>
+          <a:stretch>
+            <a:fillRect/>
+          </a:stretch>
+        </p:blipFill>
         <p:spPr>
           <a:xfrm>
-            <a:off x="456627" y="273515"/>
-            <a:ext cx="8227871" cy="717086"/>
+            <a:off x="1553588" y="1604963"/>
+            <a:ext cx="6035237" cy="4524375"/>
           </a:xfrm>
         </p:spPr>
-        <p:txBody>
-          <a:bodyPr/>
-          <a:lstStyle/>
-          <a:p>
-            <a:r>
-              <a:rPr lang="en-US" dirty="0"/>
-              <a:t>Speech Output</a:t>
-            </a:r>
-          </a:p>
-        </p:txBody>
-      </p:sp>
-      <p:sp>
-        <p:nvSpPr>
-          <p:cNvPr id="4" name="Slide Number Placeholder 3"/>
+      </p:pic>
+      <p:sp>
+        <p:nvSpPr>
+          <p:cNvPr id="4" name="Slide Number Placeholder 3">
+            <a:extLst>
+              <a:ext uri="{FF2B5EF4-FFF2-40B4-BE49-F238E27FC236}">
+                <a16:creationId xmlns:a16="http://schemas.microsoft.com/office/drawing/2014/main" id="{94B278DB-B0DD-EF40-81AF-CE86DEE005C8}"/>
+              </a:ext>
+            </a:extLst>
+          </p:cNvPr>
           <p:cNvSpPr>
             <a:spLocks noGrp="1"/>
           </p:cNvSpPr>
@@ -4470,68 +4425,10 @@
           </a:p>
         </p:txBody>
       </p:sp>
-      <p:pic>
-        <p:nvPicPr>
-          <p:cNvPr id="6" name="Picture 5"/>
-          <p:cNvPicPr>
-            <a:picLocks noChangeAspect="1"/>
-          </p:cNvPicPr>
-          <p:nvPr/>
-        </p:nvPicPr>
-        <p:blipFill>
-          <a:blip r:embed="rId2">
-            <a:extLst>
-              <a:ext uri="{28A0092B-C50C-407E-A947-70E740481C1C}">
-                <a14:useLocalDpi xmlns:a14="http://schemas.microsoft.com/office/drawing/2010/main" val="0"/>
-              </a:ext>
-            </a:extLst>
-          </a:blip>
-          <a:stretch>
-            <a:fillRect/>
-          </a:stretch>
-        </p:blipFill>
-        <p:spPr>
-          <a:xfrm>
-            <a:off x="431167" y="1232647"/>
-            <a:ext cx="6274434" cy="4637623"/>
-          </a:xfrm>
-          <a:prstGeom prst="rect">
-            <a:avLst/>
-          </a:prstGeom>
-        </p:spPr>
-      </p:pic>
-      <p:pic>
-        <p:nvPicPr>
-          <p:cNvPr id="5" name="Content Placeholder 4" descr="fig_vocal_tract.png"/>
-          <p:cNvPicPr>
-            <a:picLocks noGrp="1" noChangeAspect="1"/>
-          </p:cNvPicPr>
-          <p:nvPr>
-            <p:ph idx="1"/>
-          </p:nvPr>
-        </p:nvPicPr>
-        <p:blipFill rotWithShape="1">
-          <a:blip r:embed="rId3">
-            <a:extLst>
-              <a:ext uri="{28A0092B-C50C-407E-A947-70E740481C1C}">
-                <a14:useLocalDpi xmlns:a14="http://schemas.microsoft.com/office/drawing/2010/main" val="0"/>
-              </a:ext>
-            </a:extLst>
-          </a:blip>
-          <a:srcRect l="-328" r="-706"/>
-          <a:stretch/>
-        </p:blipFill>
-        <p:spPr>
-          <a:xfrm>
-            <a:off x="5638801" y="3810000"/>
-            <a:ext cx="2820552" cy="2643510"/>
-          </a:xfrm>
-        </p:spPr>
-      </p:pic>
     </p:spTree>
     <p:extLst>
       <p:ext uri="{BB962C8B-B14F-4D97-AF65-F5344CB8AC3E}">
-        <p14:creationId xmlns:p14="http://schemas.microsoft.com/office/powerpoint/2010/main" val="126617145"/>
+        <p14:creationId xmlns:p14="http://schemas.microsoft.com/office/powerpoint/2010/main" val="30207423"/>
       </p:ext>
     </p:extLst>
   </p:cSld>
@@ -4575,39 +4472,33 @@
           <a:p>
             <a:r>
               <a:rPr lang="en-US" dirty="0"/>
-              <a:t>Reading: The “Triangle Model”</a:t>
-            </a:r>
-          </a:p>
-        </p:txBody>
-      </p:sp>
-      <p:pic>
-        <p:nvPicPr>
-          <p:cNvPr id="5" name="Content Placeholder 4" descr="fig_lang_paths.png"/>
-          <p:cNvPicPr>
-            <a:picLocks noGrp="1" noChangeAspect="1"/>
-          </p:cNvPicPr>
+              <a:t>Time and Language</a:t>
+            </a:r>
+          </a:p>
+        </p:txBody>
+      </p:sp>
+      <p:sp>
+        <p:nvSpPr>
+          <p:cNvPr id="3" name="Content Placeholder 2"/>
+          <p:cNvSpPr>
+            <a:spLocks noGrp="1"/>
+          </p:cNvSpPr>
           <p:nvPr>
             <p:ph idx="1"/>
           </p:nvPr>
-        </p:nvPicPr>
-        <p:blipFill rotWithShape="1">
-          <a:blip r:embed="rId2">
-            <a:extLst>
-              <a:ext uri="{28A0092B-C50C-407E-A947-70E740481C1C}">
-                <a14:useLocalDpi xmlns:a14="http://schemas.microsoft.com/office/drawing/2010/main" val="0"/>
-              </a:ext>
-            </a:extLst>
-          </a:blip>
-          <a:srcRect l="-402" r="-713"/>
-          <a:stretch/>
-        </p:blipFill>
-        <p:spPr>
-          <a:xfrm>
-            <a:off x="304800" y="1676401"/>
-            <a:ext cx="4146706" cy="3195504"/>
-          </a:xfrm>
-        </p:spPr>
-      </p:pic>
+        </p:nvSpPr>
+        <p:spPr/>
+        <p:txBody>
+          <a:bodyPr/>
+          <a:lstStyle/>
+          <a:p>
+            <a:r>
+              <a:rPr lang="en-US" dirty="0"/>
+              <a:t>Distributed representation broken down and sent over a sequential channel:</a:t>
+            </a:r>
+          </a:p>
+        </p:txBody>
+      </p:sp>
       <p:sp>
         <p:nvSpPr>
           <p:cNvPr id="4" name="Slide Number Placeholder 3"/>
@@ -4634,14 +4525,14 @@
       </p:sp>
       <p:pic>
         <p:nvPicPr>
-          <p:cNvPr id="6" name="Content Placeholder 4"/>
+          <p:cNvPr id="5" name="Picture 4" descr="Screen shot 2011-03-17 at 8.53.12 AM.png"/>
           <p:cNvPicPr>
             <a:picLocks noChangeAspect="1"/>
           </p:cNvPicPr>
           <p:nvPr/>
         </p:nvPicPr>
         <p:blipFill>
-          <a:blip r:embed="rId3">
+          <a:blip r:embed="rId2">
             <a:extLst>
               <a:ext uri="{28A0092B-C50C-407E-A947-70E740481C1C}">
                 <a14:useLocalDpi xmlns:a14="http://schemas.microsoft.com/office/drawing/2010/main" val="0"/>
@@ -4652,34 +4543,26 @@
             <a:fillRect/>
           </a:stretch>
         </p:blipFill>
-        <p:spPr bwMode="auto">
+        <p:spPr>
           <a:xfrm>
-            <a:off x="4858754" y="1676401"/>
-            <a:ext cx="3725599" cy="3195504"/>
+            <a:off x="456626" y="2794243"/>
+            <a:ext cx="3657600" cy="2489443"/>
           </a:xfrm>
           <a:prstGeom prst="rect">
             <a:avLst/>
           </a:prstGeom>
-          <a:noFill/>
-          <a:ln w="9525">
-            <a:noFill/>
-            <a:round/>
-            <a:headEnd/>
-            <a:tailEnd/>
-          </a:ln>
-          <a:effectLst/>
         </p:spPr>
       </p:pic>
       <p:sp>
         <p:nvSpPr>
-          <p:cNvPr id="7" name="TextBox 6"/>
+          <p:cNvPr id="6" name="TextBox 5"/>
           <p:cNvSpPr txBox="1"/>
           <p:nvPr/>
         </p:nvSpPr>
         <p:spPr>
           <a:xfrm>
-            <a:off x="311730" y="5300990"/>
-            <a:ext cx="8279552" cy="523220"/>
+            <a:off x="4495800" y="2810505"/>
+            <a:ext cx="3657600" cy="646331"/>
           </a:xfrm>
           <a:prstGeom prst="rect">
             <a:avLst/>
@@ -4693,8 +4576,8 @@
           <a:lstStyle/>
           <a:p>
             <a:r>
-              <a:rPr lang="en-US" sz="2800" dirty="0"/>
-              <a:t>NOTE: There is no single “lexicon”, no “word units”</a:t>
+              <a:rPr lang="en-US" dirty="0"/>
+              <a:t>The summer is a fun time for going to the beach, dancing, …</a:t>
             </a:r>
           </a:p>
         </p:txBody>
@@ -4702,7 +4585,7 @@
     </p:spTree>
     <p:extLst>
       <p:ext uri="{BB962C8B-B14F-4D97-AF65-F5344CB8AC3E}">
-        <p14:creationId xmlns:p14="http://schemas.microsoft.com/office/powerpoint/2010/main" val="868151462"/>
+        <p14:creationId xmlns:p14="http://schemas.microsoft.com/office/powerpoint/2010/main" val="114094392"/>
       </p:ext>
     </p:extLst>
   </p:cSld>
@@ -4745,13 +4628,517 @@
           <a:lstStyle/>
           <a:p>
             <a:r>
-              <a:rPr lang="en-US" i="1" dirty="0"/>
-              <a:t>Acquired</a:t>
-            </a:r>
-            <a:r>
               <a:rPr lang="en-US" dirty="0"/>
-              <a:t> Dyslexia</a:t>
-            </a:r>
+              <a:t>Distributed Reps of Words</a:t>
+            </a:r>
+          </a:p>
+        </p:txBody>
+      </p:sp>
+      <p:sp>
+        <p:nvSpPr>
+          <p:cNvPr id="3" name="Content Placeholder 2"/>
+          <p:cNvSpPr>
+            <a:spLocks noGrp="1"/>
+          </p:cNvSpPr>
+          <p:nvPr>
+            <p:ph idx="1"/>
+          </p:nvPr>
+        </p:nvSpPr>
+        <p:spPr/>
+        <p:txBody>
+          <a:bodyPr/>
+          <a:lstStyle/>
+          <a:p>
+            <a:pPr marL="97901" indent="0">
+              <a:buNone/>
+            </a:pPr>
+            <a:r>
+              <a:rPr lang="en-US" sz="2400" dirty="0"/>
+              <a:t>I </a:t>
+            </a:r>
+            <a:r>
+              <a:rPr lang="en-US" sz="2400" dirty="0" err="1"/>
+              <a:t>cnduo't</a:t>
+            </a:r>
+            <a:r>
+              <a:rPr lang="en-US" sz="2400" dirty="0"/>
+              <a:t> </a:t>
+            </a:r>
+            <a:r>
+              <a:rPr lang="en-US" sz="2400" dirty="0" err="1"/>
+              <a:t>bvleiee</a:t>
+            </a:r>
+            <a:r>
+              <a:rPr lang="en-US" sz="2400" dirty="0"/>
+              <a:t> </a:t>
+            </a:r>
+            <a:r>
+              <a:rPr lang="en-US" sz="2400" dirty="0" err="1"/>
+              <a:t>taht</a:t>
+            </a:r>
+            <a:r>
+              <a:rPr lang="en-US" sz="2400" dirty="0"/>
+              <a:t> I </a:t>
+            </a:r>
+            <a:r>
+              <a:rPr lang="en-US" sz="2400" dirty="0" err="1"/>
+              <a:t>culod</a:t>
+            </a:r>
+            <a:r>
+              <a:rPr lang="en-US" sz="2400" dirty="0"/>
+              <a:t> </a:t>
+            </a:r>
+            <a:r>
+              <a:rPr lang="en-US" sz="2400" dirty="0" err="1"/>
+              <a:t>aulaclty</a:t>
+            </a:r>
+            <a:r>
+              <a:rPr lang="en-US" sz="2400" dirty="0"/>
+              <a:t> </a:t>
+            </a:r>
+            <a:r>
+              <a:rPr lang="en-US" sz="2400" dirty="0" err="1"/>
+              <a:t>uesdtannrd</a:t>
+            </a:r>
+            <a:r>
+              <a:rPr lang="en-US" sz="2400" dirty="0"/>
+              <a:t> </a:t>
+            </a:r>
+            <a:r>
+              <a:rPr lang="en-US" sz="2400" dirty="0" err="1"/>
+              <a:t>waht</a:t>
+            </a:r>
+            <a:r>
+              <a:rPr lang="en-US" sz="2400" dirty="0"/>
+              <a:t> I was </a:t>
+            </a:r>
+            <a:r>
+              <a:rPr lang="en-US" sz="2400" dirty="0" err="1"/>
+              <a:t>rdnaieg</a:t>
+            </a:r>
+            <a:r>
+              <a:rPr lang="en-US" sz="2400" dirty="0"/>
+              <a:t>. </a:t>
+            </a:r>
+            <a:r>
+              <a:rPr lang="en-US" sz="2400" dirty="0" err="1"/>
+              <a:t>Unisg</a:t>
+            </a:r>
+            <a:r>
+              <a:rPr lang="en-US" sz="2400" dirty="0"/>
+              <a:t> the </a:t>
+            </a:r>
+            <a:r>
+              <a:rPr lang="en-US" sz="2400" dirty="0" err="1"/>
+              <a:t>icndeblire</a:t>
+            </a:r>
+            <a:r>
+              <a:rPr lang="en-US" sz="2400" dirty="0"/>
+              <a:t> </a:t>
+            </a:r>
+            <a:r>
+              <a:rPr lang="en-US" sz="2400" dirty="0" err="1"/>
+              <a:t>pweor</a:t>
+            </a:r>
+            <a:r>
+              <a:rPr lang="en-US" sz="2400" dirty="0"/>
+              <a:t> of the </a:t>
+            </a:r>
+            <a:r>
+              <a:rPr lang="en-US" sz="2400" dirty="0" err="1"/>
+              <a:t>hmuan</a:t>
+            </a:r>
+            <a:r>
+              <a:rPr lang="en-US" sz="2400" dirty="0"/>
+              <a:t> </a:t>
+            </a:r>
+            <a:r>
+              <a:rPr lang="en-US" sz="2400" dirty="0" err="1"/>
+              <a:t>mnid</a:t>
+            </a:r>
+            <a:r>
+              <a:rPr lang="en-US" sz="2400" dirty="0"/>
+              <a:t>, </a:t>
+            </a:r>
+            <a:r>
+              <a:rPr lang="en-US" sz="2400" dirty="0" err="1"/>
+              <a:t>aocdcrnig</a:t>
+            </a:r>
+            <a:r>
+              <a:rPr lang="en-US" sz="2400" dirty="0"/>
+              <a:t> to </a:t>
+            </a:r>
+            <a:r>
+              <a:rPr lang="en-US" sz="2400" dirty="0" err="1"/>
+              <a:t>rseecrah</a:t>
+            </a:r>
+            <a:r>
+              <a:rPr lang="en-US" sz="2400" dirty="0"/>
+              <a:t> at </a:t>
+            </a:r>
+            <a:r>
+              <a:rPr lang="en-US" sz="2400" dirty="0" err="1"/>
+              <a:t>Cmabrigde</a:t>
+            </a:r>
+            <a:r>
+              <a:rPr lang="en-US" sz="2400" dirty="0"/>
+              <a:t> </a:t>
+            </a:r>
+            <a:r>
+              <a:rPr lang="en-US" sz="2400" dirty="0" err="1"/>
+              <a:t>Uinervtisy</a:t>
+            </a:r>
+            <a:r>
+              <a:rPr lang="en-US" sz="2400" dirty="0"/>
+              <a:t>, it </a:t>
+            </a:r>
+            <a:r>
+              <a:rPr lang="en-US" sz="2400" dirty="0" err="1"/>
+              <a:t>dseno't</a:t>
+            </a:r>
+            <a:r>
+              <a:rPr lang="en-US" sz="2400" dirty="0"/>
+              <a:t> </a:t>
+            </a:r>
+            <a:r>
+              <a:rPr lang="en-US" sz="2400" dirty="0" err="1"/>
+              <a:t>mttaer</a:t>
+            </a:r>
+            <a:r>
+              <a:rPr lang="en-US" sz="2400" dirty="0"/>
+              <a:t> in </a:t>
+            </a:r>
+            <a:r>
+              <a:rPr lang="en-US" sz="2400" dirty="0" err="1"/>
+              <a:t>waht</a:t>
+            </a:r>
+            <a:r>
+              <a:rPr lang="en-US" sz="2400" dirty="0"/>
+              <a:t> </a:t>
+            </a:r>
+            <a:r>
+              <a:rPr lang="en-US" sz="2400" dirty="0" err="1"/>
+              <a:t>oderr</a:t>
+            </a:r>
+            <a:r>
+              <a:rPr lang="en-US" sz="2400" dirty="0"/>
+              <a:t> the </a:t>
+            </a:r>
+            <a:r>
+              <a:rPr lang="en-US" sz="2400" dirty="0" err="1"/>
+              <a:t>lterets</a:t>
+            </a:r>
+            <a:r>
+              <a:rPr lang="en-US" sz="2400" dirty="0"/>
+              <a:t> in a </a:t>
+            </a:r>
+            <a:r>
+              <a:rPr lang="en-US" sz="2400" dirty="0" err="1"/>
+              <a:t>wrod</a:t>
+            </a:r>
+            <a:r>
+              <a:rPr lang="en-US" sz="2400" dirty="0"/>
+              <a:t> are, the </a:t>
+            </a:r>
+            <a:r>
+              <a:rPr lang="en-US" sz="2400" dirty="0" err="1"/>
+              <a:t>olny</a:t>
+            </a:r>
+            <a:r>
+              <a:rPr lang="en-US" sz="2400" dirty="0"/>
+              <a:t> </a:t>
+            </a:r>
+            <a:r>
+              <a:rPr lang="en-US" sz="2400" dirty="0" err="1"/>
+              <a:t>irpoamtnt</a:t>
+            </a:r>
+            <a:r>
+              <a:rPr lang="en-US" sz="2400" dirty="0"/>
+              <a:t> </a:t>
+            </a:r>
+            <a:r>
+              <a:rPr lang="en-US" sz="2400" dirty="0" err="1"/>
+              <a:t>tihng</a:t>
+            </a:r>
+            <a:r>
+              <a:rPr lang="en-US" sz="2400" dirty="0"/>
+              <a:t> is </a:t>
+            </a:r>
+            <a:r>
+              <a:rPr lang="en-US" sz="2400" dirty="0" err="1"/>
+              <a:t>taht</a:t>
+            </a:r>
+            <a:r>
+              <a:rPr lang="en-US" sz="2400" dirty="0"/>
+              <a:t> the </a:t>
+            </a:r>
+            <a:r>
+              <a:rPr lang="en-US" sz="2400" dirty="0" err="1"/>
+              <a:t>frsit</a:t>
+            </a:r>
+            <a:r>
+              <a:rPr lang="en-US" sz="2400" dirty="0"/>
+              <a:t> and </a:t>
+            </a:r>
+            <a:r>
+              <a:rPr lang="en-US" sz="2400" dirty="0" err="1"/>
+              <a:t>lsat</a:t>
+            </a:r>
+            <a:r>
+              <a:rPr lang="en-US" sz="2400" dirty="0"/>
+              <a:t> </a:t>
+            </a:r>
+            <a:r>
+              <a:rPr lang="en-US" sz="2400" dirty="0" err="1"/>
+              <a:t>ltteer</a:t>
+            </a:r>
+            <a:r>
+              <a:rPr lang="en-US" sz="2400" dirty="0"/>
+              <a:t> be in the </a:t>
+            </a:r>
+            <a:r>
+              <a:rPr lang="en-US" sz="2400" dirty="0" err="1"/>
+              <a:t>rhgit</a:t>
+            </a:r>
+            <a:r>
+              <a:rPr lang="en-US" sz="2400" dirty="0"/>
+              <a:t> </a:t>
+            </a:r>
+            <a:r>
+              <a:rPr lang="en-US" sz="2400" dirty="0" err="1"/>
+              <a:t>pclae</a:t>
+            </a:r>
+            <a:r>
+              <a:rPr lang="en-US" sz="2400" dirty="0"/>
+              <a:t>. The </a:t>
+            </a:r>
+            <a:r>
+              <a:rPr lang="en-US" sz="2400" dirty="0" err="1"/>
+              <a:t>rset</a:t>
+            </a:r>
+            <a:r>
+              <a:rPr lang="en-US" sz="2400" dirty="0"/>
+              <a:t> can be a </a:t>
+            </a:r>
+            <a:r>
+              <a:rPr lang="en-US" sz="2400" dirty="0" err="1"/>
+              <a:t>taotl</a:t>
+            </a:r>
+            <a:r>
+              <a:rPr lang="en-US" sz="2400" dirty="0"/>
+              <a:t> </a:t>
+            </a:r>
+            <a:r>
+              <a:rPr lang="en-US" sz="2400" dirty="0" err="1"/>
+              <a:t>mses</a:t>
+            </a:r>
+            <a:r>
+              <a:rPr lang="en-US" sz="2400" dirty="0"/>
+              <a:t> and you can </a:t>
+            </a:r>
+            <a:r>
+              <a:rPr lang="en-US" sz="2400" dirty="0" err="1"/>
+              <a:t>sitll</a:t>
+            </a:r>
+            <a:r>
+              <a:rPr lang="en-US" sz="2400" dirty="0"/>
+              <a:t> </a:t>
+            </a:r>
+            <a:r>
+              <a:rPr lang="en-US" sz="2400" dirty="0" err="1"/>
+              <a:t>raed</a:t>
+            </a:r>
+            <a:r>
+              <a:rPr lang="en-US" sz="2400" dirty="0"/>
+              <a:t> it </a:t>
+            </a:r>
+            <a:r>
+              <a:rPr lang="en-US" sz="2400" dirty="0" err="1"/>
+              <a:t>whoutit</a:t>
+            </a:r>
+            <a:r>
+              <a:rPr lang="en-US" sz="2400" dirty="0"/>
+              <a:t> a </a:t>
+            </a:r>
+            <a:r>
+              <a:rPr lang="en-US" sz="2400" dirty="0" err="1"/>
+              <a:t>pboerlm</a:t>
+            </a:r>
+            <a:r>
+              <a:rPr lang="en-US" sz="2400" dirty="0"/>
+              <a:t>. </a:t>
+            </a:r>
+            <a:r>
+              <a:rPr lang="en-US" sz="2400" dirty="0" err="1"/>
+              <a:t>Tihs</a:t>
+            </a:r>
+            <a:r>
+              <a:rPr lang="en-US" sz="2400" dirty="0"/>
+              <a:t> is </a:t>
+            </a:r>
+            <a:r>
+              <a:rPr lang="en-US" sz="2400" dirty="0" err="1"/>
+              <a:t>bucseae</a:t>
+            </a:r>
+            <a:r>
+              <a:rPr lang="en-US" sz="2400" dirty="0"/>
+              <a:t> the </a:t>
+            </a:r>
+            <a:r>
+              <a:rPr lang="en-US" sz="2400" dirty="0" err="1"/>
+              <a:t>huamn</a:t>
+            </a:r>
+            <a:r>
+              <a:rPr lang="en-US" sz="2400" dirty="0"/>
+              <a:t> </a:t>
+            </a:r>
+            <a:r>
+              <a:rPr lang="en-US" sz="2400" dirty="0" err="1"/>
+              <a:t>mnid</a:t>
+            </a:r>
+            <a:r>
+              <a:rPr lang="en-US" sz="2400" dirty="0"/>
+              <a:t> </a:t>
+            </a:r>
+            <a:r>
+              <a:rPr lang="en-US" sz="2400" dirty="0" err="1"/>
+              <a:t>deos</a:t>
+            </a:r>
+            <a:r>
+              <a:rPr lang="en-US" sz="2400" dirty="0"/>
+              <a:t> not </a:t>
+            </a:r>
+            <a:r>
+              <a:rPr lang="en-US" sz="2400" dirty="0" err="1"/>
+              <a:t>raed</a:t>
+            </a:r>
+            <a:r>
+              <a:rPr lang="en-US" sz="2400" dirty="0"/>
+              <a:t> </a:t>
+            </a:r>
+            <a:r>
+              <a:rPr lang="en-US" sz="2400" dirty="0" err="1"/>
+              <a:t>ervey</a:t>
+            </a:r>
+            <a:r>
+              <a:rPr lang="en-US" sz="2400" dirty="0"/>
+              <a:t> </a:t>
+            </a:r>
+            <a:r>
+              <a:rPr lang="en-US" sz="2400" dirty="0" err="1"/>
+              <a:t>ltteer</a:t>
+            </a:r>
+            <a:r>
+              <a:rPr lang="en-US" sz="2400" dirty="0"/>
+              <a:t> by </a:t>
+            </a:r>
+            <a:r>
+              <a:rPr lang="en-US" sz="2400" dirty="0" err="1"/>
+              <a:t>istlef</a:t>
+            </a:r>
+            <a:r>
+              <a:rPr lang="en-US" sz="2400" dirty="0"/>
+              <a:t>, but the </a:t>
+            </a:r>
+            <a:r>
+              <a:rPr lang="en-US" sz="2400" dirty="0" err="1"/>
+              <a:t>wrod</a:t>
+            </a:r>
+            <a:r>
+              <a:rPr lang="en-US" sz="2400" dirty="0"/>
+              <a:t> as a </a:t>
+            </a:r>
+            <a:r>
+              <a:rPr lang="en-US" sz="2400" dirty="0" err="1"/>
+              <a:t>wlohe</a:t>
+            </a:r>
+            <a:r>
+              <a:rPr lang="en-US" sz="2400" dirty="0"/>
+              <a:t>. </a:t>
+            </a:r>
+            <a:r>
+              <a:rPr lang="en-US" sz="2400" dirty="0" err="1"/>
+              <a:t>Aaznmig</a:t>
+            </a:r>
+            <a:r>
+              <a:rPr lang="en-US" sz="2400" dirty="0"/>
+              <a:t>, huh? </a:t>
+            </a:r>
+            <a:r>
+              <a:rPr lang="en-US" sz="2400" dirty="0" err="1"/>
+              <a:t>Yaeh</a:t>
+            </a:r>
+            <a:r>
+              <a:rPr lang="en-US" sz="2400" dirty="0"/>
+              <a:t> and I </a:t>
+            </a:r>
+            <a:r>
+              <a:rPr lang="en-US" sz="2400" dirty="0" err="1"/>
+              <a:t>awlyas</a:t>
+            </a:r>
+            <a:r>
+              <a:rPr lang="en-US" sz="2400" dirty="0"/>
+              <a:t> </a:t>
+            </a:r>
+            <a:r>
+              <a:rPr lang="en-US" sz="2400" dirty="0" err="1"/>
+              <a:t>tghhuot</a:t>
+            </a:r>
+            <a:r>
+              <a:rPr lang="en-US" sz="2400" dirty="0"/>
+              <a:t> </a:t>
+            </a:r>
+            <a:r>
+              <a:rPr lang="en-US" sz="2400" dirty="0" err="1"/>
+              <a:t>slelinpg</a:t>
+            </a:r>
+            <a:r>
+              <a:rPr lang="en-US" sz="2400" dirty="0"/>
+              <a:t> was </a:t>
+            </a:r>
+            <a:r>
+              <a:rPr lang="en-US" sz="2400" dirty="0" err="1"/>
+              <a:t>ipmorantt</a:t>
+            </a:r>
+            <a:r>
+              <a:rPr lang="en-US" sz="2400" dirty="0"/>
+              <a:t>! See if </a:t>
+            </a:r>
+            <a:r>
+              <a:rPr lang="en-US" sz="2400" dirty="0" err="1"/>
+              <a:t>yuor</a:t>
+            </a:r>
+            <a:r>
+              <a:rPr lang="en-US" sz="2400" dirty="0"/>
+              <a:t> </a:t>
+            </a:r>
+            <a:r>
+              <a:rPr lang="en-US" sz="2400" dirty="0" err="1"/>
+              <a:t>fdreins</a:t>
+            </a:r>
+            <a:r>
+              <a:rPr lang="en-US" sz="2400" dirty="0"/>
+              <a:t> can </a:t>
+            </a:r>
+            <a:r>
+              <a:rPr lang="en-US" sz="2400" dirty="0" err="1"/>
+              <a:t>raed</a:t>
+            </a:r>
+            <a:r>
+              <a:rPr lang="en-US" sz="2400" dirty="0"/>
+              <a:t> </a:t>
+            </a:r>
+            <a:r>
+              <a:rPr lang="en-US" sz="2400" dirty="0" err="1"/>
+              <a:t>tihs</a:t>
+            </a:r>
+            <a:r>
+              <a:rPr lang="en-US" sz="2400" dirty="0"/>
+              <a:t> too.</a:t>
+            </a:r>
+          </a:p>
+          <a:p>
+            <a:endParaRPr lang="en-US" dirty="0"/>
           </a:p>
         </p:txBody>
       </p:sp>
@@ -4779,122 +5166,10 @@
           </a:p>
         </p:txBody>
       </p:sp>
-      <p:pic>
-        <p:nvPicPr>
-          <p:cNvPr id="6" name="Content Placeholder 4" descr="fig_lang_paths.png"/>
-          <p:cNvPicPr>
-            <a:picLocks noChangeAspect="1"/>
-          </p:cNvPicPr>
-          <p:nvPr/>
-        </p:nvPicPr>
-        <p:blipFill rotWithShape="1">
-          <a:blip r:embed="rId2">
-            <a:extLst>
-              <a:ext uri="{28A0092B-C50C-407E-A947-70E740481C1C}">
-                <a14:useLocalDpi xmlns:a14="http://schemas.microsoft.com/office/drawing/2010/main" val="0"/>
-              </a:ext>
-            </a:extLst>
-          </a:blip>
-          <a:srcRect l="-402" r="-713"/>
-          <a:stretch/>
-        </p:blipFill>
-        <p:spPr bwMode="auto">
-          <a:xfrm>
-            <a:off x="2590800" y="1417954"/>
-            <a:ext cx="3810000" cy="2936034"/>
-          </a:xfrm>
-          <a:prstGeom prst="rect">
-            <a:avLst/>
-          </a:prstGeom>
-          <a:noFill/>
-          <a:ln w="9525">
-            <a:noFill/>
-            <a:round/>
-            <a:headEnd/>
-            <a:tailEnd/>
-          </a:ln>
-          <a:effectLst/>
-        </p:spPr>
-      </p:pic>
-      <p:sp>
-        <p:nvSpPr>
-          <p:cNvPr id="7" name="Content Placeholder 6"/>
-          <p:cNvSpPr>
-            <a:spLocks noGrp="1"/>
-          </p:cNvSpPr>
-          <p:nvPr>
-            <p:ph idx="1"/>
-          </p:nvPr>
-        </p:nvSpPr>
-        <p:spPr>
-          <a:xfrm>
-            <a:off x="456627" y="4380857"/>
-            <a:ext cx="8227871" cy="2019944"/>
-          </a:xfrm>
-        </p:spPr>
-        <p:txBody>
-          <a:bodyPr/>
-          <a:lstStyle/>
-          <a:p>
-            <a:r>
-              <a:rPr lang="en-US" sz="2000" b="1" dirty="0"/>
-              <a:t>Phonological</a:t>
-            </a:r>
-            <a:r>
-              <a:rPr lang="en-US" sz="2000" dirty="0"/>
-              <a:t>: </a:t>
-            </a:r>
-            <a:r>
-              <a:rPr lang="en-US" sz="2000" dirty="0" err="1"/>
-              <a:t>nonword</a:t>
-            </a:r>
-            <a:r>
-              <a:rPr lang="en-US" sz="2000" dirty="0"/>
-              <a:t> (“</a:t>
-            </a:r>
-            <a:r>
-              <a:rPr lang="en-US" sz="2000" dirty="0" err="1"/>
-              <a:t>nust</a:t>
-            </a:r>
-            <a:r>
-              <a:rPr lang="en-US" sz="2000" dirty="0"/>
-              <a:t>”) errors</a:t>
-            </a:r>
-          </a:p>
-          <a:p>
-            <a:r>
-              <a:rPr lang="en-US" sz="2000" b="1" dirty="0"/>
-              <a:t>Deep</a:t>
-            </a:r>
-            <a:r>
-              <a:rPr lang="en-US" sz="2000" dirty="0"/>
-              <a:t>: </a:t>
-            </a:r>
-            <a:r>
-              <a:rPr lang="en-US" sz="2000" dirty="0" err="1"/>
-              <a:t>phono</a:t>
-            </a:r>
-            <a:r>
-              <a:rPr lang="en-US" sz="2000" dirty="0"/>
-              <a:t> + semantic errors (“dog” -&gt; “cat”) + visual errors (“dog” -&gt; “dot”)</a:t>
-            </a:r>
-          </a:p>
-          <a:p>
-            <a:r>
-              <a:rPr lang="en-US" sz="2000" b="1" dirty="0"/>
-              <a:t>Surface</a:t>
-            </a:r>
-            <a:r>
-              <a:rPr lang="en-US" sz="2000" dirty="0"/>
-              <a:t>: exception (“yacht”) errors + visual errors + impaired semantic access</a:t>
-            </a:r>
-          </a:p>
-        </p:txBody>
-      </p:sp>
     </p:spTree>
     <p:extLst>
       <p:ext uri="{BB962C8B-B14F-4D97-AF65-F5344CB8AC3E}">
-        <p14:creationId xmlns:p14="http://schemas.microsoft.com/office/powerpoint/2010/main" val="731573845"/>
+        <p14:creationId xmlns:p14="http://schemas.microsoft.com/office/powerpoint/2010/main" val="1600992876"/>
       </p:ext>
     </p:extLst>
   </p:cSld>
@@ -4938,49 +5213,7 @@
           <a:p>
             <a:r>
               <a:rPr lang="en-US" dirty="0"/>
-              <a:t>Regularities &amp; Exceptions</a:t>
-            </a:r>
-          </a:p>
-        </p:txBody>
-      </p:sp>
-      <p:sp>
-        <p:nvSpPr>
-          <p:cNvPr id="3" name="Content Placeholder 2"/>
-          <p:cNvSpPr>
-            <a:spLocks noGrp="1"/>
-          </p:cNvSpPr>
-          <p:nvPr>
-            <p:ph idx="1"/>
-          </p:nvPr>
-        </p:nvSpPr>
-        <p:spPr/>
-        <p:txBody>
-          <a:bodyPr/>
-          <a:lstStyle/>
-          <a:p>
-            <a:r>
-              <a:rPr lang="en-US" dirty="0"/>
-              <a:t>Pronounce “</a:t>
-            </a:r>
-            <a:r>
-              <a:rPr lang="en-US" dirty="0" err="1"/>
-              <a:t>bint</a:t>
-            </a:r>
-            <a:r>
-              <a:rPr lang="en-US" dirty="0"/>
-              <a:t>”</a:t>
-            </a:r>
-          </a:p>
-          <a:p>
-            <a:r>
-              <a:rPr lang="en-US" dirty="0"/>
-              <a:t>(c.f., mint, hint vs. mind, find vs. pint)</a:t>
-            </a:r>
-          </a:p>
-          <a:p>
-            <a:r>
-              <a:rPr lang="en-US" dirty="0"/>
-              <a:t>English pronunciation has partial, context-dependent regularities (“rules”?)</a:t>
+              <a:t>Semantics</a:t>
             </a:r>
           </a:p>
         </p:txBody>
@@ -5004,391 +5237,6 @@
               <a:rPr lang="en-US" smtClean="0"/>
               <a:pPr/>
               <a:t>15</a:t>
-            </a:fld>
-            <a:endParaRPr lang="en-US"/>
-          </a:p>
-        </p:txBody>
-      </p:sp>
-    </p:spTree>
-    <p:extLst>
-      <p:ext uri="{BB962C8B-B14F-4D97-AF65-F5344CB8AC3E}">
-        <p14:creationId xmlns:p14="http://schemas.microsoft.com/office/powerpoint/2010/main" val="1003138283"/>
-      </p:ext>
-    </p:extLst>
-  </p:cSld>
-  <p:clrMapOvr>
-    <a:masterClrMapping/>
-  </p:clrMapOvr>
-</p:sld>
-</file>
-
-<file path=ppt/slides/slide16.xml><?xml version="1.0" encoding="utf-8"?>
-<p:sld xmlns:a="http://schemas.openxmlformats.org/drawingml/2006/main" xmlns:r="http://schemas.openxmlformats.org/officeDocument/2006/relationships" xmlns:p="http://schemas.openxmlformats.org/presentationml/2006/main">
-  <p:cSld>
-    <p:spTree>
-      <p:nvGrpSpPr>
-        <p:cNvPr id="1" name=""/>
-        <p:cNvGrpSpPr/>
-        <p:nvPr/>
-      </p:nvGrpSpPr>
-      <p:grpSpPr>
-        <a:xfrm>
-          <a:off x="0" y="0"/>
-          <a:ext cx="0" cy="0"/>
-          <a:chOff x="0" y="0"/>
-          <a:chExt cx="0" cy="0"/>
-        </a:xfrm>
-      </p:grpSpPr>
-      <p:sp>
-        <p:nvSpPr>
-          <p:cNvPr id="2" name="Title 1"/>
-          <p:cNvSpPr>
-            <a:spLocks noGrp="1"/>
-          </p:cNvSpPr>
-          <p:nvPr>
-            <p:ph type="title"/>
-          </p:nvPr>
-        </p:nvSpPr>
-        <p:spPr/>
-        <p:txBody>
-          <a:bodyPr/>
-          <a:lstStyle/>
-          <a:p>
-            <a:r>
-              <a:rPr lang="en-US" dirty="0"/>
-              <a:t>Reading = Object Recognition</a:t>
-            </a:r>
-          </a:p>
-        </p:txBody>
-      </p:sp>
-      <p:sp>
-        <p:nvSpPr>
-          <p:cNvPr id="3" name="Content Placeholder 2"/>
-          <p:cNvSpPr>
-            <a:spLocks noGrp="1"/>
-          </p:cNvSpPr>
-          <p:nvPr>
-            <p:ph idx="1"/>
-          </p:nvPr>
-        </p:nvSpPr>
-        <p:spPr/>
-        <p:txBody>
-          <a:bodyPr/>
-          <a:lstStyle/>
-          <a:p>
-            <a:r>
-              <a:rPr lang="en-US" dirty="0"/>
-              <a:t>Invariance: b = “b” regardless</a:t>
-            </a:r>
-          </a:p>
-          <a:p>
-            <a:r>
-              <a:rPr lang="en-US" dirty="0"/>
-              <a:t>Context dependence: </a:t>
-            </a:r>
-            <a:r>
-              <a:rPr lang="en-US" dirty="0" err="1"/>
-              <a:t>i</a:t>
-            </a:r>
-            <a:r>
-              <a:rPr lang="en-US" dirty="0"/>
-              <a:t> depends on neighbors (just like any visual features in object)</a:t>
-            </a:r>
-          </a:p>
-        </p:txBody>
-      </p:sp>
-      <p:sp>
-        <p:nvSpPr>
-          <p:cNvPr id="4" name="Slide Number Placeholder 3"/>
-          <p:cNvSpPr>
-            <a:spLocks noGrp="1"/>
-          </p:cNvSpPr>
-          <p:nvPr>
-            <p:ph type="sldNum" idx="12"/>
-          </p:nvPr>
-        </p:nvSpPr>
-        <p:spPr/>
-        <p:txBody>
-          <a:bodyPr/>
-          <a:lstStyle/>
-          <a:p>
-            <a:fld id="{5689AE7F-56EB-8D49-9914-836A4F709789}" type="slidenum">
-              <a:rPr lang="en-US" smtClean="0"/>
-              <a:pPr/>
-              <a:t>16</a:t>
-            </a:fld>
-            <a:endParaRPr lang="en-US"/>
-          </a:p>
-        </p:txBody>
-      </p:sp>
-    </p:spTree>
-    <p:extLst>
-      <p:ext uri="{BB962C8B-B14F-4D97-AF65-F5344CB8AC3E}">
-        <p14:creationId xmlns:p14="http://schemas.microsoft.com/office/powerpoint/2010/main" val="2850134161"/>
-      </p:ext>
-    </p:extLst>
-  </p:cSld>
-  <p:clrMapOvr>
-    <a:masterClrMapping/>
-  </p:clrMapOvr>
-</p:sld>
-</file>
-
-<file path=ppt/slides/slide17.xml><?xml version="1.0" encoding="utf-8"?>
-<p:sld xmlns:a="http://schemas.openxmlformats.org/drawingml/2006/main" xmlns:r="http://schemas.openxmlformats.org/officeDocument/2006/relationships" xmlns:p="http://schemas.openxmlformats.org/presentationml/2006/main">
-  <p:cSld>
-    <p:spTree>
-      <p:nvGrpSpPr>
-        <p:cNvPr id="1" name=""/>
-        <p:cNvGrpSpPr/>
-        <p:nvPr/>
-      </p:nvGrpSpPr>
-      <p:grpSpPr>
-        <a:xfrm>
-          <a:off x="0" y="0"/>
-          <a:ext cx="0" cy="0"/>
-          <a:chOff x="0" y="0"/>
-          <a:chExt cx="0" cy="0"/>
-        </a:xfrm>
-      </p:grpSpPr>
-      <p:sp>
-        <p:nvSpPr>
-          <p:cNvPr id="2" name="Title 1"/>
-          <p:cNvSpPr>
-            <a:spLocks noGrp="1"/>
-          </p:cNvSpPr>
-          <p:nvPr>
-            <p:ph type="title"/>
-          </p:nvPr>
-        </p:nvSpPr>
-        <p:spPr/>
-        <p:txBody>
-          <a:bodyPr/>
-          <a:lstStyle/>
-          <a:p>
-            <a:endParaRPr lang="en-US"/>
-          </a:p>
-        </p:txBody>
-      </p:sp>
-      <p:pic>
-        <p:nvPicPr>
-          <p:cNvPr id="5" name="Content Placeholder 4"/>
-          <p:cNvPicPr>
-            <a:picLocks noGrp="1" noChangeAspect="1"/>
-          </p:cNvPicPr>
-          <p:nvPr>
-            <p:ph idx="1"/>
-          </p:nvPr>
-        </p:nvPicPr>
-        <p:blipFill>
-          <a:blip r:embed="rId2"/>
-          <a:srcRect l="-104574" r="-104574"/>
-          <a:stretch>
-            <a:fillRect/>
-          </a:stretch>
-        </p:blipFill>
-        <p:spPr/>
-      </p:pic>
-      <p:sp>
-        <p:nvSpPr>
-          <p:cNvPr id="4" name="Slide Number Placeholder 3"/>
-          <p:cNvSpPr>
-            <a:spLocks noGrp="1"/>
-          </p:cNvSpPr>
-          <p:nvPr>
-            <p:ph type="sldNum" idx="12"/>
-          </p:nvPr>
-        </p:nvSpPr>
-        <p:spPr/>
-        <p:txBody>
-          <a:bodyPr/>
-          <a:lstStyle/>
-          <a:p>
-            <a:fld id="{5689AE7F-56EB-8D49-9914-836A4F709789}" type="slidenum">
-              <a:rPr lang="en-US" smtClean="0"/>
-              <a:pPr/>
-              <a:t>17</a:t>
-            </a:fld>
-            <a:endParaRPr lang="en-US"/>
-          </a:p>
-        </p:txBody>
-      </p:sp>
-    </p:spTree>
-    <p:extLst>
-      <p:ext uri="{BB962C8B-B14F-4D97-AF65-F5344CB8AC3E}">
-        <p14:creationId xmlns:p14="http://schemas.microsoft.com/office/powerpoint/2010/main" val="2988138505"/>
-      </p:ext>
-    </p:extLst>
-  </p:cSld>
-  <p:clrMapOvr>
-    <a:masterClrMapping/>
-  </p:clrMapOvr>
-</p:sld>
-</file>
-
-<file path=ppt/slides/slide18.xml><?xml version="1.0" encoding="utf-8"?>
-<p:sld xmlns:a="http://schemas.openxmlformats.org/drawingml/2006/main" xmlns:r="http://schemas.openxmlformats.org/officeDocument/2006/relationships" xmlns:p="http://schemas.openxmlformats.org/presentationml/2006/main">
-  <p:cSld>
-    <p:spTree>
-      <p:nvGrpSpPr>
-        <p:cNvPr id="1" name=""/>
-        <p:cNvGrpSpPr/>
-        <p:nvPr/>
-      </p:nvGrpSpPr>
-      <p:grpSpPr>
-        <a:xfrm>
-          <a:off x="0" y="0"/>
-          <a:ext cx="0" cy="0"/>
-          <a:chOff x="0" y="0"/>
-          <a:chExt cx="0" cy="0"/>
-        </a:xfrm>
-      </p:grpSpPr>
-      <p:sp>
-        <p:nvSpPr>
-          <p:cNvPr id="2" name="Title 1"/>
-          <p:cNvSpPr>
-            <a:spLocks noGrp="1"/>
-          </p:cNvSpPr>
-          <p:nvPr>
-            <p:ph type="title"/>
-          </p:nvPr>
-        </p:nvSpPr>
-        <p:spPr/>
-        <p:txBody>
-          <a:bodyPr/>
-          <a:lstStyle/>
-          <a:p>
-            <a:r>
-              <a:rPr lang="en-US" dirty="0" err="1"/>
-              <a:t>Nonword</a:t>
-            </a:r>
-            <a:r>
-              <a:rPr lang="en-US" dirty="0"/>
-              <a:t> Performance</a:t>
-            </a:r>
-          </a:p>
-        </p:txBody>
-      </p:sp>
-      <p:pic>
-        <p:nvPicPr>
-          <p:cNvPr id="5" name="Content Placeholder 4" descr="Screen shot 2011-03-29 at 2.23.26 AM.png"/>
-          <p:cNvPicPr>
-            <a:picLocks noGrp="1" noChangeAspect="1"/>
-          </p:cNvPicPr>
-          <p:nvPr>
-            <p:ph idx="1"/>
-          </p:nvPr>
-        </p:nvPicPr>
-        <p:blipFill>
-          <a:blip r:embed="rId2">
-            <a:extLst>
-              <a:ext uri="{28A0092B-C50C-407E-A947-70E740481C1C}">
-                <a14:useLocalDpi xmlns:a14="http://schemas.microsoft.com/office/drawing/2010/main" val="0"/>
-              </a:ext>
-            </a:extLst>
-          </a:blip>
-          <a:srcRect l="-14035" r="-14035"/>
-          <a:stretch>
-            <a:fillRect/>
-          </a:stretch>
-        </p:blipFill>
-        <p:spPr/>
-      </p:pic>
-      <p:sp>
-        <p:nvSpPr>
-          <p:cNvPr id="4" name="Slide Number Placeholder 3"/>
-          <p:cNvSpPr>
-            <a:spLocks noGrp="1"/>
-          </p:cNvSpPr>
-          <p:nvPr>
-            <p:ph type="sldNum" idx="12"/>
-          </p:nvPr>
-        </p:nvSpPr>
-        <p:spPr/>
-        <p:txBody>
-          <a:bodyPr/>
-          <a:lstStyle/>
-          <a:p>
-            <a:fld id="{5689AE7F-56EB-8D49-9914-836A4F709789}" type="slidenum">
-              <a:rPr lang="en-US" smtClean="0"/>
-              <a:pPr/>
-              <a:t>18</a:t>
-            </a:fld>
-            <a:endParaRPr lang="en-US"/>
-          </a:p>
-        </p:txBody>
-      </p:sp>
-    </p:spTree>
-    <p:extLst>
-      <p:ext uri="{BB962C8B-B14F-4D97-AF65-F5344CB8AC3E}">
-        <p14:creationId xmlns:p14="http://schemas.microsoft.com/office/powerpoint/2010/main" val="851814937"/>
-      </p:ext>
-    </p:extLst>
-  </p:cSld>
-  <p:clrMapOvr>
-    <a:masterClrMapping/>
-  </p:clrMapOvr>
-</p:sld>
-</file>
-
-<file path=ppt/slides/slide19.xml><?xml version="1.0" encoding="utf-8"?>
-<p:sld xmlns:a="http://schemas.openxmlformats.org/drawingml/2006/main" xmlns:r="http://schemas.openxmlformats.org/officeDocument/2006/relationships" xmlns:p="http://schemas.openxmlformats.org/presentationml/2006/main">
-  <p:cSld>
-    <p:spTree>
-      <p:nvGrpSpPr>
-        <p:cNvPr id="1" name=""/>
-        <p:cNvGrpSpPr/>
-        <p:nvPr/>
-      </p:nvGrpSpPr>
-      <p:grpSpPr>
-        <a:xfrm>
-          <a:off x="0" y="0"/>
-          <a:ext cx="0" cy="0"/>
-          <a:chOff x="0" y="0"/>
-          <a:chExt cx="0" cy="0"/>
-        </a:xfrm>
-      </p:grpSpPr>
-      <p:sp>
-        <p:nvSpPr>
-          <p:cNvPr id="2" name="Title 1"/>
-          <p:cNvSpPr>
-            <a:spLocks noGrp="1"/>
-          </p:cNvSpPr>
-          <p:nvPr>
-            <p:ph type="title"/>
-          </p:nvPr>
-        </p:nvSpPr>
-        <p:spPr/>
-        <p:txBody>
-          <a:bodyPr/>
-          <a:lstStyle/>
-          <a:p>
-            <a:r>
-              <a:rPr lang="en-US" dirty="0"/>
-              <a:t>Semantics</a:t>
-            </a:r>
-          </a:p>
-        </p:txBody>
-      </p:sp>
-      <p:sp>
-        <p:nvSpPr>
-          <p:cNvPr id="4" name="Slide Number Placeholder 3"/>
-          <p:cNvSpPr>
-            <a:spLocks noGrp="1"/>
-          </p:cNvSpPr>
-          <p:nvPr>
-            <p:ph type="sldNum" idx="12"/>
-          </p:nvPr>
-        </p:nvSpPr>
-        <p:spPr/>
-        <p:txBody>
-          <a:bodyPr/>
-          <a:lstStyle/>
-          <a:p>
-            <a:fld id="{5689AE7F-56EB-8D49-9914-836A4F709789}" type="slidenum">
-              <a:rPr lang="en-US" smtClean="0"/>
-              <a:pPr/>
-              <a:t>19</a:t>
             </a:fld>
             <a:endParaRPr lang="en-US"/>
           </a:p>
@@ -5444,6 +5292,505 @@
 </p:sld>
 </file>
 
+<file path=ppt/slides/slide16.xml><?xml version="1.0" encoding="utf-8"?>
+<p:sld xmlns:a="http://schemas.openxmlformats.org/drawingml/2006/main" xmlns:r="http://schemas.openxmlformats.org/officeDocument/2006/relationships" xmlns:p="http://schemas.openxmlformats.org/presentationml/2006/main">
+  <p:cSld>
+    <p:spTree>
+      <p:nvGrpSpPr>
+        <p:cNvPr id="1" name=""/>
+        <p:cNvGrpSpPr/>
+        <p:nvPr/>
+      </p:nvGrpSpPr>
+      <p:grpSpPr>
+        <a:xfrm>
+          <a:off x="0" y="0"/>
+          <a:ext cx="0" cy="0"/>
+          <a:chOff x="0" y="0"/>
+          <a:chExt cx="0" cy="0"/>
+        </a:xfrm>
+      </p:grpSpPr>
+      <p:sp>
+        <p:nvSpPr>
+          <p:cNvPr id="2" name="Title 1"/>
+          <p:cNvSpPr>
+            <a:spLocks noGrp="1"/>
+          </p:cNvSpPr>
+          <p:nvPr>
+            <p:ph type="title"/>
+          </p:nvPr>
+        </p:nvSpPr>
+        <p:spPr/>
+        <p:txBody>
+          <a:bodyPr/>
+          <a:lstStyle/>
+          <a:p>
+            <a:r>
+              <a:rPr lang="en-US" dirty="0"/>
+              <a:t>Sentences and Syntax</a:t>
+            </a:r>
+          </a:p>
+        </p:txBody>
+      </p:sp>
+      <p:pic>
+        <p:nvPicPr>
+          <p:cNvPr id="5" name="Content Placeholder 4" descr="fig_lang_phrase_stru.png"/>
+          <p:cNvPicPr>
+            <a:picLocks noGrp="1" noChangeAspect="1"/>
+          </p:cNvPicPr>
+          <p:nvPr>
+            <p:ph idx="1"/>
+          </p:nvPr>
+        </p:nvPicPr>
+        <p:blipFill>
+          <a:blip r:embed="rId2">
+            <a:extLst>
+              <a:ext uri="{28A0092B-C50C-407E-A947-70E740481C1C}">
+                <a14:useLocalDpi xmlns:a14="http://schemas.microsoft.com/office/drawing/2010/main" val="0"/>
+              </a:ext>
+            </a:extLst>
+          </a:blip>
+          <a:srcRect l="-9734" r="-9734"/>
+          <a:stretch>
+            <a:fillRect/>
+          </a:stretch>
+        </p:blipFill>
+        <p:spPr>
+          <a:xfrm>
+            <a:off x="1447800" y="1752600"/>
+            <a:ext cx="6098880" cy="3353766"/>
+          </a:xfrm>
+        </p:spPr>
+      </p:pic>
+      <p:sp>
+        <p:nvSpPr>
+          <p:cNvPr id="4" name="Slide Number Placeholder 3"/>
+          <p:cNvSpPr>
+            <a:spLocks noGrp="1"/>
+          </p:cNvSpPr>
+          <p:nvPr>
+            <p:ph type="sldNum" idx="12"/>
+          </p:nvPr>
+        </p:nvSpPr>
+        <p:spPr/>
+        <p:txBody>
+          <a:bodyPr/>
+          <a:lstStyle/>
+          <a:p>
+            <a:fld id="{5689AE7F-56EB-8D49-9914-836A4F709789}" type="slidenum">
+              <a:rPr lang="en-US" smtClean="0"/>
+              <a:pPr/>
+              <a:t>16</a:t>
+            </a:fld>
+            <a:endParaRPr lang="en-US"/>
+          </a:p>
+        </p:txBody>
+      </p:sp>
+      <p:sp>
+        <p:nvSpPr>
+          <p:cNvPr id="6" name="TextBox 5"/>
+          <p:cNvSpPr txBox="1"/>
+          <p:nvPr/>
+        </p:nvSpPr>
+        <p:spPr>
+          <a:xfrm>
+            <a:off x="1219201" y="5562601"/>
+            <a:ext cx="5943600" cy="523220"/>
+          </a:xfrm>
+          <a:prstGeom prst="rect">
+            <a:avLst/>
+          </a:prstGeom>
+          <a:noFill/>
+        </p:spPr>
+        <p:txBody>
+          <a:bodyPr wrap="square" lIns="91430" tIns="45715" rIns="91430" bIns="45715" rtlCol="0">
+            <a:spAutoFit/>
+          </a:bodyPr>
+          <a:lstStyle/>
+          <a:p>
+            <a:r>
+              <a:rPr lang="en-US" sz="2800" dirty="0"/>
+              <a:t>Is this how it really works??</a:t>
+            </a:r>
+          </a:p>
+        </p:txBody>
+      </p:sp>
+    </p:spTree>
+    <p:extLst>
+      <p:ext uri="{BB962C8B-B14F-4D97-AF65-F5344CB8AC3E}">
+        <p14:creationId xmlns:p14="http://schemas.microsoft.com/office/powerpoint/2010/main" val="4120458859"/>
+      </p:ext>
+    </p:extLst>
+  </p:cSld>
+  <p:clrMapOvr>
+    <a:masterClrMapping/>
+  </p:clrMapOvr>
+</p:sld>
+</file>
+
+<file path=ppt/slides/slide17.xml><?xml version="1.0" encoding="utf-8"?>
+<p:sld xmlns:a="http://schemas.openxmlformats.org/drawingml/2006/main" xmlns:r="http://schemas.openxmlformats.org/officeDocument/2006/relationships" xmlns:p="http://schemas.openxmlformats.org/presentationml/2006/main">
+  <p:cSld>
+    <p:spTree>
+      <p:nvGrpSpPr>
+        <p:cNvPr id="1" name=""/>
+        <p:cNvGrpSpPr/>
+        <p:nvPr/>
+      </p:nvGrpSpPr>
+      <p:grpSpPr>
+        <a:xfrm>
+          <a:off x="0" y="0"/>
+          <a:ext cx="0" cy="0"/>
+          <a:chOff x="0" y="0"/>
+          <a:chExt cx="0" cy="0"/>
+        </a:xfrm>
+      </p:grpSpPr>
+      <p:sp>
+        <p:nvSpPr>
+          <p:cNvPr id="2" name="Title 1"/>
+          <p:cNvSpPr>
+            <a:spLocks noGrp="1"/>
+          </p:cNvSpPr>
+          <p:nvPr>
+            <p:ph type="title"/>
+          </p:nvPr>
+        </p:nvSpPr>
+        <p:spPr/>
+        <p:txBody>
+          <a:bodyPr/>
+          <a:lstStyle/>
+          <a:p>
+            <a:r>
+              <a:rPr lang="en-US" dirty="0"/>
+              <a:t>Those Pesky Time Flies..</a:t>
+            </a:r>
+          </a:p>
+        </p:txBody>
+      </p:sp>
+      <p:sp>
+        <p:nvSpPr>
+          <p:cNvPr id="3" name="Content Placeholder 2"/>
+          <p:cNvSpPr>
+            <a:spLocks noGrp="1"/>
+          </p:cNvSpPr>
+          <p:nvPr>
+            <p:ph idx="1"/>
+          </p:nvPr>
+        </p:nvSpPr>
+        <p:spPr/>
+        <p:txBody>
+          <a:bodyPr/>
+          <a:lstStyle/>
+          <a:p>
+            <a:r>
+              <a:rPr lang="en-US" dirty="0"/>
+              <a:t>Time flies like an arrow.</a:t>
+            </a:r>
+          </a:p>
+          <a:p>
+            <a:r>
+              <a:rPr lang="en-US" dirty="0"/>
+              <a:t>Fruit flies like a banana.</a:t>
+            </a:r>
+          </a:p>
+          <a:p>
+            <a:endParaRPr lang="en-US" dirty="0"/>
+          </a:p>
+          <a:p>
+            <a:r>
+              <a:rPr lang="en-US" dirty="0"/>
+              <a:t>The slippers were found by the nosy dog.</a:t>
+            </a:r>
+          </a:p>
+          <a:p>
+            <a:r>
+              <a:rPr lang="en-US" dirty="0"/>
+              <a:t>The slippers were found by the sleeping dog.</a:t>
+            </a:r>
+          </a:p>
+          <a:p>
+            <a:endParaRPr lang="en-US" dirty="0"/>
+          </a:p>
+          <a:p>
+            <a:r>
+              <a:rPr lang="en-US" dirty="0"/>
+              <a:t>Syntax depends on semantics very deeply..</a:t>
+            </a:r>
+          </a:p>
+        </p:txBody>
+      </p:sp>
+      <p:sp>
+        <p:nvSpPr>
+          <p:cNvPr id="4" name="Slide Number Placeholder 3"/>
+          <p:cNvSpPr>
+            <a:spLocks noGrp="1"/>
+          </p:cNvSpPr>
+          <p:nvPr>
+            <p:ph type="sldNum" idx="12"/>
+          </p:nvPr>
+        </p:nvSpPr>
+        <p:spPr/>
+        <p:txBody>
+          <a:bodyPr/>
+          <a:lstStyle/>
+          <a:p>
+            <a:fld id="{5689AE7F-56EB-8D49-9914-836A4F709789}" type="slidenum">
+              <a:rPr lang="en-US" smtClean="0"/>
+              <a:pPr/>
+              <a:t>17</a:t>
+            </a:fld>
+            <a:endParaRPr lang="en-US"/>
+          </a:p>
+        </p:txBody>
+      </p:sp>
+    </p:spTree>
+    <p:extLst>
+      <p:ext uri="{BB962C8B-B14F-4D97-AF65-F5344CB8AC3E}">
+        <p14:creationId xmlns:p14="http://schemas.microsoft.com/office/powerpoint/2010/main" val="1846005280"/>
+      </p:ext>
+    </p:extLst>
+  </p:cSld>
+  <p:clrMapOvr>
+    <a:masterClrMapping/>
+  </p:clrMapOvr>
+</p:sld>
+</file>
+
+<file path=ppt/slides/slide18.xml><?xml version="1.0" encoding="utf-8"?>
+<p:sld xmlns:a="http://schemas.openxmlformats.org/drawingml/2006/main" xmlns:r="http://schemas.openxmlformats.org/officeDocument/2006/relationships" xmlns:p="http://schemas.openxmlformats.org/presentationml/2006/main">
+  <p:cSld>
+    <p:spTree>
+      <p:nvGrpSpPr>
+        <p:cNvPr id="1" name=""/>
+        <p:cNvGrpSpPr/>
+        <p:nvPr/>
+      </p:nvGrpSpPr>
+      <p:grpSpPr>
+        <a:xfrm>
+          <a:off x="0" y="0"/>
+          <a:ext cx="0" cy="0"/>
+          <a:chOff x="0" y="0"/>
+          <a:chExt cx="0" cy="0"/>
+        </a:xfrm>
+      </p:grpSpPr>
+      <p:sp>
+        <p:nvSpPr>
+          <p:cNvPr id="2" name="Title 1"/>
+          <p:cNvSpPr>
+            <a:spLocks noGrp="1"/>
+          </p:cNvSpPr>
+          <p:nvPr>
+            <p:ph type="title"/>
+          </p:nvPr>
+        </p:nvSpPr>
+        <p:spPr/>
+        <p:txBody>
+          <a:bodyPr/>
+          <a:lstStyle/>
+          <a:p>
+            <a:r>
+              <a:rPr lang="en-US" dirty="0"/>
+              <a:t>The “Gestalt” Alternative</a:t>
+            </a:r>
+          </a:p>
+        </p:txBody>
+      </p:sp>
+      <p:sp>
+        <p:nvSpPr>
+          <p:cNvPr id="3" name="Content Placeholder 2"/>
+          <p:cNvSpPr>
+            <a:spLocks noGrp="1"/>
+          </p:cNvSpPr>
+          <p:nvPr>
+            <p:ph idx="1"/>
+          </p:nvPr>
+        </p:nvSpPr>
+        <p:spPr/>
+        <p:txBody>
+          <a:bodyPr/>
+          <a:lstStyle/>
+          <a:p>
+            <a:r>
+              <a:rPr lang="en-US" dirty="0"/>
+              <a:t>Just try to get the gist of what the sentence is saying:</a:t>
+            </a:r>
+          </a:p>
+          <a:p>
+            <a:r>
+              <a:rPr lang="en-US" dirty="0"/>
+              <a:t>G. W. Bush:</a:t>
+            </a:r>
+          </a:p>
+          <a:p>
+            <a:r>
+              <a:rPr lang="en-US" dirty="0"/>
+              <a:t>“Families is where our nation finds hope, where wings take dream.”</a:t>
+            </a:r>
+          </a:p>
+          <a:p>
+            <a:endParaRPr lang="en-US" dirty="0"/>
+          </a:p>
+          <a:p>
+            <a:r>
+              <a:rPr lang="en-US" dirty="0"/>
+              <a:t>Does this really work?  How?</a:t>
+            </a:r>
+          </a:p>
+        </p:txBody>
+      </p:sp>
+      <p:sp>
+        <p:nvSpPr>
+          <p:cNvPr id="4" name="Slide Number Placeholder 3"/>
+          <p:cNvSpPr>
+            <a:spLocks noGrp="1"/>
+          </p:cNvSpPr>
+          <p:nvPr>
+            <p:ph type="sldNum" idx="12"/>
+          </p:nvPr>
+        </p:nvSpPr>
+        <p:spPr/>
+        <p:txBody>
+          <a:bodyPr/>
+          <a:lstStyle/>
+          <a:p>
+            <a:fld id="{5689AE7F-56EB-8D49-9914-836A4F709789}" type="slidenum">
+              <a:rPr lang="en-US" smtClean="0"/>
+              <a:pPr/>
+              <a:t>18</a:t>
+            </a:fld>
+            <a:endParaRPr lang="en-US"/>
+          </a:p>
+        </p:txBody>
+      </p:sp>
+    </p:spTree>
+    <p:extLst>
+      <p:ext uri="{BB962C8B-B14F-4D97-AF65-F5344CB8AC3E}">
+        <p14:creationId xmlns:p14="http://schemas.microsoft.com/office/powerpoint/2010/main" val="3653820872"/>
+      </p:ext>
+    </p:extLst>
+  </p:cSld>
+  <p:clrMapOvr>
+    <a:masterClrMapping/>
+  </p:clrMapOvr>
+</p:sld>
+</file>
+
+<file path=ppt/slides/slide19.xml><?xml version="1.0" encoding="utf-8"?>
+<p:sld xmlns:a="http://schemas.openxmlformats.org/drawingml/2006/main" xmlns:r="http://schemas.openxmlformats.org/officeDocument/2006/relationships" xmlns:p="http://schemas.openxmlformats.org/presentationml/2006/main">
+  <p:cSld>
+    <p:spTree>
+      <p:nvGrpSpPr>
+        <p:cNvPr id="1" name=""/>
+        <p:cNvGrpSpPr/>
+        <p:nvPr/>
+      </p:nvGrpSpPr>
+      <p:grpSpPr>
+        <a:xfrm>
+          <a:off x="0" y="0"/>
+          <a:ext cx="0" cy="0"/>
+          <a:chOff x="0" y="0"/>
+          <a:chExt cx="0" cy="0"/>
+        </a:xfrm>
+      </p:grpSpPr>
+      <p:sp>
+        <p:nvSpPr>
+          <p:cNvPr id="2" name="Title 1">
+            <a:extLst>
+              <a:ext uri="{FF2B5EF4-FFF2-40B4-BE49-F238E27FC236}">
+                <a16:creationId xmlns:a16="http://schemas.microsoft.com/office/drawing/2014/main" id="{6D961F1E-B394-894D-937F-2A49578E9CE9}"/>
+              </a:ext>
+            </a:extLst>
+          </p:cNvPr>
+          <p:cNvSpPr>
+            <a:spLocks noGrp="1"/>
+          </p:cNvSpPr>
+          <p:nvPr>
+            <p:ph type="title"/>
+          </p:nvPr>
+        </p:nvSpPr>
+        <p:spPr/>
+        <p:txBody>
+          <a:bodyPr/>
+          <a:lstStyle/>
+          <a:p>
+            <a:r>
+              <a:rPr lang="en-US" dirty="0"/>
+              <a:t>Pictograph -&gt; Logograph</a:t>
+            </a:r>
+          </a:p>
+        </p:txBody>
+      </p:sp>
+      <p:pic>
+        <p:nvPicPr>
+          <p:cNvPr id="6" name="Content Placeholder 5">
+            <a:extLst>
+              <a:ext uri="{FF2B5EF4-FFF2-40B4-BE49-F238E27FC236}">
+                <a16:creationId xmlns:a16="http://schemas.microsoft.com/office/drawing/2014/main" id="{16921DCC-B237-5841-9E2D-C14BE2D1B163}"/>
+              </a:ext>
+            </a:extLst>
+          </p:cNvPr>
+          <p:cNvPicPr>
+            <a:picLocks noGrp="1" noChangeAspect="1"/>
+          </p:cNvPicPr>
+          <p:nvPr>
+            <p:ph idx="1"/>
+          </p:nvPr>
+        </p:nvPicPr>
+        <p:blipFill>
+          <a:blip r:embed="rId2"/>
+          <a:stretch>
+            <a:fillRect/>
+          </a:stretch>
+        </p:blipFill>
+        <p:spPr>
+          <a:xfrm>
+            <a:off x="3109866" y="1604963"/>
+            <a:ext cx="2922680" cy="4524375"/>
+          </a:xfrm>
+        </p:spPr>
+      </p:pic>
+      <p:sp>
+        <p:nvSpPr>
+          <p:cNvPr id="4" name="Slide Number Placeholder 3">
+            <a:extLst>
+              <a:ext uri="{FF2B5EF4-FFF2-40B4-BE49-F238E27FC236}">
+                <a16:creationId xmlns:a16="http://schemas.microsoft.com/office/drawing/2014/main" id="{289AACC1-003C-0B4E-8574-E735AB4BE8D1}"/>
+              </a:ext>
+            </a:extLst>
+          </p:cNvPr>
+          <p:cNvSpPr>
+            <a:spLocks noGrp="1"/>
+          </p:cNvSpPr>
+          <p:nvPr>
+            <p:ph type="sldNum" idx="12"/>
+          </p:nvPr>
+        </p:nvSpPr>
+        <p:spPr/>
+        <p:txBody>
+          <a:bodyPr/>
+          <a:lstStyle/>
+          <a:p>
+            <a:fld id="{5689AE7F-56EB-8D49-9914-836A4F709789}" type="slidenum">
+              <a:rPr lang="en-US" smtClean="0"/>
+              <a:pPr/>
+              <a:t>19</a:t>
+            </a:fld>
+            <a:endParaRPr lang="en-US"/>
+          </a:p>
+        </p:txBody>
+      </p:sp>
+    </p:spTree>
+    <p:extLst>
+      <p:ext uri="{BB962C8B-B14F-4D97-AF65-F5344CB8AC3E}">
+        <p14:creationId xmlns:p14="http://schemas.microsoft.com/office/powerpoint/2010/main" val="2082862302"/>
+      </p:ext>
+    </p:extLst>
+  </p:cSld>
+  <p:clrMapOvr>
+    <a:masterClrMapping/>
+  </p:clrMapOvr>
+</p:sld>
+</file>
+
 <file path=ppt/slides/slide2.xml><?xml version="1.0" encoding="utf-8"?>
 <p:sld xmlns:a="http://schemas.openxmlformats.org/drawingml/2006/main" xmlns:r="http://schemas.openxmlformats.org/officeDocument/2006/relationships" xmlns:p="http://schemas.openxmlformats.org/presentationml/2006/main">
   <p:cSld>
@@ -5648,7 +5995,13 @@
       </p:grpSpPr>
       <p:sp>
         <p:nvSpPr>
-          <p:cNvPr id="2" name="Title 1"/>
+          <p:cNvPr id="2" name="Title 1">
+            <a:extLst>
+              <a:ext uri="{FF2B5EF4-FFF2-40B4-BE49-F238E27FC236}">
+                <a16:creationId xmlns:a16="http://schemas.microsoft.com/office/drawing/2014/main" id="{F41F7F1A-09AD-564C-B3C1-F2F07DAC8950}"/>
+              </a:ext>
+            </a:extLst>
+          </p:cNvPr>
           <p:cNvSpPr>
             <a:spLocks noGrp="1"/>
           </p:cNvSpPr>
@@ -5663,52 +6016,49 @@
           <a:p>
             <a:r>
               <a:rPr lang="en-US" dirty="0"/>
-              <a:t>Word Statistics</a:t>
-            </a:r>
-          </a:p>
-        </p:txBody>
-      </p:sp>
-      <p:sp>
-        <p:nvSpPr>
-          <p:cNvPr id="3" name="Content Placeholder 2"/>
-          <p:cNvSpPr>
-            <a:spLocks noGrp="1"/>
-          </p:cNvSpPr>
+              <a:t>The One Alphabet!</a:t>
+            </a:r>
+          </a:p>
+        </p:txBody>
+      </p:sp>
+      <p:pic>
+        <p:nvPicPr>
+          <p:cNvPr id="6" name="Content Placeholder 5">
+            <a:extLst>
+              <a:ext uri="{FF2B5EF4-FFF2-40B4-BE49-F238E27FC236}">
+                <a16:creationId xmlns:a16="http://schemas.microsoft.com/office/drawing/2014/main" id="{D692E0A0-51BC-EC4B-843D-F489079C5972}"/>
+              </a:ext>
+            </a:extLst>
+          </p:cNvPr>
+          <p:cNvPicPr>
+            <a:picLocks noGrp="1" noChangeAspect="1"/>
+          </p:cNvPicPr>
           <p:nvPr>
             <p:ph idx="1"/>
           </p:nvPr>
-        </p:nvSpPr>
-        <p:spPr/>
-        <p:txBody>
-          <a:bodyPr/>
-          <a:lstStyle/>
-          <a:p>
-            <a:r>
-              <a:rPr lang="en-US" dirty="0"/>
-              <a:t>Can you infer word meaning from the company it keeps??</a:t>
-            </a:r>
-          </a:p>
-          <a:p>
-            <a:pPr lvl="1"/>
-            <a:r>
-              <a:rPr lang="en-US" dirty="0"/>
-              <a:t>Yes!  Latent Semantic Analysis (LSA)</a:t>
-            </a:r>
-          </a:p>
-          <a:p>
-            <a:endParaRPr lang="en-US" dirty="0"/>
-          </a:p>
-          <a:p>
-            <a:r>
-              <a:rPr lang="en-US" dirty="0"/>
-              <a:t>Just like V1 RF model – extract statistical structure from natural correlations in language</a:t>
-            </a:r>
-          </a:p>
-        </p:txBody>
-      </p:sp>
-      <p:sp>
-        <p:nvSpPr>
-          <p:cNvPr id="4" name="Slide Number Placeholder 3"/>
+        </p:nvPicPr>
+        <p:blipFill>
+          <a:blip r:embed="rId2"/>
+          <a:stretch>
+            <a:fillRect/>
+          </a:stretch>
+        </p:blipFill>
+        <p:spPr>
+          <a:xfrm>
+            <a:off x="457200" y="2772148"/>
+            <a:ext cx="8228013" cy="2190004"/>
+          </a:xfrm>
+        </p:spPr>
+      </p:pic>
+      <p:sp>
+        <p:nvSpPr>
+          <p:cNvPr id="4" name="Slide Number Placeholder 3">
+            <a:extLst>
+              <a:ext uri="{FF2B5EF4-FFF2-40B4-BE49-F238E27FC236}">
+                <a16:creationId xmlns:a16="http://schemas.microsoft.com/office/drawing/2014/main" id="{634BCFAC-7382-E440-BB41-56A896C309E5}"/>
+              </a:ext>
+            </a:extLst>
+          </p:cNvPr>
           <p:cNvSpPr>
             <a:spLocks noGrp="1"/>
           </p:cNvSpPr>
@@ -5733,7 +6083,7 @@
     </p:spTree>
     <p:extLst>
       <p:ext uri="{BB962C8B-B14F-4D97-AF65-F5344CB8AC3E}">
-        <p14:creationId xmlns:p14="http://schemas.microsoft.com/office/powerpoint/2010/main" val="3724337823"/>
+        <p14:creationId xmlns:p14="http://schemas.microsoft.com/office/powerpoint/2010/main" val="1068843268"/>
       </p:ext>
     </p:extLst>
   </p:cSld>
@@ -5762,7 +6112,13 @@
       </p:grpSpPr>
       <p:sp>
         <p:nvSpPr>
-          <p:cNvPr id="2" name="Title 1"/>
+          <p:cNvPr id="2" name="Title 1">
+            <a:extLst>
+              <a:ext uri="{FF2B5EF4-FFF2-40B4-BE49-F238E27FC236}">
+                <a16:creationId xmlns:a16="http://schemas.microsoft.com/office/drawing/2014/main" id="{9A3FACB7-3486-F44B-939B-C64E0092510F}"/>
+              </a:ext>
+            </a:extLst>
+          </p:cNvPr>
           <p:cNvSpPr>
             <a:spLocks noGrp="1"/>
           </p:cNvSpPr>
@@ -5777,14 +6133,20 @@
           <a:p>
             <a:r>
               <a:rPr lang="en-US" dirty="0"/>
-              <a:t>Multiple Choice Quiz</a:t>
+              <a:t>Language -&gt; Culture</a:t>
             </a:r>
           </a:p>
         </p:txBody>
       </p:sp>
       <p:pic>
         <p:nvPicPr>
-          <p:cNvPr id="5" name="Content Placeholder 4" descr="Screen shot 2011-03-29 at 2.28.23 AM.png"/>
+          <p:cNvPr id="6" name="Content Placeholder 5">
+            <a:extLst>
+              <a:ext uri="{FF2B5EF4-FFF2-40B4-BE49-F238E27FC236}">
+                <a16:creationId xmlns:a16="http://schemas.microsoft.com/office/drawing/2014/main" id="{D1C4B70C-0D6A-8343-BD42-7287135313A7}"/>
+              </a:ext>
+            </a:extLst>
+          </p:cNvPr>
           <p:cNvPicPr>
             <a:picLocks noGrp="1" noChangeAspect="1"/>
           </p:cNvPicPr>
@@ -5793,23 +6155,30 @@
           </p:nvPr>
         </p:nvPicPr>
         <p:blipFill>
-          <a:blip r:embed="rId2">
-            <a:extLst>
-              <a:ext uri="{28A0092B-C50C-407E-A947-70E740481C1C}">
-                <a14:useLocalDpi xmlns:a14="http://schemas.microsoft.com/office/drawing/2010/main" val="0"/>
-              </a:ext>
-            </a:extLst>
-          </a:blip>
-          <a:srcRect t="-9564" b="-9564"/>
+          <a:blip r:embed="rId2"/>
           <a:stretch>
             <a:fillRect/>
           </a:stretch>
         </p:blipFill>
-        <p:spPr/>
+        <p:spPr>
+          <a:xfrm>
+            <a:off x="928942" y="1604963"/>
+            <a:ext cx="7284528" cy="4524375"/>
+          </a:xfrm>
+          <a:solidFill>
+            <a:schemeClr val="bg1"/>
+          </a:solidFill>
+        </p:spPr>
       </p:pic>
       <p:sp>
         <p:nvSpPr>
-          <p:cNvPr id="4" name="Slide Number Placeholder 3"/>
+          <p:cNvPr id="4" name="Slide Number Placeholder 3">
+            <a:extLst>
+              <a:ext uri="{FF2B5EF4-FFF2-40B4-BE49-F238E27FC236}">
+                <a16:creationId xmlns:a16="http://schemas.microsoft.com/office/drawing/2014/main" id="{15EDFE32-0663-1947-98C1-0791626F39DD}"/>
+              </a:ext>
+            </a:extLst>
+          </p:cNvPr>
           <p:cNvSpPr>
             <a:spLocks noGrp="1"/>
           </p:cNvSpPr>
@@ -5834,7 +6203,7 @@
     </p:spTree>
     <p:extLst>
       <p:ext uri="{BB962C8B-B14F-4D97-AF65-F5344CB8AC3E}">
-        <p14:creationId xmlns:p14="http://schemas.microsoft.com/office/powerpoint/2010/main" val="1175991927"/>
+        <p14:creationId xmlns:p14="http://schemas.microsoft.com/office/powerpoint/2010/main" val="2512947870"/>
       </p:ext>
     </p:extLst>
   </p:cSld>
@@ -5863,59 +6232,111 @@
       </p:grpSpPr>
       <p:sp>
         <p:nvSpPr>
-          <p:cNvPr id="2" name="Title 1"/>
-          <p:cNvSpPr>
-            <a:spLocks noGrp="1"/>
-          </p:cNvSpPr>
-          <p:nvPr>
-            <p:ph type="title"/>
-          </p:nvPr>
-        </p:nvSpPr>
-        <p:spPr/>
-        <p:txBody>
-          <a:bodyPr/>
-          <a:lstStyle/>
-          <a:p>
-            <a:r>
-              <a:rPr lang="en-US" dirty="0"/>
-              <a:t>Sentences and Syntax</a:t>
-            </a:r>
-          </a:p>
-        </p:txBody>
-      </p:sp>
-      <p:pic>
-        <p:nvPicPr>
-          <p:cNvPr id="5" name="Content Placeholder 4" descr="fig_lang_phrase_stru.png"/>
-          <p:cNvPicPr>
-            <a:picLocks noGrp="1" noChangeAspect="1"/>
-          </p:cNvPicPr>
-          <p:nvPr>
-            <p:ph idx="1"/>
-          </p:nvPr>
-        </p:nvPicPr>
-        <p:blipFill>
-          <a:blip r:embed="rId2">
+          <p:cNvPr id="2" name="Title 1">
             <a:extLst>
-              <a:ext uri="{28A0092B-C50C-407E-A947-70E740481C1C}">
-                <a14:useLocalDpi xmlns:a14="http://schemas.microsoft.com/office/drawing/2010/main" val="0"/>
+              <a:ext uri="{FF2B5EF4-FFF2-40B4-BE49-F238E27FC236}">
+                <a16:creationId xmlns:a16="http://schemas.microsoft.com/office/drawing/2014/main" id="{8376DE8B-124D-7C4F-9E61-81A84118B891}"/>
               </a:ext>
             </a:extLst>
-          </a:blip>
-          <a:srcRect l="-9734" r="-9734"/>
-          <a:stretch>
-            <a:fillRect/>
-          </a:stretch>
-        </p:blipFill>
-        <p:spPr>
-          <a:xfrm>
-            <a:off x="1447800" y="1752600"/>
-            <a:ext cx="6098880" cy="3353766"/>
-          </a:xfrm>
-        </p:spPr>
-      </p:pic>
-      <p:sp>
-        <p:nvSpPr>
-          <p:cNvPr id="4" name="Slide Number Placeholder 3"/>
+          </p:cNvPr>
+          <p:cNvSpPr>
+            <a:spLocks noGrp="1"/>
+          </p:cNvSpPr>
+          <p:nvPr>
+            <p:ph type="title"/>
+          </p:nvPr>
+        </p:nvSpPr>
+        <p:spPr/>
+        <p:txBody>
+          <a:bodyPr/>
+          <a:lstStyle/>
+          <a:p>
+            <a:r>
+              <a:rPr lang="en-US" dirty="0"/>
+              <a:t>Innate Grammar</a:t>
+            </a:r>
+          </a:p>
+        </p:txBody>
+      </p:sp>
+      <p:sp>
+        <p:nvSpPr>
+          <p:cNvPr id="3" name="Content Placeholder 2">
+            <a:extLst>
+              <a:ext uri="{FF2B5EF4-FFF2-40B4-BE49-F238E27FC236}">
+                <a16:creationId xmlns:a16="http://schemas.microsoft.com/office/drawing/2014/main" id="{44A5F6C8-ECBE-624B-8859-364ED5532F4C}"/>
+              </a:ext>
+            </a:extLst>
+          </p:cNvPr>
+          <p:cNvSpPr>
+            <a:spLocks noGrp="1"/>
+          </p:cNvSpPr>
+          <p:nvPr>
+            <p:ph idx="1"/>
+          </p:nvPr>
+        </p:nvSpPr>
+        <p:spPr/>
+        <p:txBody>
+          <a:bodyPr/>
+          <a:lstStyle/>
+          <a:p>
+            <a:r>
+              <a:rPr lang="en-US" dirty="0"/>
+              <a:t>Similar syntax elements across languages</a:t>
+            </a:r>
+          </a:p>
+          <a:p>
+            <a:r>
+              <a:rPr lang="en-US" dirty="0"/>
+              <a:t>Poverty of the stimulus</a:t>
+            </a:r>
+          </a:p>
+          <a:p>
+            <a:pPr marL="97901" indent="0">
+              <a:buNone/>
+            </a:pPr>
+            <a:r>
+              <a:rPr lang="en-US" dirty="0"/>
+              <a:t>vs.</a:t>
+            </a:r>
+          </a:p>
+          <a:p>
+            <a:pPr marL="97901" indent="0">
+              <a:buNone/>
+            </a:pPr>
+            <a:r>
+              <a:rPr lang="en-US" dirty="0"/>
+              <a:t>Brain constraints</a:t>
+            </a:r>
+          </a:p>
+          <a:p>
+            <a:pPr marL="97901" indent="0">
+              <a:buNone/>
+            </a:pPr>
+            <a:r>
+              <a:rPr lang="en-US" dirty="0"/>
+              <a:t>Statistics -&gt; much richer information</a:t>
+            </a:r>
+          </a:p>
+          <a:p>
+            <a:pPr marL="97901" indent="0">
+              <a:buNone/>
+            </a:pPr>
+            <a:r>
+              <a:rPr lang="en-US" dirty="0"/>
+              <a:t>Predictive learning -&gt; "</a:t>
+            </a:r>
+          </a:p>
+        </p:txBody>
+      </p:sp>
+      <p:sp>
+        <p:nvSpPr>
+          <p:cNvPr id="4" name="Slide Number Placeholder 3">
+            <a:extLst>
+              <a:ext uri="{FF2B5EF4-FFF2-40B4-BE49-F238E27FC236}">
+                <a16:creationId xmlns:a16="http://schemas.microsoft.com/office/drawing/2014/main" id="{6B49221C-D96B-8243-BB35-F25545D134F5}"/>
+              </a:ext>
+            </a:extLst>
+          </p:cNvPr>
           <p:cNvSpPr>
             <a:spLocks noGrp="1"/>
           </p:cNvSpPr>
@@ -5937,1194 +6358,10 @@
           </a:p>
         </p:txBody>
       </p:sp>
-      <p:sp>
-        <p:nvSpPr>
-          <p:cNvPr id="6" name="TextBox 5"/>
-          <p:cNvSpPr txBox="1"/>
-          <p:nvPr/>
-        </p:nvSpPr>
-        <p:spPr>
-          <a:xfrm>
-            <a:off x="1219201" y="5562601"/>
-            <a:ext cx="5943600" cy="523220"/>
-          </a:xfrm>
-          <a:prstGeom prst="rect">
-            <a:avLst/>
-          </a:prstGeom>
-          <a:noFill/>
-        </p:spPr>
-        <p:txBody>
-          <a:bodyPr wrap="square" lIns="91430" tIns="45715" rIns="91430" bIns="45715" rtlCol="0">
-            <a:spAutoFit/>
-          </a:bodyPr>
-          <a:lstStyle/>
-          <a:p>
-            <a:r>
-              <a:rPr lang="en-US" sz="2800" dirty="0"/>
-              <a:t>Is this how it really works??</a:t>
-            </a:r>
-          </a:p>
-        </p:txBody>
-      </p:sp>
     </p:spTree>
     <p:extLst>
       <p:ext uri="{BB962C8B-B14F-4D97-AF65-F5344CB8AC3E}">
-        <p14:creationId xmlns:p14="http://schemas.microsoft.com/office/powerpoint/2010/main" val="4120458859"/>
-      </p:ext>
-    </p:extLst>
-  </p:cSld>
-  <p:clrMapOvr>
-    <a:masterClrMapping/>
-  </p:clrMapOvr>
-</p:sld>
-</file>
-
-<file path=ppt/slides/slide23.xml><?xml version="1.0" encoding="utf-8"?>
-<p:sld xmlns:a="http://schemas.openxmlformats.org/drawingml/2006/main" xmlns:r="http://schemas.openxmlformats.org/officeDocument/2006/relationships" xmlns:p="http://schemas.openxmlformats.org/presentationml/2006/main">
-  <p:cSld>
-    <p:spTree>
-      <p:nvGrpSpPr>
-        <p:cNvPr id="1" name=""/>
-        <p:cNvGrpSpPr/>
-        <p:nvPr/>
-      </p:nvGrpSpPr>
-      <p:grpSpPr>
-        <a:xfrm>
-          <a:off x="0" y="0"/>
-          <a:ext cx="0" cy="0"/>
-          <a:chOff x="0" y="0"/>
-          <a:chExt cx="0" cy="0"/>
-        </a:xfrm>
-      </p:grpSpPr>
-      <p:sp>
-        <p:nvSpPr>
-          <p:cNvPr id="2" name="Title 1"/>
-          <p:cNvSpPr>
-            <a:spLocks noGrp="1"/>
-          </p:cNvSpPr>
-          <p:nvPr>
-            <p:ph type="title"/>
-          </p:nvPr>
-        </p:nvSpPr>
-        <p:spPr/>
-        <p:txBody>
-          <a:bodyPr/>
-          <a:lstStyle/>
-          <a:p>
-            <a:r>
-              <a:rPr lang="en-US" dirty="0"/>
-              <a:t>Those Pesky Time Flies..</a:t>
-            </a:r>
-          </a:p>
-        </p:txBody>
-      </p:sp>
-      <p:sp>
-        <p:nvSpPr>
-          <p:cNvPr id="3" name="Content Placeholder 2"/>
-          <p:cNvSpPr>
-            <a:spLocks noGrp="1"/>
-          </p:cNvSpPr>
-          <p:nvPr>
-            <p:ph idx="1"/>
-          </p:nvPr>
-        </p:nvSpPr>
-        <p:spPr/>
-        <p:txBody>
-          <a:bodyPr/>
-          <a:lstStyle/>
-          <a:p>
-            <a:r>
-              <a:rPr lang="en-US" dirty="0"/>
-              <a:t>Time flies like an arrow.</a:t>
-            </a:r>
-          </a:p>
-          <a:p>
-            <a:r>
-              <a:rPr lang="en-US" dirty="0"/>
-              <a:t>Fruit flies like a banana.</a:t>
-            </a:r>
-          </a:p>
-          <a:p>
-            <a:endParaRPr lang="en-US" dirty="0"/>
-          </a:p>
-          <a:p>
-            <a:r>
-              <a:rPr lang="en-US" dirty="0"/>
-              <a:t>The slippers were found by the nosy dog.</a:t>
-            </a:r>
-          </a:p>
-          <a:p>
-            <a:r>
-              <a:rPr lang="en-US" dirty="0"/>
-              <a:t>The slippers were found by the sleeping dog.</a:t>
-            </a:r>
-          </a:p>
-          <a:p>
-            <a:endParaRPr lang="en-US" dirty="0"/>
-          </a:p>
-          <a:p>
-            <a:r>
-              <a:rPr lang="en-US" dirty="0"/>
-              <a:t>Syntax depends on semantics very deeply..</a:t>
-            </a:r>
-          </a:p>
-        </p:txBody>
-      </p:sp>
-      <p:sp>
-        <p:nvSpPr>
-          <p:cNvPr id="4" name="Slide Number Placeholder 3"/>
-          <p:cNvSpPr>
-            <a:spLocks noGrp="1"/>
-          </p:cNvSpPr>
-          <p:nvPr>
-            <p:ph type="sldNum" idx="12"/>
-          </p:nvPr>
-        </p:nvSpPr>
-        <p:spPr/>
-        <p:txBody>
-          <a:bodyPr/>
-          <a:lstStyle/>
-          <a:p>
-            <a:fld id="{5689AE7F-56EB-8D49-9914-836A4F709789}" type="slidenum">
-              <a:rPr lang="en-US" smtClean="0"/>
-              <a:pPr/>
-              <a:t>23</a:t>
-            </a:fld>
-            <a:endParaRPr lang="en-US"/>
-          </a:p>
-        </p:txBody>
-      </p:sp>
-    </p:spTree>
-    <p:extLst>
-      <p:ext uri="{BB962C8B-B14F-4D97-AF65-F5344CB8AC3E}">
-        <p14:creationId xmlns:p14="http://schemas.microsoft.com/office/powerpoint/2010/main" val="1846005280"/>
-      </p:ext>
-    </p:extLst>
-  </p:cSld>
-  <p:clrMapOvr>
-    <a:masterClrMapping/>
-  </p:clrMapOvr>
-</p:sld>
-</file>
-
-<file path=ppt/slides/slide24.xml><?xml version="1.0" encoding="utf-8"?>
-<p:sld xmlns:a="http://schemas.openxmlformats.org/drawingml/2006/main" xmlns:r="http://schemas.openxmlformats.org/officeDocument/2006/relationships" xmlns:p="http://schemas.openxmlformats.org/presentationml/2006/main">
-  <p:cSld>
-    <p:spTree>
-      <p:nvGrpSpPr>
-        <p:cNvPr id="1" name=""/>
-        <p:cNvGrpSpPr/>
-        <p:nvPr/>
-      </p:nvGrpSpPr>
-      <p:grpSpPr>
-        <a:xfrm>
-          <a:off x="0" y="0"/>
-          <a:ext cx="0" cy="0"/>
-          <a:chOff x="0" y="0"/>
-          <a:chExt cx="0" cy="0"/>
-        </a:xfrm>
-      </p:grpSpPr>
-      <p:sp>
-        <p:nvSpPr>
-          <p:cNvPr id="2" name="Title 1"/>
-          <p:cNvSpPr>
-            <a:spLocks noGrp="1"/>
-          </p:cNvSpPr>
-          <p:nvPr>
-            <p:ph type="title"/>
-          </p:nvPr>
-        </p:nvSpPr>
-        <p:spPr/>
-        <p:txBody>
-          <a:bodyPr/>
-          <a:lstStyle/>
-          <a:p>
-            <a:r>
-              <a:rPr lang="en-US" dirty="0"/>
-              <a:t>The “Gestalt” Alternative</a:t>
-            </a:r>
-          </a:p>
-        </p:txBody>
-      </p:sp>
-      <p:sp>
-        <p:nvSpPr>
-          <p:cNvPr id="3" name="Content Placeholder 2"/>
-          <p:cNvSpPr>
-            <a:spLocks noGrp="1"/>
-          </p:cNvSpPr>
-          <p:nvPr>
-            <p:ph idx="1"/>
-          </p:nvPr>
-        </p:nvSpPr>
-        <p:spPr/>
-        <p:txBody>
-          <a:bodyPr/>
-          <a:lstStyle/>
-          <a:p>
-            <a:r>
-              <a:rPr lang="en-US" dirty="0"/>
-              <a:t>Just try to get the gist of what the sentence is saying:</a:t>
-            </a:r>
-          </a:p>
-          <a:p>
-            <a:r>
-              <a:rPr lang="en-US" dirty="0"/>
-              <a:t>G. W. Bush:</a:t>
-            </a:r>
-          </a:p>
-          <a:p>
-            <a:r>
-              <a:rPr lang="en-US" dirty="0"/>
-              <a:t>“Families is where our nation finds hope, where wings take dream.”</a:t>
-            </a:r>
-          </a:p>
-          <a:p>
-            <a:endParaRPr lang="en-US" dirty="0"/>
-          </a:p>
-          <a:p>
-            <a:r>
-              <a:rPr lang="en-US" dirty="0"/>
-              <a:t>Does this really work?  How?</a:t>
-            </a:r>
-          </a:p>
-        </p:txBody>
-      </p:sp>
-      <p:sp>
-        <p:nvSpPr>
-          <p:cNvPr id="4" name="Slide Number Placeholder 3"/>
-          <p:cNvSpPr>
-            <a:spLocks noGrp="1"/>
-          </p:cNvSpPr>
-          <p:nvPr>
-            <p:ph type="sldNum" idx="12"/>
-          </p:nvPr>
-        </p:nvSpPr>
-        <p:spPr/>
-        <p:txBody>
-          <a:bodyPr/>
-          <a:lstStyle/>
-          <a:p>
-            <a:fld id="{5689AE7F-56EB-8D49-9914-836A4F709789}" type="slidenum">
-              <a:rPr lang="en-US" smtClean="0"/>
-              <a:pPr/>
-              <a:t>24</a:t>
-            </a:fld>
-            <a:endParaRPr lang="en-US"/>
-          </a:p>
-        </p:txBody>
-      </p:sp>
-    </p:spTree>
-    <p:extLst>
-      <p:ext uri="{BB962C8B-B14F-4D97-AF65-F5344CB8AC3E}">
-        <p14:creationId xmlns:p14="http://schemas.microsoft.com/office/powerpoint/2010/main" val="3653820872"/>
-      </p:ext>
-    </p:extLst>
-  </p:cSld>
-  <p:clrMapOvr>
-    <a:masterClrMapping/>
-  </p:clrMapOvr>
-</p:sld>
-</file>
-
-<file path=ppt/slides/slide25.xml><?xml version="1.0" encoding="utf-8"?>
-<p:sld xmlns:a="http://schemas.openxmlformats.org/drawingml/2006/main" xmlns:r="http://schemas.openxmlformats.org/officeDocument/2006/relationships" xmlns:p="http://schemas.openxmlformats.org/presentationml/2006/main">
-  <p:cSld>
-    <p:spTree>
-      <p:nvGrpSpPr>
-        <p:cNvPr id="1" name=""/>
-        <p:cNvGrpSpPr/>
-        <p:nvPr/>
-      </p:nvGrpSpPr>
-      <p:grpSpPr>
-        <a:xfrm>
-          <a:off x="0" y="0"/>
-          <a:ext cx="0" cy="0"/>
-          <a:chOff x="0" y="0"/>
-          <a:chExt cx="0" cy="0"/>
-        </a:xfrm>
-      </p:grpSpPr>
-      <p:sp>
-        <p:nvSpPr>
-          <p:cNvPr id="2" name="Title 1"/>
-          <p:cNvSpPr>
-            <a:spLocks noGrp="1"/>
-          </p:cNvSpPr>
-          <p:nvPr>
-            <p:ph type="title"/>
-          </p:nvPr>
-        </p:nvSpPr>
-        <p:spPr/>
-        <p:txBody>
-          <a:bodyPr/>
-          <a:lstStyle/>
-          <a:p>
-            <a:r>
-              <a:rPr lang="en-US" dirty="0"/>
-              <a:t>Sentence Gestalt Model</a:t>
-            </a:r>
-          </a:p>
-        </p:txBody>
-      </p:sp>
-      <p:pic>
-        <p:nvPicPr>
-          <p:cNvPr id="5" name="Content Placeholder 4" descr="fig_sg_net.png"/>
-          <p:cNvPicPr>
-            <a:picLocks noGrp="1" noChangeAspect="1"/>
-          </p:cNvPicPr>
-          <p:nvPr>
-            <p:ph idx="1"/>
-          </p:nvPr>
-        </p:nvPicPr>
-        <p:blipFill>
-          <a:blip r:embed="rId2">
-            <a:extLst>
-              <a:ext uri="{28A0092B-C50C-407E-A947-70E740481C1C}">
-                <a14:useLocalDpi xmlns:a14="http://schemas.microsoft.com/office/drawing/2010/main" val="0"/>
-              </a:ext>
-            </a:extLst>
-          </a:blip>
-          <a:srcRect l="-54148" r="-54148"/>
-          <a:stretch>
-            <a:fillRect/>
-          </a:stretch>
-        </p:blipFill>
-        <p:spPr/>
-      </p:pic>
-      <p:sp>
-        <p:nvSpPr>
-          <p:cNvPr id="4" name="Slide Number Placeholder 3"/>
-          <p:cNvSpPr>
-            <a:spLocks noGrp="1"/>
-          </p:cNvSpPr>
-          <p:nvPr>
-            <p:ph type="sldNum" idx="12"/>
-          </p:nvPr>
-        </p:nvSpPr>
-        <p:spPr/>
-        <p:txBody>
-          <a:bodyPr/>
-          <a:lstStyle/>
-          <a:p>
-            <a:fld id="{5689AE7F-56EB-8D49-9914-836A4F709789}" type="slidenum">
-              <a:rPr lang="en-US" smtClean="0"/>
-              <a:pPr/>
-              <a:t>25</a:t>
-            </a:fld>
-            <a:endParaRPr lang="en-US"/>
-          </a:p>
-        </p:txBody>
-      </p:sp>
-    </p:spTree>
-    <p:extLst>
-      <p:ext uri="{BB962C8B-B14F-4D97-AF65-F5344CB8AC3E}">
-        <p14:creationId xmlns:p14="http://schemas.microsoft.com/office/powerpoint/2010/main" val="1465358707"/>
-      </p:ext>
-    </p:extLst>
-  </p:cSld>
-  <p:clrMapOvr>
-    <a:masterClrMapping/>
-  </p:clrMapOvr>
-</p:sld>
-</file>
-
-<file path=ppt/slides/slide26.xml><?xml version="1.0" encoding="utf-8"?>
-<p:sld xmlns:a="http://schemas.openxmlformats.org/drawingml/2006/main" xmlns:r="http://schemas.openxmlformats.org/officeDocument/2006/relationships" xmlns:p="http://schemas.openxmlformats.org/presentationml/2006/main">
-  <p:cSld>
-    <p:spTree>
-      <p:nvGrpSpPr>
-        <p:cNvPr id="1" name=""/>
-        <p:cNvGrpSpPr/>
-        <p:nvPr/>
-      </p:nvGrpSpPr>
-      <p:grpSpPr>
-        <a:xfrm>
-          <a:off x="0" y="0"/>
-          <a:ext cx="0" cy="0"/>
-          <a:chOff x="0" y="0"/>
-          <a:chExt cx="0" cy="0"/>
-        </a:xfrm>
-      </p:grpSpPr>
-      <p:sp>
-        <p:nvSpPr>
-          <p:cNvPr id="2" name="Title 1"/>
-          <p:cNvSpPr>
-            <a:spLocks noGrp="1"/>
-          </p:cNvSpPr>
-          <p:nvPr>
-            <p:ph type="title"/>
-          </p:nvPr>
-        </p:nvSpPr>
-        <p:spPr/>
-        <p:txBody>
-          <a:bodyPr/>
-          <a:lstStyle/>
-          <a:p>
-            <a:r>
-              <a:rPr lang="en-US" dirty="0"/>
-              <a:t>SG Toy World</a:t>
-            </a:r>
-          </a:p>
-        </p:txBody>
-      </p:sp>
-      <p:sp>
-        <p:nvSpPr>
-          <p:cNvPr id="3" name="Content Placeholder 2"/>
-          <p:cNvSpPr>
-            <a:spLocks noGrp="1"/>
-          </p:cNvSpPr>
-          <p:nvPr>
-            <p:ph idx="1"/>
-          </p:nvPr>
-        </p:nvSpPr>
-        <p:spPr/>
-        <p:txBody>
-          <a:bodyPr/>
-          <a:lstStyle/>
-          <a:p>
-            <a:r>
-              <a:rPr lang="en-US" dirty="0"/>
-              <a:t>People: </a:t>
-            </a:r>
-            <a:r>
-              <a:rPr lang="en-US" i="1" dirty="0" err="1"/>
-              <a:t>busdriver</a:t>
-            </a:r>
-            <a:r>
-              <a:rPr lang="en-US" dirty="0"/>
-              <a:t> (adult male), </a:t>
-            </a:r>
-            <a:r>
-              <a:rPr lang="en-US" i="1" dirty="0"/>
-              <a:t>teacher</a:t>
-            </a:r>
-            <a:r>
-              <a:rPr lang="en-US" dirty="0"/>
-              <a:t>, (adult female), </a:t>
-            </a:r>
-            <a:r>
-              <a:rPr lang="en-US" i="1" dirty="0"/>
-              <a:t>schoolgirl</a:t>
-            </a:r>
-            <a:r>
-              <a:rPr lang="en-US" dirty="0"/>
-              <a:t>, </a:t>
-            </a:r>
-            <a:r>
-              <a:rPr lang="en-US" i="1" dirty="0"/>
-              <a:t>pitcher</a:t>
-            </a:r>
-            <a:r>
-              <a:rPr lang="en-US" dirty="0"/>
-              <a:t> (boy). </a:t>
-            </a:r>
-            <a:r>
-              <a:rPr lang="en-US" i="1" dirty="0"/>
-              <a:t>adult, child, someone</a:t>
-            </a:r>
-            <a:r>
-              <a:rPr lang="en-US" dirty="0"/>
-              <a:t> also used.</a:t>
-            </a:r>
-          </a:p>
-          <a:p>
-            <a:r>
-              <a:rPr lang="en-US" dirty="0"/>
-              <a:t>Actions: </a:t>
-            </a:r>
-            <a:r>
-              <a:rPr lang="en-US" i="1" dirty="0"/>
-              <a:t>eat, drink, stir, spread, kiss, give, hit, throw, drive, rise</a:t>
-            </a:r>
-            <a:r>
-              <a:rPr lang="en-US" dirty="0"/>
-              <a:t>.</a:t>
-            </a:r>
-          </a:p>
-          <a:p>
-            <a:r>
-              <a:rPr lang="en-US" dirty="0"/>
-              <a:t>Objects: </a:t>
-            </a:r>
-            <a:r>
-              <a:rPr lang="en-US" i="1" dirty="0"/>
-              <a:t>spot</a:t>
-            </a:r>
-            <a:r>
-              <a:rPr lang="en-US" dirty="0"/>
-              <a:t> (the dog), </a:t>
-            </a:r>
-            <a:r>
-              <a:rPr lang="en-US" i="1" dirty="0"/>
-              <a:t>steak, soup, ice cream, crackers, jelly, iced tea, </a:t>
-            </a:r>
-            <a:r>
-              <a:rPr lang="en-US" i="1" dirty="0" err="1"/>
-              <a:t>kool</a:t>
-            </a:r>
-            <a:r>
-              <a:rPr lang="en-US" i="1" dirty="0"/>
-              <a:t> aid, spoon, knife, finger, rose, bat</a:t>
-            </a:r>
-            <a:r>
-              <a:rPr lang="en-US" dirty="0"/>
-              <a:t> (animal), </a:t>
-            </a:r>
-            <a:r>
-              <a:rPr lang="en-US" i="1" dirty="0"/>
-              <a:t>bat</a:t>
-            </a:r>
-            <a:r>
-              <a:rPr lang="en-US" dirty="0"/>
-              <a:t> (baseball), </a:t>
-            </a:r>
-            <a:r>
-              <a:rPr lang="en-US" i="1" dirty="0"/>
-              <a:t>ball</a:t>
-            </a:r>
-            <a:r>
-              <a:rPr lang="en-US" dirty="0"/>
-              <a:t> (sphere), </a:t>
-            </a:r>
-            <a:r>
-              <a:rPr lang="en-US" i="1" dirty="0"/>
-              <a:t>ball</a:t>
-            </a:r>
-            <a:r>
-              <a:rPr lang="en-US" dirty="0"/>
-              <a:t> (party), </a:t>
-            </a:r>
-            <a:r>
-              <a:rPr lang="en-US" i="1" dirty="0"/>
-              <a:t>bus, pitcher, fur</a:t>
-            </a:r>
-            <a:r>
-              <a:rPr lang="en-US" dirty="0"/>
-              <a:t>.</a:t>
-            </a:r>
-          </a:p>
-          <a:p>
-            <a:r>
-              <a:rPr lang="en-US" dirty="0"/>
-              <a:t>Locations: </a:t>
-            </a:r>
-            <a:r>
-              <a:rPr lang="en-US" i="1" dirty="0"/>
-              <a:t>kitchen, living room, shed, park</a:t>
-            </a:r>
-            <a:r>
-              <a:rPr lang="en-US" dirty="0"/>
-              <a:t>.</a:t>
-            </a:r>
-          </a:p>
-        </p:txBody>
-      </p:sp>
-      <p:sp>
-        <p:nvSpPr>
-          <p:cNvPr id="4" name="Slide Number Placeholder 3"/>
-          <p:cNvSpPr>
-            <a:spLocks noGrp="1"/>
-          </p:cNvSpPr>
-          <p:nvPr>
-            <p:ph type="sldNum" idx="12"/>
-          </p:nvPr>
-        </p:nvSpPr>
-        <p:spPr/>
-        <p:txBody>
-          <a:bodyPr/>
-          <a:lstStyle/>
-          <a:p>
-            <a:fld id="{5689AE7F-56EB-8D49-9914-836A4F709789}" type="slidenum">
-              <a:rPr lang="en-US" smtClean="0"/>
-              <a:pPr/>
-              <a:t>26</a:t>
-            </a:fld>
-            <a:endParaRPr lang="en-US"/>
-          </a:p>
-        </p:txBody>
-      </p:sp>
-    </p:spTree>
-    <p:extLst>
-      <p:ext uri="{BB962C8B-B14F-4D97-AF65-F5344CB8AC3E}">
-        <p14:creationId xmlns:p14="http://schemas.microsoft.com/office/powerpoint/2010/main" val="844632515"/>
-      </p:ext>
-    </p:extLst>
-  </p:cSld>
-  <p:clrMapOvr>
-    <a:masterClrMapping/>
-  </p:clrMapOvr>
-</p:sld>
-</file>
-
-<file path=ppt/slides/slide27.xml><?xml version="1.0" encoding="utf-8"?>
-<p:sld xmlns:a="http://schemas.openxmlformats.org/drawingml/2006/main" xmlns:r="http://schemas.openxmlformats.org/officeDocument/2006/relationships" xmlns:p="http://schemas.openxmlformats.org/presentationml/2006/main">
-  <p:cSld>
-    <p:spTree>
-      <p:nvGrpSpPr>
-        <p:cNvPr id="1" name=""/>
-        <p:cNvGrpSpPr/>
-        <p:nvPr/>
-      </p:nvGrpSpPr>
-      <p:grpSpPr>
-        <a:xfrm>
-          <a:off x="0" y="0"/>
-          <a:ext cx="0" cy="0"/>
-          <a:chOff x="0" y="0"/>
-          <a:chExt cx="0" cy="0"/>
-        </a:xfrm>
-      </p:grpSpPr>
-      <p:sp>
-        <p:nvSpPr>
-          <p:cNvPr id="2" name="Title 1"/>
-          <p:cNvSpPr>
-            <a:spLocks noGrp="1"/>
-          </p:cNvSpPr>
-          <p:nvPr>
-            <p:ph type="title"/>
-          </p:nvPr>
-        </p:nvSpPr>
-        <p:spPr>
-          <a:xfrm>
-            <a:off x="456627" y="273515"/>
-            <a:ext cx="8227871" cy="717086"/>
-          </a:xfrm>
-        </p:spPr>
-        <p:txBody>
-          <a:bodyPr/>
-          <a:lstStyle/>
-          <a:p>
-            <a:r>
-              <a:rPr lang="en-US" dirty="0"/>
-              <a:t>SG Example/Probe Sentences</a:t>
-            </a:r>
-          </a:p>
-        </p:txBody>
-      </p:sp>
-      <p:sp>
-        <p:nvSpPr>
-          <p:cNvPr id="3" name="Content Placeholder 2"/>
-          <p:cNvSpPr>
-            <a:spLocks noGrp="1"/>
-          </p:cNvSpPr>
-          <p:nvPr>
-            <p:ph idx="1"/>
-          </p:nvPr>
-        </p:nvSpPr>
-        <p:spPr>
-          <a:xfrm>
-            <a:off x="456627" y="1417954"/>
-            <a:ext cx="8227871" cy="4982846"/>
-          </a:xfrm>
-        </p:spPr>
-        <p:txBody>
-          <a:bodyPr/>
-          <a:lstStyle/>
-          <a:p>
-            <a:r>
-              <a:rPr lang="en-US" sz="2000" b="1" dirty="0"/>
-              <a:t>Active semantic</a:t>
-            </a:r>
-            <a:r>
-              <a:rPr lang="en-US" sz="2000" dirty="0"/>
-              <a:t>: </a:t>
-            </a:r>
-            <a:r>
-              <a:rPr lang="en-US" sz="2000" i="1" dirty="0"/>
-              <a:t>The schoolgirl stirred the </a:t>
-            </a:r>
-            <a:r>
-              <a:rPr lang="en-US" sz="2000" i="1" dirty="0" err="1"/>
-              <a:t>kool-aid</a:t>
-            </a:r>
-            <a:r>
-              <a:rPr lang="en-US" sz="2000" i="1" dirty="0"/>
-              <a:t> with a spoon.</a:t>
-            </a:r>
-            <a:r>
-              <a:rPr lang="en-US" sz="2000" dirty="0"/>
-              <a:t> (</a:t>
-            </a:r>
-            <a:r>
-              <a:rPr lang="en-US" sz="2000" dirty="0" err="1"/>
-              <a:t>kool-aid</a:t>
-            </a:r>
-            <a:r>
-              <a:rPr lang="en-US" sz="2000" dirty="0"/>
-              <a:t> can only be the patient, not the agent of this sentence)</a:t>
-            </a:r>
-          </a:p>
-          <a:p>
-            <a:r>
-              <a:rPr lang="en-US" sz="2000" b="1" dirty="0"/>
-              <a:t>Active syntactic</a:t>
-            </a:r>
-            <a:r>
-              <a:rPr lang="en-US" sz="2000" dirty="0"/>
-              <a:t>: </a:t>
-            </a:r>
-            <a:r>
-              <a:rPr lang="en-US" sz="2000" i="1" dirty="0"/>
-              <a:t>The </a:t>
-            </a:r>
-            <a:r>
-              <a:rPr lang="en-US" sz="2000" i="1" dirty="0" err="1"/>
-              <a:t>busdriver</a:t>
-            </a:r>
-            <a:r>
-              <a:rPr lang="en-US" sz="2000" i="1" dirty="0"/>
-              <a:t> gave the rose to the teacher.</a:t>
-            </a:r>
-            <a:r>
-              <a:rPr lang="en-US" sz="2000" dirty="0"/>
-              <a:t> (teacher could be either patient or agent -- word order syntax determines it).</a:t>
-            </a:r>
-          </a:p>
-          <a:p>
-            <a:r>
-              <a:rPr lang="en-US" sz="2000" b="1" dirty="0"/>
-              <a:t>Passive semantic</a:t>
-            </a:r>
-            <a:r>
-              <a:rPr lang="en-US" sz="2000" dirty="0"/>
-              <a:t>: </a:t>
-            </a:r>
-            <a:r>
-              <a:rPr lang="en-US" sz="2000" i="1" dirty="0"/>
-              <a:t>The jelly was spread by the </a:t>
-            </a:r>
-            <a:r>
-              <a:rPr lang="en-US" sz="2000" i="1" dirty="0" err="1"/>
-              <a:t>busdriver</a:t>
-            </a:r>
-            <a:r>
-              <a:rPr lang="en-US" sz="2000" i="1" dirty="0"/>
-              <a:t> with the knife.</a:t>
-            </a:r>
-            <a:r>
-              <a:rPr lang="en-US" sz="2000" dirty="0"/>
-              <a:t> (jelly can't be agent, so must be patient)</a:t>
-            </a:r>
-          </a:p>
-          <a:p>
-            <a:r>
-              <a:rPr lang="en-US" sz="2000" b="1" dirty="0"/>
-              <a:t>Passive syntactic</a:t>
-            </a:r>
-            <a:r>
-              <a:rPr lang="en-US" sz="2000" dirty="0"/>
-              <a:t>: </a:t>
-            </a:r>
-            <a:r>
-              <a:rPr lang="en-US" sz="2000" i="1" dirty="0"/>
-              <a:t>The teacher was kissed by the </a:t>
-            </a:r>
-            <a:r>
-              <a:rPr lang="en-US" sz="2000" i="1" dirty="0" err="1"/>
-              <a:t>busdriver</a:t>
-            </a:r>
-            <a:r>
-              <a:rPr lang="en-US" sz="2000" i="1" dirty="0"/>
-              <a:t>.</a:t>
-            </a:r>
-            <a:r>
-              <a:rPr lang="en-US" sz="2000" dirty="0"/>
-              <a:t> vs. </a:t>
-            </a:r>
-            <a:r>
-              <a:rPr lang="en-US" sz="2000" i="1" dirty="0"/>
-              <a:t>The </a:t>
-            </a:r>
-            <a:r>
-              <a:rPr lang="en-US" sz="2000" i="1" dirty="0" err="1"/>
-              <a:t>busdriver</a:t>
-            </a:r>
-            <a:r>
-              <a:rPr lang="en-US" sz="2000" i="1" dirty="0"/>
-              <a:t> kissed the teacher.</a:t>
-            </a:r>
-            <a:r>
-              <a:rPr lang="en-US" sz="2000" dirty="0"/>
-              <a:t> (either teacher or </a:t>
-            </a:r>
-            <a:r>
-              <a:rPr lang="en-US" sz="2000" dirty="0" err="1"/>
-              <a:t>busdriver</a:t>
-            </a:r>
-            <a:r>
-              <a:rPr lang="en-US" sz="2000" dirty="0"/>
-              <a:t> could be agent, syntax alone determines which it is).</a:t>
-            </a:r>
-          </a:p>
-          <a:p>
-            <a:r>
-              <a:rPr lang="en-US" sz="2000" b="1" dirty="0"/>
-              <a:t>Word ambiguity</a:t>
-            </a:r>
-            <a:r>
-              <a:rPr lang="en-US" sz="2000" dirty="0"/>
-              <a:t>: </a:t>
-            </a:r>
-            <a:r>
-              <a:rPr lang="en-US" sz="2000" i="1" dirty="0"/>
-              <a:t>The </a:t>
-            </a:r>
-            <a:r>
-              <a:rPr lang="en-US" sz="2000" i="1" dirty="0" err="1"/>
-              <a:t>busdriver</a:t>
-            </a:r>
-            <a:r>
-              <a:rPr lang="en-US" sz="2000" i="1" dirty="0"/>
-              <a:t> threw the ball in the park.</a:t>
-            </a:r>
-            <a:r>
-              <a:rPr lang="en-US" sz="2000" dirty="0"/>
-              <a:t>, </a:t>
-            </a:r>
-            <a:r>
-              <a:rPr lang="en-US" sz="2000" i="1" dirty="0"/>
-              <a:t>The teacher threw the ball in the living room.</a:t>
-            </a:r>
-            <a:r>
-              <a:rPr lang="en-US" sz="2000" dirty="0"/>
-              <a:t> (ball is ambiguous, but semantically, </a:t>
-            </a:r>
-            <a:r>
-              <a:rPr lang="en-US" sz="2000" dirty="0" err="1"/>
-              <a:t>busdriver</a:t>
-            </a:r>
-            <a:r>
-              <a:rPr lang="en-US" sz="2000" dirty="0"/>
-              <a:t> throws balls in park, while teacher throws balls in living room)</a:t>
-            </a:r>
-          </a:p>
-        </p:txBody>
-      </p:sp>
-      <p:sp>
-        <p:nvSpPr>
-          <p:cNvPr id="4" name="Slide Number Placeholder 3"/>
-          <p:cNvSpPr>
-            <a:spLocks noGrp="1"/>
-          </p:cNvSpPr>
-          <p:nvPr>
-            <p:ph type="sldNum" idx="12"/>
-          </p:nvPr>
-        </p:nvSpPr>
-        <p:spPr/>
-        <p:txBody>
-          <a:bodyPr/>
-          <a:lstStyle/>
-          <a:p>
-            <a:fld id="{5689AE7F-56EB-8D49-9914-836A4F709789}" type="slidenum">
-              <a:rPr lang="en-US" smtClean="0"/>
-              <a:pPr/>
-              <a:t>27</a:t>
-            </a:fld>
-            <a:endParaRPr lang="en-US"/>
-          </a:p>
-        </p:txBody>
-      </p:sp>
-    </p:spTree>
-    <p:extLst>
-      <p:ext uri="{BB962C8B-B14F-4D97-AF65-F5344CB8AC3E}">
-        <p14:creationId xmlns:p14="http://schemas.microsoft.com/office/powerpoint/2010/main" val="2584534699"/>
-      </p:ext>
-    </p:extLst>
-  </p:cSld>
-  <p:clrMapOvr>
-    <a:masterClrMapping/>
-  </p:clrMapOvr>
-</p:sld>
-</file>
-
-<file path=ppt/slides/slide28.xml><?xml version="1.0" encoding="utf-8"?>
-<p:sld xmlns:a="http://schemas.openxmlformats.org/drawingml/2006/main" xmlns:r="http://schemas.openxmlformats.org/officeDocument/2006/relationships" xmlns:p="http://schemas.openxmlformats.org/presentationml/2006/main">
-  <p:cSld>
-    <p:spTree>
-      <p:nvGrpSpPr>
-        <p:cNvPr id="1" name=""/>
-        <p:cNvGrpSpPr/>
-        <p:nvPr/>
-      </p:nvGrpSpPr>
-      <p:grpSpPr>
-        <a:xfrm>
-          <a:off x="0" y="0"/>
-          <a:ext cx="0" cy="0"/>
-          <a:chOff x="0" y="0"/>
-          <a:chExt cx="0" cy="0"/>
-        </a:xfrm>
-      </p:grpSpPr>
-      <p:sp>
-        <p:nvSpPr>
-          <p:cNvPr id="2" name="Title 1"/>
-          <p:cNvSpPr>
-            <a:spLocks noGrp="1"/>
-          </p:cNvSpPr>
-          <p:nvPr>
-            <p:ph type="title"/>
-          </p:nvPr>
-        </p:nvSpPr>
-        <p:spPr/>
-        <p:txBody>
-          <a:bodyPr/>
-          <a:lstStyle/>
-          <a:p>
-            <a:r>
-              <a:rPr lang="en-US" dirty="0"/>
-              <a:t>SG Example/Probe Sentences</a:t>
-            </a:r>
-          </a:p>
-        </p:txBody>
-      </p:sp>
-      <p:sp>
-        <p:nvSpPr>
-          <p:cNvPr id="3" name="Content Placeholder 2"/>
-          <p:cNvSpPr>
-            <a:spLocks noGrp="1"/>
-          </p:cNvSpPr>
-          <p:nvPr>
-            <p:ph idx="1"/>
-          </p:nvPr>
-        </p:nvSpPr>
-        <p:spPr/>
-        <p:txBody>
-          <a:bodyPr/>
-          <a:lstStyle/>
-          <a:p>
-            <a:r>
-              <a:rPr lang="en-US" sz="2000" b="1" dirty="0"/>
-              <a:t>Concept instantiation</a:t>
-            </a:r>
-            <a:r>
-              <a:rPr lang="en-US" sz="2000" dirty="0"/>
-              <a:t>: </a:t>
-            </a:r>
-            <a:r>
-              <a:rPr lang="en-US" sz="2000" i="1" dirty="0"/>
-              <a:t>The teacher kissed someone.</a:t>
-            </a:r>
-            <a:r>
-              <a:rPr lang="en-US" sz="2000" dirty="0"/>
-              <a:t> (male). (teacher always kisses a male -- has model picked up on this?)</a:t>
-            </a:r>
-          </a:p>
-          <a:p>
-            <a:r>
-              <a:rPr lang="en-US" sz="2000" b="1" dirty="0"/>
-              <a:t>Role elaboration</a:t>
-            </a:r>
-            <a:r>
-              <a:rPr lang="en-US" sz="2000" dirty="0"/>
-              <a:t>: </a:t>
-            </a:r>
-            <a:r>
-              <a:rPr lang="en-US" sz="2000" i="1" dirty="0"/>
-              <a:t>The schoolgirl ate crackers.</a:t>
-            </a:r>
-            <a:r>
-              <a:rPr lang="en-US" sz="2000" dirty="0"/>
-              <a:t> (with finger); </a:t>
-            </a:r>
-            <a:r>
-              <a:rPr lang="en-US" sz="2000" i="1" dirty="0"/>
-              <a:t>The schoolgirl ate.</a:t>
-            </a:r>
-            <a:r>
-              <a:rPr lang="en-US" sz="2000" dirty="0"/>
-              <a:t> (soup) (these are predominant cases)</a:t>
-            </a:r>
-          </a:p>
-          <a:p>
-            <a:r>
-              <a:rPr lang="en-US" sz="2000" b="1" dirty="0"/>
-              <a:t>Online update</a:t>
-            </a:r>
-            <a:r>
-              <a:rPr lang="en-US" sz="2000" dirty="0"/>
-              <a:t>: </a:t>
-            </a:r>
-            <a:r>
-              <a:rPr lang="en-US" sz="2000" i="1" dirty="0"/>
-              <a:t>The child ate soup with daintiness.</a:t>
-            </a:r>
-            <a:r>
-              <a:rPr lang="en-US" sz="2000" dirty="0"/>
-              <a:t> vs. </a:t>
-            </a:r>
-            <a:r>
-              <a:rPr lang="en-US" sz="2000" i="1" dirty="0"/>
-              <a:t>The pitcher ate soup with daintiness.</a:t>
-            </a:r>
-            <a:r>
-              <a:rPr lang="en-US" sz="2000" dirty="0"/>
-              <a:t> (schoolgirl usually eats soup, so ambiguous </a:t>
-            </a:r>
-            <a:r>
-              <a:rPr lang="en-US" sz="2000" i="1" dirty="0"/>
-              <a:t>child</a:t>
-            </a:r>
-            <a:r>
-              <a:rPr lang="en-US" sz="2000" dirty="0"/>
-              <a:t> is resolved as schoolgirl in first case after seeing soup, but specific input of </a:t>
-            </a:r>
-            <a:r>
-              <a:rPr lang="en-US" sz="2000" i="1" dirty="0"/>
-              <a:t>pitcher</a:t>
-            </a:r>
-            <a:r>
-              <a:rPr lang="en-US" sz="2000" dirty="0"/>
-              <a:t> in second case prevents this updating).</a:t>
-            </a:r>
-          </a:p>
-          <a:p>
-            <a:r>
-              <a:rPr lang="en-US" sz="2000" b="1" dirty="0"/>
-              <a:t>Conflict</a:t>
-            </a:r>
-            <a:r>
-              <a:rPr lang="en-US" sz="2000" dirty="0"/>
-              <a:t>: </a:t>
-            </a:r>
-            <a:r>
-              <a:rPr lang="en-US" sz="2000" i="1" dirty="0"/>
-              <a:t>The adult drank iced-tea in the kitchen.</a:t>
-            </a:r>
-            <a:r>
-              <a:rPr lang="en-US" sz="2000" dirty="0"/>
-              <a:t> (living-room) (iced-tea is always had in the living room).</a:t>
-            </a:r>
-          </a:p>
-        </p:txBody>
-      </p:sp>
-      <p:sp>
-        <p:nvSpPr>
-          <p:cNvPr id="4" name="Slide Number Placeholder 3"/>
-          <p:cNvSpPr>
-            <a:spLocks noGrp="1"/>
-          </p:cNvSpPr>
-          <p:nvPr>
-            <p:ph type="sldNum" idx="12"/>
-          </p:nvPr>
-        </p:nvSpPr>
-        <p:spPr/>
-        <p:txBody>
-          <a:bodyPr/>
-          <a:lstStyle/>
-          <a:p>
-            <a:fld id="{5689AE7F-56EB-8D49-9914-836A4F709789}" type="slidenum">
-              <a:rPr lang="en-US" smtClean="0"/>
-              <a:pPr/>
-              <a:t>28</a:t>
-            </a:fld>
-            <a:endParaRPr lang="en-US"/>
-          </a:p>
-        </p:txBody>
-      </p:sp>
-    </p:spTree>
-    <p:extLst>
-      <p:ext uri="{BB962C8B-B14F-4D97-AF65-F5344CB8AC3E}">
-        <p14:creationId xmlns:p14="http://schemas.microsoft.com/office/powerpoint/2010/main" val="729651431"/>
-      </p:ext>
-    </p:extLst>
-  </p:cSld>
-  <p:clrMapOvr>
-    <a:masterClrMapping/>
-  </p:clrMapOvr>
-</p:sld>
-</file>
-
-<file path=ppt/slides/slide29.xml><?xml version="1.0" encoding="utf-8"?>
-<p:sld xmlns:a="http://schemas.openxmlformats.org/drawingml/2006/main" xmlns:r="http://schemas.openxmlformats.org/officeDocument/2006/relationships" xmlns:p="http://schemas.openxmlformats.org/presentationml/2006/main">
-  <p:cSld>
-    <p:spTree>
-      <p:nvGrpSpPr>
-        <p:cNvPr id="1" name=""/>
-        <p:cNvGrpSpPr/>
-        <p:nvPr/>
-      </p:nvGrpSpPr>
-      <p:grpSpPr>
-        <a:xfrm>
-          <a:off x="0" y="0"/>
-          <a:ext cx="0" cy="0"/>
-          <a:chOff x="0" y="0"/>
-          <a:chExt cx="0" cy="0"/>
-        </a:xfrm>
-      </p:grpSpPr>
-      <p:sp>
-        <p:nvSpPr>
-          <p:cNvPr id="2" name="Title 1"/>
-          <p:cNvSpPr>
-            <a:spLocks noGrp="1"/>
-          </p:cNvSpPr>
-          <p:nvPr>
-            <p:ph type="title"/>
-          </p:nvPr>
-        </p:nvSpPr>
-        <p:spPr>
-          <a:xfrm>
-            <a:off x="456627" y="273514"/>
-            <a:ext cx="8227871" cy="640886"/>
-          </a:xfrm>
-        </p:spPr>
-        <p:txBody>
-          <a:bodyPr/>
-          <a:lstStyle/>
-          <a:p>
-            <a:r>
-              <a:rPr lang="en-US" dirty="0"/>
-              <a:t>Gestalt Representations</a:t>
-            </a:r>
-          </a:p>
-        </p:txBody>
-      </p:sp>
-      <p:pic>
-        <p:nvPicPr>
-          <p:cNvPr id="5" name="Content Placeholder 4"/>
-          <p:cNvPicPr>
-            <a:picLocks noGrp="1" noChangeAspect="1"/>
-          </p:cNvPicPr>
-          <p:nvPr>
-            <p:ph idx="1"/>
-          </p:nvPr>
-        </p:nvPicPr>
-        <p:blipFill>
-          <a:blip r:embed="rId2"/>
-          <a:srcRect/>
-          <a:stretch/>
-        </p:blipFill>
-        <p:spPr>
-          <a:xfrm>
-            <a:off x="1524000" y="934850"/>
-            <a:ext cx="6279768" cy="5649636"/>
-          </a:xfrm>
-        </p:spPr>
-      </p:pic>
-      <p:sp>
-        <p:nvSpPr>
-          <p:cNvPr id="4" name="Slide Number Placeholder 3"/>
-          <p:cNvSpPr>
-            <a:spLocks noGrp="1"/>
-          </p:cNvSpPr>
-          <p:nvPr>
-            <p:ph type="sldNum" idx="12"/>
-          </p:nvPr>
-        </p:nvSpPr>
-        <p:spPr/>
-        <p:txBody>
-          <a:bodyPr/>
-          <a:lstStyle/>
-          <a:p>
-            <a:fld id="{5689AE7F-56EB-8D49-9914-836A4F709789}" type="slidenum">
-              <a:rPr lang="en-US" smtClean="0"/>
-              <a:pPr/>
-              <a:t>29</a:t>
-            </a:fld>
-            <a:endParaRPr lang="en-US"/>
-          </a:p>
-        </p:txBody>
-      </p:sp>
-    </p:spTree>
-    <p:extLst>
-      <p:ext uri="{BB962C8B-B14F-4D97-AF65-F5344CB8AC3E}">
-        <p14:creationId xmlns:p14="http://schemas.microsoft.com/office/powerpoint/2010/main" val="518965292"/>
+        <p14:creationId xmlns:p14="http://schemas.microsoft.com/office/powerpoint/2010/main" val="2735190115"/>
       </p:ext>
     </p:extLst>
   </p:cSld>
@@ -7270,348 +6507,6 @@
 </p:sld>
 </file>
 
-<file path=ppt/slides/slide30.xml><?xml version="1.0" encoding="utf-8"?>
-<p:sld xmlns:a="http://schemas.openxmlformats.org/drawingml/2006/main" xmlns:r="http://schemas.openxmlformats.org/officeDocument/2006/relationships" xmlns:p="http://schemas.openxmlformats.org/presentationml/2006/main">
-  <p:cSld>
-    <p:spTree>
-      <p:nvGrpSpPr>
-        <p:cNvPr id="1" name=""/>
-        <p:cNvGrpSpPr/>
-        <p:nvPr/>
-      </p:nvGrpSpPr>
-      <p:grpSpPr>
-        <a:xfrm>
-          <a:off x="0" y="0"/>
-          <a:ext cx="0" cy="0"/>
-          <a:chOff x="0" y="0"/>
-          <a:chExt cx="0" cy="0"/>
-        </a:xfrm>
-      </p:grpSpPr>
-      <p:sp>
-        <p:nvSpPr>
-          <p:cNvPr id="2" name="Title 1"/>
-          <p:cNvSpPr>
-            <a:spLocks noGrp="1"/>
-          </p:cNvSpPr>
-          <p:nvPr>
-            <p:ph type="title"/>
-          </p:nvPr>
-        </p:nvSpPr>
-        <p:spPr/>
-        <p:txBody>
-          <a:bodyPr/>
-          <a:lstStyle/>
-          <a:p>
-            <a:r>
-              <a:rPr lang="en-US"/>
-              <a:t>Gestalt Representations</a:t>
-            </a:r>
-          </a:p>
-        </p:txBody>
-      </p:sp>
-      <p:pic>
-        <p:nvPicPr>
-          <p:cNvPr id="5" name="Content Placeholder 4"/>
-          <p:cNvPicPr>
-            <a:picLocks noGrp="1" noChangeAspect="1"/>
-          </p:cNvPicPr>
-          <p:nvPr>
-            <p:ph idx="1"/>
-          </p:nvPr>
-        </p:nvPicPr>
-        <p:blipFill>
-          <a:blip r:embed="rId2">
-            <a:extLst>
-              <a:ext uri="{28A0092B-C50C-407E-A947-70E740481C1C}">
-                <a14:useLocalDpi xmlns:a14="http://schemas.microsoft.com/office/drawing/2010/main" val="0"/>
-              </a:ext>
-            </a:extLst>
-          </a:blip>
-          <a:stretch>
-            <a:fillRect/>
-          </a:stretch>
-        </p:blipFill>
-        <p:spPr>
-          <a:xfrm>
-            <a:off x="2146865" y="1605097"/>
-            <a:ext cx="4847395" cy="4524495"/>
-          </a:xfrm>
-        </p:spPr>
-      </p:pic>
-      <p:sp>
-        <p:nvSpPr>
-          <p:cNvPr id="4" name="Slide Number Placeholder 3"/>
-          <p:cNvSpPr>
-            <a:spLocks noGrp="1"/>
-          </p:cNvSpPr>
-          <p:nvPr>
-            <p:ph type="sldNum" idx="12"/>
-          </p:nvPr>
-        </p:nvSpPr>
-        <p:spPr/>
-        <p:txBody>
-          <a:bodyPr/>
-          <a:lstStyle/>
-          <a:p>
-            <a:fld id="{5689AE7F-56EB-8D49-9914-836A4F709789}" type="slidenum">
-              <a:rPr lang="en-US" smtClean="0"/>
-              <a:pPr/>
-              <a:t>30</a:t>
-            </a:fld>
-            <a:endParaRPr lang="en-US"/>
-          </a:p>
-        </p:txBody>
-      </p:sp>
-    </p:spTree>
-    <p:extLst>
-      <p:ext uri="{BB962C8B-B14F-4D97-AF65-F5344CB8AC3E}">
-        <p14:creationId xmlns:p14="http://schemas.microsoft.com/office/powerpoint/2010/main" val="1614384721"/>
-      </p:ext>
-    </p:extLst>
-  </p:cSld>
-  <p:clrMapOvr>
-    <a:masterClrMapping/>
-  </p:clrMapOvr>
-</p:sld>
-</file>
-
-<file path=ppt/slides/slide31.xml><?xml version="1.0" encoding="utf-8"?>
-<p:sld xmlns:a="http://schemas.openxmlformats.org/drawingml/2006/main" xmlns:r="http://schemas.openxmlformats.org/officeDocument/2006/relationships" xmlns:p="http://schemas.openxmlformats.org/presentationml/2006/main">
-  <p:cSld>
-    <p:spTree>
-      <p:nvGrpSpPr>
-        <p:cNvPr id="1" name=""/>
-        <p:cNvGrpSpPr/>
-        <p:nvPr/>
-      </p:nvGrpSpPr>
-      <p:grpSpPr>
-        <a:xfrm>
-          <a:off x="0" y="0"/>
-          <a:ext cx="0" cy="0"/>
-          <a:chOff x="0" y="0"/>
-          <a:chExt cx="0" cy="0"/>
-        </a:xfrm>
-      </p:grpSpPr>
-      <p:sp>
-        <p:nvSpPr>
-          <p:cNvPr id="2" name="Title 1"/>
-          <p:cNvSpPr>
-            <a:spLocks noGrp="1"/>
-          </p:cNvSpPr>
-          <p:nvPr>
-            <p:ph type="title"/>
-          </p:nvPr>
-        </p:nvSpPr>
-        <p:spPr>
-          <a:xfrm>
-            <a:off x="456627" y="273514"/>
-            <a:ext cx="8227871" cy="259886"/>
-          </a:xfrm>
-        </p:spPr>
-        <p:txBody>
-          <a:bodyPr/>
-          <a:lstStyle/>
-          <a:p>
-            <a:r>
-              <a:rPr lang="en-US" dirty="0"/>
-              <a:t>Gestalt Representations</a:t>
-            </a:r>
-          </a:p>
-        </p:txBody>
-      </p:sp>
-      <p:pic>
-        <p:nvPicPr>
-          <p:cNvPr id="5" name="Content Placeholder 4"/>
-          <p:cNvPicPr>
-            <a:picLocks noGrp="1" noChangeAspect="1"/>
-          </p:cNvPicPr>
-          <p:nvPr>
-            <p:ph idx="1"/>
-          </p:nvPr>
-        </p:nvPicPr>
-        <p:blipFill>
-          <a:blip r:embed="rId2"/>
-          <a:srcRect/>
-          <a:stretch/>
-        </p:blipFill>
-        <p:spPr>
-          <a:xfrm>
-            <a:off x="1372961" y="990600"/>
-            <a:ext cx="6217799" cy="5593886"/>
-          </a:xfrm>
-        </p:spPr>
-      </p:pic>
-      <p:sp>
-        <p:nvSpPr>
-          <p:cNvPr id="4" name="Slide Number Placeholder 3"/>
-          <p:cNvSpPr>
-            <a:spLocks noGrp="1"/>
-          </p:cNvSpPr>
-          <p:nvPr>
-            <p:ph type="sldNum" idx="12"/>
-          </p:nvPr>
-        </p:nvSpPr>
-        <p:spPr/>
-        <p:txBody>
-          <a:bodyPr/>
-          <a:lstStyle/>
-          <a:p>
-            <a:fld id="{5689AE7F-56EB-8D49-9914-836A4F709789}" type="slidenum">
-              <a:rPr lang="en-US" smtClean="0"/>
-              <a:pPr/>
-              <a:t>31</a:t>
-            </a:fld>
-            <a:endParaRPr lang="en-US"/>
-          </a:p>
-        </p:txBody>
-      </p:sp>
-    </p:spTree>
-    <p:extLst>
-      <p:ext uri="{BB962C8B-B14F-4D97-AF65-F5344CB8AC3E}">
-        <p14:creationId xmlns:p14="http://schemas.microsoft.com/office/powerpoint/2010/main" val="3348759256"/>
-      </p:ext>
-    </p:extLst>
-  </p:cSld>
-  <p:clrMapOvr>
-    <a:masterClrMapping/>
-  </p:clrMapOvr>
-</p:sld>
-</file>
-
-<file path=ppt/slides/slide32.xml><?xml version="1.0" encoding="utf-8"?>
-<p:sld xmlns:a="http://schemas.openxmlformats.org/drawingml/2006/main" xmlns:r="http://schemas.openxmlformats.org/officeDocument/2006/relationships" xmlns:p="http://schemas.openxmlformats.org/presentationml/2006/main">
-  <p:cSld>
-    <p:spTree>
-      <p:nvGrpSpPr>
-        <p:cNvPr id="1" name=""/>
-        <p:cNvGrpSpPr/>
-        <p:nvPr/>
-      </p:nvGrpSpPr>
-      <p:grpSpPr>
-        <a:xfrm>
-          <a:off x="0" y="0"/>
-          <a:ext cx="0" cy="0"/>
-          <a:chOff x="0" y="0"/>
-          <a:chExt cx="0" cy="0"/>
-        </a:xfrm>
-      </p:grpSpPr>
-      <p:sp>
-        <p:nvSpPr>
-          <p:cNvPr id="2" name="Title 1">
-            <a:extLst>
-              <a:ext uri="{FF2B5EF4-FFF2-40B4-BE49-F238E27FC236}">
-                <a16:creationId xmlns:a16="http://schemas.microsoft.com/office/drawing/2014/main" id="{1471C9EB-D048-864D-88FC-603DAF3175C0}"/>
-              </a:ext>
-            </a:extLst>
-          </p:cNvPr>
-          <p:cNvSpPr>
-            <a:spLocks noGrp="1"/>
-          </p:cNvSpPr>
-          <p:nvPr>
-            <p:ph type="title"/>
-          </p:nvPr>
-        </p:nvSpPr>
-        <p:spPr/>
-        <p:txBody>
-          <a:bodyPr/>
-          <a:lstStyle/>
-          <a:p>
-            <a:endParaRPr lang="en-US"/>
-          </a:p>
-        </p:txBody>
-      </p:sp>
-      <p:sp>
-        <p:nvSpPr>
-          <p:cNvPr id="4" name="Slide Number Placeholder 3">
-            <a:extLst>
-              <a:ext uri="{FF2B5EF4-FFF2-40B4-BE49-F238E27FC236}">
-                <a16:creationId xmlns:a16="http://schemas.microsoft.com/office/drawing/2014/main" id="{503E79D3-A826-2043-8D16-B828C7F30611}"/>
-              </a:ext>
-            </a:extLst>
-          </p:cNvPr>
-          <p:cNvSpPr>
-            <a:spLocks noGrp="1"/>
-          </p:cNvSpPr>
-          <p:nvPr>
-            <p:ph type="sldNum" idx="12"/>
-          </p:nvPr>
-        </p:nvSpPr>
-        <p:spPr/>
-        <p:txBody>
-          <a:bodyPr/>
-          <a:lstStyle/>
-          <a:p>
-            <a:fld id="{5689AE7F-56EB-8D49-9914-836A4F709789}" type="slidenum">
-              <a:rPr lang="en-US" smtClean="0"/>
-              <a:pPr/>
-              <a:t>32</a:t>
-            </a:fld>
-            <a:endParaRPr lang="en-US"/>
-          </a:p>
-        </p:txBody>
-      </p:sp>
-      <p:pic>
-        <p:nvPicPr>
-          <p:cNvPr id="1026" name="Picture 2" descr="Powerpoint workshops thema veiligheid jongerenwerkers">
-            <a:extLst>
-              <a:ext uri="{FF2B5EF4-FFF2-40B4-BE49-F238E27FC236}">
-                <a16:creationId xmlns:a16="http://schemas.microsoft.com/office/drawing/2014/main" id="{0BD39A7A-4E6A-DB44-AA25-DCCE2AE45A20}"/>
-              </a:ext>
-            </a:extLst>
-          </p:cNvPr>
-          <p:cNvPicPr>
-            <a:picLocks noGrp="1" noChangeAspect="1" noChangeArrowheads="1"/>
-          </p:cNvPicPr>
-          <p:nvPr>
-            <p:ph idx="1"/>
-          </p:nvPr>
-        </p:nvPicPr>
-        <p:blipFill>
-          <a:blip r:embed="rId2">
-            <a:extLst>
-              <a:ext uri="{28A0092B-C50C-407E-A947-70E740481C1C}">
-                <a14:useLocalDpi xmlns:a14="http://schemas.microsoft.com/office/drawing/2010/main" val="0"/>
-              </a:ext>
-            </a:extLst>
-          </a:blip>
-          <a:srcRect/>
-          <a:stretch>
-            <a:fillRect/>
-          </a:stretch>
-        </p:blipFill>
-        <p:spPr bwMode="auto">
-          <a:xfrm>
-            <a:off x="1554956" y="1604963"/>
-            <a:ext cx="6032500" cy="4524375"/>
-          </a:xfrm>
-          <a:prstGeom prst="rect">
-            <a:avLst/>
-          </a:prstGeom>
-          <a:noFill/>
-          <a:extLst>
-            <a:ext uri="{909E8E84-426E-40DD-AFC4-6F175D3DCCD1}">
-              <a14:hiddenFill xmlns:a14="http://schemas.microsoft.com/office/drawing/2010/main">
-                <a:solidFill>
-                  <a:srgbClr val="FFFFFF"/>
-                </a:solidFill>
-              </a14:hiddenFill>
-            </a:ext>
-          </a:extLst>
-        </p:spPr>
-      </p:pic>
-    </p:spTree>
-    <p:extLst>
-      <p:ext uri="{BB962C8B-B14F-4D97-AF65-F5344CB8AC3E}">
-        <p14:creationId xmlns:p14="http://schemas.microsoft.com/office/powerpoint/2010/main" val="2348785433"/>
-      </p:ext>
-    </p:extLst>
-  </p:cSld>
-  <p:clrMapOvr>
-    <a:masterClrMapping/>
-  </p:clrMapOvr>
-</p:sld>
-</file>
-
 <file path=ppt/slides/slide4.xml><?xml version="1.0" encoding="utf-8"?>
 <p:sld xmlns:a="http://schemas.openxmlformats.org/drawingml/2006/main" xmlns:r="http://schemas.openxmlformats.org/officeDocument/2006/relationships" xmlns:p="http://schemas.openxmlformats.org/presentationml/2006/main">
   <p:cSld>
@@ -7631,7 +6526,13 @@
       </p:grpSpPr>
       <p:sp>
         <p:nvSpPr>
-          <p:cNvPr id="2" name="Title 1"/>
+          <p:cNvPr id="2" name="Title 1">
+            <a:extLst>
+              <a:ext uri="{FF2B5EF4-FFF2-40B4-BE49-F238E27FC236}">
+                <a16:creationId xmlns:a16="http://schemas.microsoft.com/office/drawing/2014/main" id="{9400D769-C7F2-E347-B5BB-AD5406CA5624}"/>
+              </a:ext>
+            </a:extLst>
+          </p:cNvPr>
           <p:cNvSpPr>
             <a:spLocks noGrp="1"/>
           </p:cNvSpPr>
@@ -7646,103 +6547,49 @@
           <a:p>
             <a:r>
               <a:rPr lang="en-US" dirty="0"/>
-              <a:t>Language Controversies</a:t>
-            </a:r>
-          </a:p>
-        </p:txBody>
-      </p:sp>
-      <p:sp>
-        <p:nvSpPr>
-          <p:cNvPr id="3" name="Content Placeholder 2"/>
-          <p:cNvSpPr>
-            <a:spLocks noGrp="1"/>
-          </p:cNvSpPr>
+              <a:t>Communication</a:t>
+            </a:r>
+          </a:p>
+        </p:txBody>
+      </p:sp>
+      <p:pic>
+        <p:nvPicPr>
+          <p:cNvPr id="6" name="Content Placeholder 5">
+            <a:extLst>
+              <a:ext uri="{FF2B5EF4-FFF2-40B4-BE49-F238E27FC236}">
+                <a16:creationId xmlns:a16="http://schemas.microsoft.com/office/drawing/2014/main" id="{596FD19B-A1F9-7F48-B264-A4833A46C1AB}"/>
+              </a:ext>
+            </a:extLst>
+          </p:cNvPr>
+          <p:cNvPicPr>
+            <a:picLocks noGrp="1" noChangeAspect="1"/>
+          </p:cNvPicPr>
           <p:nvPr>
             <p:ph idx="1"/>
           </p:nvPr>
-        </p:nvSpPr>
-        <p:spPr/>
-        <p:txBody>
-          <a:bodyPr/>
-          <a:lstStyle/>
-          <a:p>
-            <a:r>
-              <a:rPr lang="en-US" dirty="0"/>
-              <a:t>How special is language: just co-opting existing neural </a:t>
-            </a:r>
-            <a:r>
-              <a:rPr lang="en-US" dirty="0" err="1"/>
-              <a:t>mechs</a:t>
-            </a:r>
-            <a:r>
-              <a:rPr lang="en-US" dirty="0"/>
-              <a:t> vs. innate language modules?</a:t>
-            </a:r>
-          </a:p>
-          <a:p>
-            <a:r>
-              <a:rPr lang="en-US" dirty="0"/>
-              <a:t>Rules vs. regularities: is there anything special about rule-like behavior in language?</a:t>
-            </a:r>
-          </a:p>
-          <a:p>
-            <a:pPr lvl="1">
-              <a:lnSpc>
-                <a:spcPct val="80000"/>
-              </a:lnSpc>
-            </a:pPr>
-            <a:r>
-              <a:rPr lang="en-US" dirty="0"/>
-              <a:t>Spelling to sound: Exceptions also have sub-rules..</a:t>
-            </a:r>
-          </a:p>
-          <a:p>
-            <a:pPr lvl="1">
-              <a:lnSpc>
-                <a:spcPct val="80000"/>
-              </a:lnSpc>
-            </a:pPr>
-            <a:r>
-              <a:rPr lang="en-US" dirty="0" err="1"/>
-              <a:t>Overregularization</a:t>
-            </a:r>
-            <a:r>
-              <a:rPr lang="en-US" dirty="0"/>
-              <a:t> (add “-</a:t>
-            </a:r>
-            <a:r>
-              <a:rPr lang="en-US" dirty="0" err="1"/>
-              <a:t>ed</a:t>
-            </a:r>
-            <a:r>
-              <a:rPr lang="en-US" dirty="0"/>
-              <a:t>” = “</a:t>
-            </a:r>
-            <a:r>
-              <a:rPr lang="en-US" dirty="0" err="1"/>
-              <a:t>goed</a:t>
-            </a:r>
-            <a:r>
-              <a:rPr lang="en-US" dirty="0"/>
-              <a:t>”) – evidence of rule system coming online?</a:t>
-            </a:r>
-          </a:p>
-          <a:p>
-            <a:pPr lvl="1">
-              <a:lnSpc>
-                <a:spcPct val="80000"/>
-              </a:lnSpc>
-            </a:pPr>
-            <a:r>
-              <a:rPr lang="en-US" dirty="0"/>
-              <a:t>Truly variable-like behavior?  Generative, abstract.</a:t>
-            </a:r>
-          </a:p>
-        </p:txBody>
-      </p:sp>
-      <p:sp>
-        <p:nvSpPr>
-          <p:cNvPr id="4" name="Slide Number Placeholder 3"/>
+        </p:nvPicPr>
+        <p:blipFill>
+          <a:blip r:embed="rId2"/>
+          <a:stretch>
+            <a:fillRect/>
+          </a:stretch>
+        </p:blipFill>
+        <p:spPr>
+          <a:xfrm>
+            <a:off x="1371600" y="1462003"/>
+            <a:ext cx="5943600" cy="1790700"/>
+          </a:xfrm>
+        </p:spPr>
+      </p:pic>
+      <p:sp>
+        <p:nvSpPr>
+          <p:cNvPr id="4" name="Slide Number Placeholder 3">
+            <a:extLst>
+              <a:ext uri="{FF2B5EF4-FFF2-40B4-BE49-F238E27FC236}">
+                <a16:creationId xmlns:a16="http://schemas.microsoft.com/office/drawing/2014/main" id="{29B087B9-E266-E44A-8B92-D4F0336C2930}"/>
+              </a:ext>
+            </a:extLst>
+          </p:cNvPr>
           <p:cNvSpPr>
             <a:spLocks noGrp="1"/>
           </p:cNvSpPr>
@@ -7764,10 +6611,40 @@
           </a:p>
         </p:txBody>
       </p:sp>
+      <p:pic>
+        <p:nvPicPr>
+          <p:cNvPr id="8" name="Picture 7">
+            <a:extLst>
+              <a:ext uri="{FF2B5EF4-FFF2-40B4-BE49-F238E27FC236}">
+                <a16:creationId xmlns:a16="http://schemas.microsoft.com/office/drawing/2014/main" id="{35179C4D-AB65-B043-86CB-586D9261320A}"/>
+              </a:ext>
+            </a:extLst>
+          </p:cNvPr>
+          <p:cNvPicPr>
+            <a:picLocks noChangeAspect="1"/>
+          </p:cNvPicPr>
+          <p:nvPr/>
+        </p:nvPicPr>
+        <p:blipFill>
+          <a:blip r:embed="rId3"/>
+          <a:stretch>
+            <a:fillRect/>
+          </a:stretch>
+        </p:blipFill>
+        <p:spPr>
+          <a:xfrm>
+            <a:off x="762000" y="3214603"/>
+            <a:ext cx="7010400" cy="3505200"/>
+          </a:xfrm>
+          <a:prstGeom prst="rect">
+            <a:avLst/>
+          </a:prstGeom>
+        </p:spPr>
+      </p:pic>
     </p:spTree>
     <p:extLst>
       <p:ext uri="{BB962C8B-B14F-4D97-AF65-F5344CB8AC3E}">
-        <p14:creationId xmlns:p14="http://schemas.microsoft.com/office/powerpoint/2010/main" val="2837095444"/>
+        <p14:creationId xmlns:p14="http://schemas.microsoft.com/office/powerpoint/2010/main" val="341656665"/>
       </p:ext>
     </p:extLst>
   </p:cSld>
@@ -7811,156 +6688,39 @@
           <a:p>
             <a:r>
               <a:rPr lang="en-US" dirty="0"/>
-              <a:t>What is Truly Novel?</a:t>
-            </a:r>
-          </a:p>
-        </p:txBody>
-      </p:sp>
-      <p:sp>
-        <p:nvSpPr>
-          <p:cNvPr id="3" name="Content Placeholder 2"/>
-          <p:cNvSpPr>
-            <a:spLocks noGrp="1"/>
-          </p:cNvSpPr>
+              <a:t>Biology of Language</a:t>
+            </a:r>
+          </a:p>
+        </p:txBody>
+      </p:sp>
+      <p:pic>
+        <p:nvPicPr>
+          <p:cNvPr id="5" name="Content Placeholder 4" descr="fig_aphasia_areas.png"/>
+          <p:cNvPicPr>
+            <a:picLocks noGrp="1" noChangeAspect="1"/>
+          </p:cNvPicPr>
           <p:nvPr>
             <p:ph idx="1"/>
           </p:nvPr>
-        </p:nvSpPr>
-        <p:spPr/>
-        <p:txBody>
-          <a:bodyPr/>
-          <a:lstStyle/>
-          <a:p>
-            <a:pPr>
-              <a:lnSpc>
-                <a:spcPct val="80000"/>
-              </a:lnSpc>
-            </a:pPr>
-            <a:r>
-              <a:rPr lang="en-US" dirty="0"/>
-              <a:t>Pure syntax: “</a:t>
-            </a:r>
-            <a:r>
-              <a:rPr lang="en-US" dirty="0" err="1"/>
-              <a:t>Adj</a:t>
-            </a:r>
-            <a:r>
-              <a:rPr lang="en-US" dirty="0"/>
-              <a:t> </a:t>
-            </a:r>
-            <a:r>
-              <a:rPr lang="en-US" dirty="0" err="1"/>
-              <a:t>Adj</a:t>
-            </a:r>
-            <a:r>
-              <a:rPr lang="en-US" dirty="0"/>
-              <a:t> Noun Verb Adverb”</a:t>
-            </a:r>
-          </a:p>
-          <a:p>
-            <a:pPr>
-              <a:lnSpc>
-                <a:spcPct val="80000"/>
-              </a:lnSpc>
-            </a:pPr>
-            <a:r>
-              <a:rPr lang="en-US" dirty="0"/>
-              <a:t>“Colorless green ideas sleep furiously”</a:t>
-            </a:r>
-          </a:p>
-          <a:p>
-            <a:pPr lvl="1">
-              <a:lnSpc>
-                <a:spcPct val="80000"/>
-              </a:lnSpc>
-            </a:pPr>
-            <a:r>
-              <a:rPr lang="en-US" dirty="0"/>
-              <a:t>But: “Newly formed bland ideas are inexpressible in an infuriating way.”</a:t>
-            </a:r>
-          </a:p>
-          <a:p>
-            <a:pPr lvl="1">
-              <a:lnSpc>
-                <a:spcPct val="90000"/>
-              </a:lnSpc>
-            </a:pPr>
-            <a:r>
-              <a:rPr lang="en-US" sz="1800" dirty="0"/>
-              <a:t>“It can only be the thought of verdure to come, which prompts us in the autumn to buy these dormant white lumps of vegetable matter covered by a brown papery skin, and lovingly to plant them and care for them. It is a marvel to me that under this cover they are </a:t>
-            </a:r>
-            <a:r>
-              <a:rPr lang="en-US" sz="1800" dirty="0" err="1"/>
-              <a:t>labouring</a:t>
-            </a:r>
-            <a:r>
-              <a:rPr lang="en-US" sz="1800" dirty="0"/>
-              <a:t> unseen at such a rate within to give us the sudden awesome beauty of spring flowering bulbs. While winter reigns the earth reposes but these </a:t>
-            </a:r>
-            <a:r>
-              <a:rPr lang="en-US" sz="1800" dirty="0" err="1"/>
-              <a:t>colourless</a:t>
-            </a:r>
-            <a:r>
-              <a:rPr lang="en-US" sz="1800" dirty="0"/>
-              <a:t> green ideas sleep furiously.”</a:t>
-            </a:r>
-          </a:p>
-          <a:p>
-            <a:r>
-              <a:rPr lang="en-US" dirty="0"/>
-              <a:t>“</a:t>
-            </a:r>
-            <a:r>
-              <a:rPr lang="en-US" dirty="0" err="1"/>
-              <a:t>’Twas</a:t>
-            </a:r>
-            <a:r>
-              <a:rPr lang="en-US" dirty="0"/>
-              <a:t> </a:t>
-            </a:r>
-            <a:r>
-              <a:rPr lang="en-US" dirty="0" err="1"/>
-              <a:t>brillig</a:t>
-            </a:r>
-            <a:r>
-              <a:rPr lang="en-US" dirty="0"/>
-              <a:t>, and the </a:t>
-            </a:r>
-            <a:r>
-              <a:rPr lang="en-US" dirty="0" err="1"/>
-              <a:t>slithy</a:t>
-            </a:r>
-            <a:r>
-              <a:rPr lang="en-US" dirty="0"/>
-              <a:t> </a:t>
-            </a:r>
-            <a:r>
-              <a:rPr lang="en-US" dirty="0" err="1"/>
-              <a:t>toves</a:t>
-            </a:r>
-            <a:r>
-              <a:rPr lang="en-US" dirty="0"/>
-              <a:t>..”</a:t>
-            </a:r>
-          </a:p>
-          <a:p>
-            <a:pPr lvl="1"/>
-            <a:r>
-              <a:rPr lang="en-US" dirty="0"/>
-              <a:t>But each word has </a:t>
-            </a:r>
-            <a:r>
-              <a:rPr lang="en-US" i="1" dirty="0"/>
-              <a:t>some</a:t>
-            </a:r>
-            <a:r>
-              <a:rPr lang="en-US" dirty="0"/>
-              <a:t> overlap with real words..</a:t>
-            </a:r>
-          </a:p>
-        </p:txBody>
-      </p:sp>
+        </p:nvPicPr>
+        <p:blipFill rotWithShape="1">
+          <a:blip r:embed="rId2">
+            <a:extLst>
+              <a:ext uri="{28A0092B-C50C-407E-A947-70E740481C1C}">
+                <a14:useLocalDpi xmlns:a14="http://schemas.microsoft.com/office/drawing/2010/main" val="0"/>
+              </a:ext>
+            </a:extLst>
+          </a:blip>
+          <a:srcRect l="-300" r="-10"/>
+          <a:stretch/>
+        </p:blipFill>
+        <p:spPr>
+          <a:xfrm>
+            <a:off x="1687455" y="1605097"/>
+            <a:ext cx="5749521" cy="4524495"/>
+          </a:xfrm>
+        </p:spPr>
+      </p:pic>
       <p:sp>
         <p:nvSpPr>
           <p:cNvPr id="4" name="Slide Number Placeholder 3"/>
@@ -7988,7 +6748,7 @@
     </p:spTree>
     <p:extLst>
       <p:ext uri="{BB962C8B-B14F-4D97-AF65-F5344CB8AC3E}">
-        <p14:creationId xmlns:p14="http://schemas.microsoft.com/office/powerpoint/2010/main" val="3221659977"/>
+        <p14:creationId xmlns:p14="http://schemas.microsoft.com/office/powerpoint/2010/main" val="3377191342"/>
       </p:ext>
     </p:extLst>
   </p:cSld>
@@ -8032,7 +6792,7 @@
           <a:p>
             <a:r>
               <a:rPr lang="en-US" dirty="0"/>
-              <a:t>Time and Language</a:t>
+              <a:t>Example of Wernicke’s Aphasia</a:t>
             </a:r>
           </a:p>
         </p:txBody>
@@ -8052,100 +6812,90 @@
           <a:bodyPr/>
           <a:lstStyle/>
           <a:p>
+            <a:pPr marL="97728" indent="0">
+              <a:buNone/>
+            </a:pPr>
             <a:r>
               <a:rPr lang="en-US" dirty="0"/>
-              <a:t>Distributed representation broken down and sent over a sequential channel:</a:t>
-            </a:r>
-          </a:p>
-        </p:txBody>
-      </p:sp>
-      <p:sp>
-        <p:nvSpPr>
-          <p:cNvPr id="4" name="Slide Number Placeholder 3"/>
-          <p:cNvSpPr>
-            <a:spLocks noGrp="1"/>
-          </p:cNvSpPr>
-          <p:nvPr>
-            <p:ph type="sldNum" idx="12"/>
-          </p:nvPr>
-        </p:nvSpPr>
-        <p:spPr/>
-        <p:txBody>
-          <a:bodyPr/>
-          <a:lstStyle/>
-          <a:p>
-            <a:fld id="{5689AE7F-56EB-8D49-9914-836A4F709789}" type="slidenum">
-              <a:rPr lang="en-US" smtClean="0"/>
-              <a:pPr/>
-              <a:t>6</a:t>
-            </a:fld>
-            <a:endParaRPr lang="en-US"/>
-          </a:p>
-        </p:txBody>
-      </p:sp>
-      <p:pic>
-        <p:nvPicPr>
-          <p:cNvPr id="5" name="Picture 4" descr="Screen shot 2011-03-17 at 8.53.12 AM.png"/>
-          <p:cNvPicPr>
-            <a:picLocks noChangeAspect="1"/>
-          </p:cNvPicPr>
-          <p:nvPr/>
-        </p:nvPicPr>
-        <p:blipFill>
-          <a:blip r:embed="rId2">
-            <a:extLst>
-              <a:ext uri="{28A0092B-C50C-407E-A947-70E740481C1C}">
-                <a14:useLocalDpi xmlns:a14="http://schemas.microsoft.com/office/drawing/2010/main" val="0"/>
-              </a:ext>
-            </a:extLst>
-          </a:blip>
-          <a:stretch>
-            <a:fillRect/>
-          </a:stretch>
-        </p:blipFill>
-        <p:spPr>
-          <a:xfrm>
-            <a:off x="456626" y="2794243"/>
-            <a:ext cx="3657600" cy="2489443"/>
-          </a:xfrm>
-          <a:prstGeom prst="rect">
-            <a:avLst/>
-          </a:prstGeom>
-        </p:spPr>
-      </p:pic>
-      <p:sp>
-        <p:nvSpPr>
-          <p:cNvPr id="6" name="TextBox 5"/>
-          <p:cNvSpPr txBox="1"/>
-          <p:nvPr/>
-        </p:nvSpPr>
-        <p:spPr>
-          <a:xfrm>
-            <a:off x="4495800" y="2810505"/>
-            <a:ext cx="3657600" cy="646331"/>
-          </a:xfrm>
-          <a:prstGeom prst="rect">
-            <a:avLst/>
-          </a:prstGeom>
-          <a:noFill/>
-        </p:spPr>
-        <p:txBody>
-          <a:bodyPr wrap="square" lIns="91430" tIns="45715" rIns="91430" bIns="45715" rtlCol="0">
-            <a:spAutoFit/>
-          </a:bodyPr>
-          <a:lstStyle/>
-          <a:p>
+              <a:t>"How are you today?”:</a:t>
+            </a:r>
+          </a:p>
+          <a:p>
+            <a:pPr marL="97728" indent="0">
+              <a:buNone/>
+            </a:pPr>
             <a:r>
               <a:rPr lang="en-US" dirty="0"/>
-              <a:t>The summer is a fun time for going to the beach, dancing, …</a:t>
-            </a:r>
+              <a:t>"Gossiping O.K. and Lords and cricket and England and Scotland battles. I don't know. Hypertension and two won cricket, bowling, batting, and catch, poor old things, cancellations maybe gossiping, cancellations, arm and argument, finishing bowling.”</a:t>
+            </a:r>
+          </a:p>
+          <a:p>
+            <a:pPr marL="97728" indent="0">
+              <a:buNone/>
+            </a:pPr>
+            <a:r>
+              <a:rPr lang="en-US" sz="2500" b="1" dirty="0">
+                <a:ln w="12700">
+                  <a:solidFill>
+                    <a:schemeClr val="tx2">
+                      <a:satMod val="155000"/>
+                    </a:schemeClr>
+                  </a:solidFill>
+                  <a:prstDash val="solid"/>
+                </a:ln>
+                <a:solidFill>
+                  <a:schemeClr val="bg2">
+                    <a:tint val="85000"/>
+                    <a:satMod val="155000"/>
+                  </a:schemeClr>
+                </a:solidFill>
+                <a:effectLst>
+                  <a:outerShdw blurRad="41275" dist="20320" dir="1800000" algn="tl" rotWithShape="0">
+                    <a:srgbClr val="000000">
+                      <a:alpha val="40000"/>
+                    </a:srgbClr>
+                  </a:outerShdw>
+                </a:effectLst>
+                <a:hlinkClick r:id="rId2"/>
+              </a:rPr>
+              <a:t>https://www.youtube.com/watch?v=aVhYN7NTIKU</a:t>
+            </a:r>
+            <a:endParaRPr lang="en-US" sz="2500" b="1" dirty="0">
+              <a:ln w="12700">
+                <a:solidFill>
+                  <a:schemeClr val="tx2">
+                    <a:satMod val="155000"/>
+                  </a:schemeClr>
+                </a:solidFill>
+                <a:prstDash val="solid"/>
+              </a:ln>
+              <a:solidFill>
+                <a:schemeClr val="bg2">
+                  <a:tint val="85000"/>
+                  <a:satMod val="155000"/>
+                </a:schemeClr>
+              </a:solidFill>
+              <a:effectLst>
+                <a:outerShdw blurRad="41275" dist="20320" dir="1800000" algn="tl" rotWithShape="0">
+                  <a:srgbClr val="000000">
+                    <a:alpha val="40000"/>
+                  </a:srgbClr>
+                </a:outerShdw>
+              </a:effectLst>
+            </a:endParaRPr>
+          </a:p>
+          <a:p>
+            <a:pPr marL="97728" indent="0">
+              <a:buNone/>
+            </a:pPr>
+            <a:endParaRPr lang="en-US" dirty="0"/>
           </a:p>
         </p:txBody>
       </p:sp>
     </p:spTree>
     <p:extLst>
       <p:ext uri="{BB962C8B-B14F-4D97-AF65-F5344CB8AC3E}">
-        <p14:creationId xmlns:p14="http://schemas.microsoft.com/office/powerpoint/2010/main" val="114094392"/>
+        <p14:creationId xmlns:p14="http://schemas.microsoft.com/office/powerpoint/2010/main" val="3710286707"/>
       </p:ext>
     </p:extLst>
   </p:cSld>
@@ -8189,7 +6939,7 @@
           <a:p>
             <a:r>
               <a:rPr lang="en-US" dirty="0"/>
-              <a:t>Distributed Reps of Words</a:t>
+              <a:t>Wernicke’s Aphasia</a:t>
             </a:r>
           </a:p>
         </p:txBody>
@@ -8213,492 +6963,45 @@
               <a:buNone/>
             </a:pPr>
             <a:r>
-              <a:rPr lang="en-US" sz="2400" dirty="0"/>
-              <a:t>I </a:t>
-            </a:r>
-            <a:r>
-              <a:rPr lang="en-US" sz="2400" dirty="0" err="1"/>
-              <a:t>cnduo't</a:t>
-            </a:r>
-            <a:r>
-              <a:rPr lang="en-US" sz="2400" dirty="0"/>
-              <a:t> </a:t>
-            </a:r>
-            <a:r>
-              <a:rPr lang="en-US" sz="2400" dirty="0" err="1"/>
-              <a:t>bvleiee</a:t>
-            </a:r>
-            <a:r>
-              <a:rPr lang="en-US" sz="2400" dirty="0"/>
-              <a:t> </a:t>
-            </a:r>
-            <a:r>
-              <a:rPr lang="en-US" sz="2400" dirty="0" err="1"/>
-              <a:t>taht</a:t>
-            </a:r>
-            <a:r>
-              <a:rPr lang="en-US" sz="2400" dirty="0"/>
-              <a:t> I </a:t>
-            </a:r>
-            <a:r>
-              <a:rPr lang="en-US" sz="2400" dirty="0" err="1"/>
-              <a:t>culod</a:t>
-            </a:r>
-            <a:r>
-              <a:rPr lang="en-US" sz="2400" dirty="0"/>
-              <a:t> </a:t>
-            </a:r>
-            <a:r>
-              <a:rPr lang="en-US" sz="2400" dirty="0" err="1"/>
-              <a:t>aulaclty</a:t>
-            </a:r>
-            <a:r>
-              <a:rPr lang="en-US" sz="2400" dirty="0"/>
-              <a:t> </a:t>
-            </a:r>
-            <a:r>
-              <a:rPr lang="en-US" sz="2400" dirty="0" err="1"/>
-              <a:t>uesdtannrd</a:t>
-            </a:r>
-            <a:r>
-              <a:rPr lang="en-US" sz="2400" dirty="0"/>
-              <a:t> </a:t>
-            </a:r>
-            <a:r>
-              <a:rPr lang="en-US" sz="2400" dirty="0" err="1"/>
-              <a:t>waht</a:t>
-            </a:r>
-            <a:r>
-              <a:rPr lang="en-US" sz="2400" dirty="0"/>
-              <a:t> I was </a:t>
-            </a:r>
-            <a:r>
-              <a:rPr lang="en-US" sz="2400" dirty="0" err="1"/>
-              <a:t>rdnaieg</a:t>
-            </a:r>
-            <a:r>
-              <a:rPr lang="en-US" sz="2400" dirty="0"/>
-              <a:t>. </a:t>
-            </a:r>
-            <a:r>
-              <a:rPr lang="en-US" sz="2400" dirty="0" err="1"/>
-              <a:t>Unisg</a:t>
-            </a:r>
-            <a:r>
-              <a:rPr lang="en-US" sz="2400" dirty="0"/>
-              <a:t> the </a:t>
-            </a:r>
-            <a:r>
-              <a:rPr lang="en-US" sz="2400" dirty="0" err="1"/>
-              <a:t>icndeblire</a:t>
-            </a:r>
-            <a:r>
-              <a:rPr lang="en-US" sz="2400" dirty="0"/>
-              <a:t> </a:t>
-            </a:r>
-            <a:r>
-              <a:rPr lang="en-US" sz="2400" dirty="0" err="1"/>
-              <a:t>pweor</a:t>
-            </a:r>
-            <a:r>
-              <a:rPr lang="en-US" sz="2400" dirty="0"/>
-              <a:t> of the </a:t>
-            </a:r>
-            <a:r>
-              <a:rPr lang="en-US" sz="2400" dirty="0" err="1"/>
-              <a:t>hmuan</a:t>
-            </a:r>
-            <a:r>
-              <a:rPr lang="en-US" sz="2400" dirty="0"/>
-              <a:t> </a:t>
-            </a:r>
-            <a:r>
-              <a:rPr lang="en-US" sz="2400" dirty="0" err="1"/>
-              <a:t>mnid</a:t>
-            </a:r>
-            <a:r>
-              <a:rPr lang="en-US" sz="2400" dirty="0"/>
-              <a:t>, </a:t>
-            </a:r>
-            <a:r>
-              <a:rPr lang="en-US" sz="2400" dirty="0" err="1"/>
-              <a:t>aocdcrnig</a:t>
-            </a:r>
-            <a:r>
-              <a:rPr lang="en-US" sz="2400" dirty="0"/>
-              <a:t> to </a:t>
-            </a:r>
-            <a:r>
-              <a:rPr lang="en-US" sz="2400" dirty="0" err="1"/>
-              <a:t>rseecrah</a:t>
-            </a:r>
-            <a:r>
-              <a:rPr lang="en-US" sz="2400" dirty="0"/>
-              <a:t> at </a:t>
-            </a:r>
-            <a:r>
-              <a:rPr lang="en-US" sz="2400" dirty="0" err="1"/>
-              <a:t>Cmabrigde</a:t>
-            </a:r>
-            <a:r>
-              <a:rPr lang="en-US" sz="2400" dirty="0"/>
-              <a:t> </a:t>
-            </a:r>
-            <a:r>
-              <a:rPr lang="en-US" sz="2400" dirty="0" err="1"/>
-              <a:t>Uinervtisy</a:t>
-            </a:r>
-            <a:r>
-              <a:rPr lang="en-US" sz="2400" dirty="0"/>
-              <a:t>, it </a:t>
-            </a:r>
-            <a:r>
-              <a:rPr lang="en-US" sz="2400" dirty="0" err="1"/>
-              <a:t>dseno't</a:t>
-            </a:r>
-            <a:r>
-              <a:rPr lang="en-US" sz="2400" dirty="0"/>
-              <a:t> </a:t>
-            </a:r>
-            <a:r>
-              <a:rPr lang="en-US" sz="2400" dirty="0" err="1"/>
-              <a:t>mttaer</a:t>
-            </a:r>
-            <a:r>
-              <a:rPr lang="en-US" sz="2400" dirty="0"/>
-              <a:t> in </a:t>
-            </a:r>
-            <a:r>
-              <a:rPr lang="en-US" sz="2400" dirty="0" err="1"/>
-              <a:t>waht</a:t>
-            </a:r>
-            <a:r>
-              <a:rPr lang="en-US" sz="2400" dirty="0"/>
-              <a:t> </a:t>
-            </a:r>
-            <a:r>
-              <a:rPr lang="en-US" sz="2400" dirty="0" err="1"/>
-              <a:t>oderr</a:t>
-            </a:r>
-            <a:r>
-              <a:rPr lang="en-US" sz="2400" dirty="0"/>
-              <a:t> the </a:t>
-            </a:r>
-            <a:r>
-              <a:rPr lang="en-US" sz="2400" dirty="0" err="1"/>
-              <a:t>lterets</a:t>
-            </a:r>
-            <a:r>
-              <a:rPr lang="en-US" sz="2400" dirty="0"/>
-              <a:t> in a </a:t>
-            </a:r>
-            <a:r>
-              <a:rPr lang="en-US" sz="2400" dirty="0" err="1"/>
-              <a:t>wrod</a:t>
-            </a:r>
-            <a:r>
-              <a:rPr lang="en-US" sz="2400" dirty="0"/>
-              <a:t> are, the </a:t>
-            </a:r>
-            <a:r>
-              <a:rPr lang="en-US" sz="2400" dirty="0" err="1"/>
-              <a:t>olny</a:t>
-            </a:r>
-            <a:r>
-              <a:rPr lang="en-US" sz="2400" dirty="0"/>
-              <a:t> </a:t>
-            </a:r>
-            <a:r>
-              <a:rPr lang="en-US" sz="2400" dirty="0" err="1"/>
-              <a:t>irpoamtnt</a:t>
-            </a:r>
-            <a:r>
-              <a:rPr lang="en-US" sz="2400" dirty="0"/>
-              <a:t> </a:t>
-            </a:r>
-            <a:r>
-              <a:rPr lang="en-US" sz="2400" dirty="0" err="1"/>
-              <a:t>tihng</a:t>
-            </a:r>
-            <a:r>
-              <a:rPr lang="en-US" sz="2400" dirty="0"/>
-              <a:t> is </a:t>
-            </a:r>
-            <a:r>
-              <a:rPr lang="en-US" sz="2400" dirty="0" err="1"/>
-              <a:t>taht</a:t>
-            </a:r>
-            <a:r>
-              <a:rPr lang="en-US" sz="2400" dirty="0"/>
-              <a:t> the </a:t>
-            </a:r>
-            <a:r>
-              <a:rPr lang="en-US" sz="2400" dirty="0" err="1"/>
-              <a:t>frsit</a:t>
-            </a:r>
-            <a:r>
-              <a:rPr lang="en-US" sz="2400" dirty="0"/>
-              <a:t> and </a:t>
-            </a:r>
-            <a:r>
-              <a:rPr lang="en-US" sz="2400" dirty="0" err="1"/>
-              <a:t>lsat</a:t>
-            </a:r>
-            <a:r>
-              <a:rPr lang="en-US" sz="2400" dirty="0"/>
-              <a:t> </a:t>
-            </a:r>
-            <a:r>
-              <a:rPr lang="en-US" sz="2400" dirty="0" err="1"/>
-              <a:t>ltteer</a:t>
-            </a:r>
-            <a:r>
-              <a:rPr lang="en-US" sz="2400" dirty="0"/>
-              <a:t> be in the </a:t>
-            </a:r>
-            <a:r>
-              <a:rPr lang="en-US" sz="2400" dirty="0" err="1"/>
-              <a:t>rhgit</a:t>
-            </a:r>
-            <a:r>
-              <a:rPr lang="en-US" sz="2400" dirty="0"/>
-              <a:t> </a:t>
-            </a:r>
-            <a:r>
-              <a:rPr lang="en-US" sz="2400" dirty="0" err="1"/>
-              <a:t>pclae</a:t>
-            </a:r>
-            <a:r>
-              <a:rPr lang="en-US" sz="2400" dirty="0"/>
-              <a:t>. The </a:t>
-            </a:r>
-            <a:r>
-              <a:rPr lang="en-US" sz="2400" dirty="0" err="1"/>
-              <a:t>rset</a:t>
-            </a:r>
-            <a:r>
-              <a:rPr lang="en-US" sz="2400" dirty="0"/>
-              <a:t> can be a </a:t>
-            </a:r>
-            <a:r>
-              <a:rPr lang="en-US" sz="2400" dirty="0" err="1"/>
-              <a:t>taotl</a:t>
-            </a:r>
-            <a:r>
-              <a:rPr lang="en-US" sz="2400" dirty="0"/>
-              <a:t> </a:t>
-            </a:r>
-            <a:r>
-              <a:rPr lang="en-US" sz="2400" dirty="0" err="1"/>
-              <a:t>mses</a:t>
-            </a:r>
-            <a:r>
-              <a:rPr lang="en-US" sz="2400" dirty="0"/>
-              <a:t> and you can </a:t>
-            </a:r>
-            <a:r>
-              <a:rPr lang="en-US" sz="2400" dirty="0" err="1"/>
-              <a:t>sitll</a:t>
-            </a:r>
-            <a:r>
-              <a:rPr lang="en-US" sz="2400" dirty="0"/>
-              <a:t> </a:t>
-            </a:r>
-            <a:r>
-              <a:rPr lang="en-US" sz="2400" dirty="0" err="1"/>
-              <a:t>raed</a:t>
-            </a:r>
-            <a:r>
-              <a:rPr lang="en-US" sz="2400" dirty="0"/>
-              <a:t> it </a:t>
-            </a:r>
-            <a:r>
-              <a:rPr lang="en-US" sz="2400" dirty="0" err="1"/>
-              <a:t>whoutit</a:t>
-            </a:r>
-            <a:r>
-              <a:rPr lang="en-US" sz="2400" dirty="0"/>
-              <a:t> a </a:t>
-            </a:r>
-            <a:r>
-              <a:rPr lang="en-US" sz="2400" dirty="0" err="1"/>
-              <a:t>pboerlm</a:t>
-            </a:r>
-            <a:r>
-              <a:rPr lang="en-US" sz="2400" dirty="0"/>
-              <a:t>. </a:t>
-            </a:r>
-            <a:r>
-              <a:rPr lang="en-US" sz="2400" dirty="0" err="1"/>
-              <a:t>Tihs</a:t>
-            </a:r>
-            <a:r>
-              <a:rPr lang="en-US" sz="2400" dirty="0"/>
-              <a:t> is </a:t>
-            </a:r>
-            <a:r>
-              <a:rPr lang="en-US" sz="2400" dirty="0" err="1"/>
-              <a:t>bucseae</a:t>
-            </a:r>
-            <a:r>
-              <a:rPr lang="en-US" sz="2400" dirty="0"/>
-              <a:t> the </a:t>
-            </a:r>
-            <a:r>
-              <a:rPr lang="en-US" sz="2400" dirty="0" err="1"/>
-              <a:t>huamn</a:t>
-            </a:r>
-            <a:r>
-              <a:rPr lang="en-US" sz="2400" dirty="0"/>
-              <a:t> </a:t>
-            </a:r>
-            <a:r>
-              <a:rPr lang="en-US" sz="2400" dirty="0" err="1"/>
-              <a:t>mnid</a:t>
-            </a:r>
-            <a:r>
-              <a:rPr lang="en-US" sz="2400" dirty="0"/>
-              <a:t> </a:t>
-            </a:r>
-            <a:r>
-              <a:rPr lang="en-US" sz="2400" dirty="0" err="1"/>
-              <a:t>deos</a:t>
-            </a:r>
-            <a:r>
-              <a:rPr lang="en-US" sz="2400" dirty="0"/>
-              <a:t> not </a:t>
-            </a:r>
-            <a:r>
-              <a:rPr lang="en-US" sz="2400" dirty="0" err="1"/>
-              <a:t>raed</a:t>
-            </a:r>
-            <a:r>
-              <a:rPr lang="en-US" sz="2400" dirty="0"/>
-              <a:t> </a:t>
-            </a:r>
-            <a:r>
-              <a:rPr lang="en-US" sz="2400" dirty="0" err="1"/>
-              <a:t>ervey</a:t>
-            </a:r>
-            <a:r>
-              <a:rPr lang="en-US" sz="2400" dirty="0"/>
-              <a:t> </a:t>
-            </a:r>
-            <a:r>
-              <a:rPr lang="en-US" sz="2400" dirty="0" err="1"/>
-              <a:t>ltteer</a:t>
-            </a:r>
-            <a:r>
-              <a:rPr lang="en-US" sz="2400" dirty="0"/>
-              <a:t> by </a:t>
-            </a:r>
-            <a:r>
-              <a:rPr lang="en-US" sz="2400" dirty="0" err="1"/>
-              <a:t>istlef</a:t>
-            </a:r>
-            <a:r>
-              <a:rPr lang="en-US" sz="2400" dirty="0"/>
-              <a:t>, but the </a:t>
-            </a:r>
-            <a:r>
-              <a:rPr lang="en-US" sz="2400" dirty="0" err="1"/>
-              <a:t>wrod</a:t>
-            </a:r>
-            <a:r>
-              <a:rPr lang="en-US" sz="2400" dirty="0"/>
-              <a:t> as a </a:t>
-            </a:r>
-            <a:r>
-              <a:rPr lang="en-US" sz="2400" dirty="0" err="1"/>
-              <a:t>wlohe</a:t>
-            </a:r>
-            <a:r>
-              <a:rPr lang="en-US" sz="2400" dirty="0"/>
-              <a:t>. </a:t>
-            </a:r>
-            <a:r>
-              <a:rPr lang="en-US" sz="2400" dirty="0" err="1"/>
-              <a:t>Aaznmig</a:t>
-            </a:r>
-            <a:r>
-              <a:rPr lang="en-US" sz="2400" dirty="0"/>
-              <a:t>, huh? </a:t>
-            </a:r>
-            <a:r>
-              <a:rPr lang="en-US" sz="2400" dirty="0" err="1"/>
-              <a:t>Yaeh</a:t>
-            </a:r>
-            <a:r>
-              <a:rPr lang="en-US" sz="2400" dirty="0"/>
-              <a:t> and I </a:t>
-            </a:r>
-            <a:r>
-              <a:rPr lang="en-US" sz="2400" dirty="0" err="1"/>
-              <a:t>awlyas</a:t>
-            </a:r>
-            <a:r>
-              <a:rPr lang="en-US" sz="2400" dirty="0"/>
-              <a:t> </a:t>
-            </a:r>
-            <a:r>
-              <a:rPr lang="en-US" sz="2400" dirty="0" err="1"/>
-              <a:t>tghhuot</a:t>
-            </a:r>
-            <a:r>
-              <a:rPr lang="en-US" sz="2400" dirty="0"/>
-              <a:t> </a:t>
-            </a:r>
-            <a:r>
-              <a:rPr lang="en-US" sz="2400" dirty="0" err="1"/>
-              <a:t>slelinpg</a:t>
-            </a:r>
-            <a:r>
-              <a:rPr lang="en-US" sz="2400" dirty="0"/>
-              <a:t> was </a:t>
-            </a:r>
-            <a:r>
-              <a:rPr lang="en-US" sz="2400" dirty="0" err="1"/>
-              <a:t>ipmorantt</a:t>
-            </a:r>
-            <a:r>
-              <a:rPr lang="en-US" sz="2400" dirty="0"/>
-              <a:t>! See if </a:t>
-            </a:r>
-            <a:r>
-              <a:rPr lang="en-US" sz="2400" dirty="0" err="1"/>
-              <a:t>yuor</a:t>
-            </a:r>
-            <a:r>
-              <a:rPr lang="en-US" sz="2400" dirty="0"/>
-              <a:t> </a:t>
-            </a:r>
-            <a:r>
-              <a:rPr lang="en-US" sz="2400" dirty="0" err="1"/>
-              <a:t>fdreins</a:t>
-            </a:r>
-            <a:r>
-              <a:rPr lang="en-US" sz="2400" dirty="0"/>
-              <a:t> can </a:t>
-            </a:r>
-            <a:r>
-              <a:rPr lang="en-US" sz="2400" dirty="0" err="1"/>
-              <a:t>raed</a:t>
-            </a:r>
-            <a:r>
-              <a:rPr lang="en-US" sz="2400" dirty="0"/>
-              <a:t> </a:t>
-            </a:r>
-            <a:r>
-              <a:rPr lang="en-US" sz="2400" dirty="0" err="1"/>
-              <a:t>tihs</a:t>
-            </a:r>
-            <a:r>
-              <a:rPr lang="en-US" sz="2400" dirty="0"/>
-              <a:t> too.</a:t>
-            </a:r>
-          </a:p>
-          <a:p>
-            <a:endParaRPr lang="en-US" dirty="0"/>
+              <a:rPr lang="en-US" sz="1800" dirty="0"/>
+              <a:t>End of the football. It influence the football right here. It crawls and it comes in, see? The end of it. Oh, we got a lot of these, see?</a:t>
+            </a:r>
+          </a:p>
+          <a:p>
+            <a:pPr marL="97901" indent="0">
+              <a:buNone/>
+            </a:pPr>
+            <a:r>
+              <a:rPr lang="en-US" sz="1800" dirty="0"/>
+              <a:t>Well, it's playable in the government. You don't understand it, but it pauses in the long very cumbersome and it comes source in the country out through. All the under it, see, comes up, finally it comes up here and goes out... It comes in and comes out and BING That's a good free throw, see?</a:t>
+            </a:r>
+          </a:p>
+          <a:p>
+            <a:pPr marL="97901" indent="0">
+              <a:buNone/>
+            </a:pPr>
+            <a:r>
+              <a:rPr lang="en-US" sz="1800" dirty="0"/>
+              <a:t>That's a good throw slow mosey fire, fire. See slows it cold or it gives or kicks out or bing or whatever it is, we has no for football farther down. It's just pulling, see, but they say feel good. I guess it reminds you half dead or I don't even know.</a:t>
+            </a:r>
+          </a:p>
+          <a:p>
+            <a:pPr marL="97901" indent="0">
+              <a:buNone/>
+            </a:pPr>
+            <a:r>
+              <a:rPr lang="en-US" sz="1800" dirty="0"/>
+              <a:t>Where do you live? If you live, you appear, see. Where do you leave? Where do you live is, well friends are front and center here around here.</a:t>
+            </a:r>
+          </a:p>
+          <a:p>
+            <a:pPr marL="97901" indent="0">
+              <a:buNone/>
+            </a:pPr>
+            <a:r>
+              <a:rPr lang="en-US" sz="1800" dirty="0"/>
+              <a:t>Yes. Right here. Rest of the hearing. How many? Holy Christmas! Oh about a hundred, let's see about a hundred and thirty. About Forty. Gosh, what time is it? One plus five...</a:t>
+            </a:r>
           </a:p>
         </p:txBody>
       </p:sp>
@@ -8729,7 +7032,7 @@
     </p:spTree>
     <p:extLst>
       <p:ext uri="{BB962C8B-B14F-4D97-AF65-F5344CB8AC3E}">
-        <p14:creationId xmlns:p14="http://schemas.microsoft.com/office/powerpoint/2010/main" val="1600992876"/>
+        <p14:creationId xmlns:p14="http://schemas.microsoft.com/office/powerpoint/2010/main" val="1051484972"/>
       </p:ext>
     </p:extLst>
   </p:cSld>
@@ -8766,21 +7069,26 @@
             <p:ph type="title"/>
           </p:nvPr>
         </p:nvSpPr>
-        <p:spPr/>
+        <p:spPr>
+          <a:xfrm>
+            <a:off x="456627" y="273515"/>
+            <a:ext cx="8227871" cy="717086"/>
+          </a:xfrm>
+        </p:spPr>
         <p:txBody>
           <a:bodyPr/>
           <a:lstStyle/>
           <a:p>
             <a:r>
               <a:rPr lang="en-US" dirty="0"/>
-              <a:t>Biology of Language</a:t>
+              <a:t>Speech Output</a:t>
             </a:r>
           </a:p>
         </p:txBody>
       </p:sp>
       <p:pic>
         <p:nvPicPr>
-          <p:cNvPr id="5" name="Content Placeholder 4" descr="fig_aphasia_areas.png"/>
+          <p:cNvPr id="5" name="Content Placeholder 4" descr="fig_vocal_tract.png"/>
           <p:cNvPicPr>
             <a:picLocks noGrp="1" noChangeAspect="1"/>
           </p:cNvPicPr>
@@ -8796,13 +7104,13 @@
               </a:ext>
             </a:extLst>
           </a:blip>
-          <a:srcRect l="-300" r="-10"/>
+          <a:srcRect l="-328" r="-706"/>
           <a:stretch/>
         </p:blipFill>
         <p:spPr>
           <a:xfrm>
-            <a:off x="1687455" y="1605097"/>
-            <a:ext cx="5749521" cy="4524495"/>
+            <a:off x="450284" y="1580631"/>
+            <a:ext cx="3816916" cy="3577334"/>
           </a:xfrm>
         </p:spPr>
       </p:pic>
@@ -8830,10 +7138,33 @@
           </a:p>
         </p:txBody>
       </p:sp>
+      <p:pic>
+        <p:nvPicPr>
+          <p:cNvPr id="6" name="Picture 5"/>
+          <p:cNvPicPr>
+            <a:picLocks noChangeAspect="1"/>
+          </p:cNvPicPr>
+          <p:nvPr/>
+        </p:nvPicPr>
+        <p:blipFill>
+          <a:blip r:embed="rId3"/>
+          <a:srcRect/>
+          <a:stretch/>
+        </p:blipFill>
+        <p:spPr>
+          <a:xfrm>
+            <a:off x="4495800" y="1654094"/>
+            <a:ext cx="4348394" cy="3375106"/>
+          </a:xfrm>
+          <a:prstGeom prst="rect">
+            <a:avLst/>
+          </a:prstGeom>
+        </p:spPr>
+      </p:pic>
     </p:spTree>
     <p:extLst>
       <p:ext uri="{BB962C8B-B14F-4D97-AF65-F5344CB8AC3E}">
-        <p14:creationId xmlns:p14="http://schemas.microsoft.com/office/powerpoint/2010/main" val="3377191342"/>
+        <p14:creationId xmlns:p14="http://schemas.microsoft.com/office/powerpoint/2010/main" val="3019805537"/>
       </p:ext>
     </p:extLst>
   </p:cSld>
@@ -8870,117 +7201,102 @@
             <p:ph type="title"/>
           </p:nvPr>
         </p:nvSpPr>
-        <p:spPr/>
+        <p:spPr>
+          <a:xfrm>
+            <a:off x="456627" y="273515"/>
+            <a:ext cx="8227871" cy="717086"/>
+          </a:xfrm>
+        </p:spPr>
         <p:txBody>
           <a:bodyPr/>
           <a:lstStyle/>
           <a:p>
             <a:r>
               <a:rPr lang="en-US" dirty="0"/>
-              <a:t>Example of Wernicke’s Aphasia</a:t>
-            </a:r>
-          </a:p>
-        </p:txBody>
-      </p:sp>
-      <p:sp>
-        <p:nvSpPr>
-          <p:cNvPr id="3" name="Content Placeholder 2"/>
-          <p:cNvSpPr>
-            <a:spLocks noGrp="1"/>
-          </p:cNvSpPr>
+              <a:t>Speech Output</a:t>
+            </a:r>
+          </a:p>
+        </p:txBody>
+      </p:sp>
+      <p:sp>
+        <p:nvSpPr>
+          <p:cNvPr id="4" name="Slide Number Placeholder 3"/>
+          <p:cNvSpPr>
+            <a:spLocks noGrp="1"/>
+          </p:cNvSpPr>
+          <p:nvPr>
+            <p:ph type="sldNum" idx="12"/>
+          </p:nvPr>
+        </p:nvSpPr>
+        <p:spPr/>
+        <p:txBody>
+          <a:bodyPr/>
+          <a:lstStyle/>
+          <a:p>
+            <a:fld id="{5689AE7F-56EB-8D49-9914-836A4F709789}" type="slidenum">
+              <a:rPr lang="en-US" smtClean="0"/>
+              <a:pPr/>
+              <a:t>9</a:t>
+            </a:fld>
+            <a:endParaRPr lang="en-US"/>
+          </a:p>
+        </p:txBody>
+      </p:sp>
+      <p:pic>
+        <p:nvPicPr>
+          <p:cNvPr id="6" name="Picture 5"/>
+          <p:cNvPicPr>
+            <a:picLocks noChangeAspect="1"/>
+          </p:cNvPicPr>
+          <p:nvPr/>
+        </p:nvPicPr>
+        <p:blipFill>
+          <a:blip r:embed="rId2"/>
+          <a:srcRect/>
+          <a:stretch/>
+        </p:blipFill>
+        <p:spPr>
+          <a:xfrm>
+            <a:off x="228600" y="1371600"/>
+            <a:ext cx="8074898" cy="3190995"/>
+          </a:xfrm>
+          <a:prstGeom prst="rect">
+            <a:avLst/>
+          </a:prstGeom>
+        </p:spPr>
+      </p:pic>
+      <p:pic>
+        <p:nvPicPr>
+          <p:cNvPr id="5" name="Content Placeholder 4" descr="fig_vocal_tract.png"/>
+          <p:cNvPicPr>
+            <a:picLocks noGrp="1" noChangeAspect="1"/>
+          </p:cNvPicPr>
           <p:nvPr>
             <p:ph idx="1"/>
           </p:nvPr>
-        </p:nvSpPr>
-        <p:spPr/>
-        <p:txBody>
-          <a:bodyPr/>
-          <a:lstStyle/>
-          <a:p>
-            <a:pPr marL="97728" indent="0">
-              <a:buNone/>
-            </a:pPr>
-            <a:r>
-              <a:rPr lang="en-US" dirty="0"/>
-              <a:t>"How are you today?”:</a:t>
-            </a:r>
-          </a:p>
-          <a:p>
-            <a:pPr marL="97728" indent="0">
-              <a:buNone/>
-            </a:pPr>
-            <a:r>
-              <a:rPr lang="en-US" dirty="0"/>
-              <a:t>"Gossiping O.K. and Lords and cricket and England and Scotland battles. I don't know. Hypertension and two won cricket, bowling, batting, and catch, poor old things, cancellations maybe gossiping, cancellations, arm and argument, finishing bowling.”</a:t>
-            </a:r>
-          </a:p>
-          <a:p>
-            <a:pPr marL="97728" indent="0">
-              <a:buNone/>
-            </a:pPr>
-            <a:r>
-              <a:rPr lang="en-US" sz="2500" b="1" dirty="0">
-                <a:ln w="12700">
-                  <a:solidFill>
-                    <a:schemeClr val="tx2">
-                      <a:satMod val="155000"/>
-                    </a:schemeClr>
-                  </a:solidFill>
-                  <a:prstDash val="solid"/>
-                </a:ln>
-                <a:solidFill>
-                  <a:schemeClr val="bg2">
-                    <a:tint val="85000"/>
-                    <a:satMod val="155000"/>
-                  </a:schemeClr>
-                </a:solidFill>
-                <a:effectLst>
-                  <a:outerShdw blurRad="41275" dist="20320" dir="1800000" algn="tl" rotWithShape="0">
-                    <a:srgbClr val="000000">
-                      <a:alpha val="40000"/>
-                    </a:srgbClr>
-                  </a:outerShdw>
-                </a:effectLst>
-                <a:hlinkClick r:id="rId2"/>
-              </a:rPr>
-              <a:t>https://www.youtube.com/watch?v=aVhYN7NTIKU</a:t>
-            </a:r>
-            <a:endParaRPr lang="en-US" sz="2500" b="1" dirty="0">
-              <a:ln w="12700">
-                <a:solidFill>
-                  <a:schemeClr val="tx2">
-                    <a:satMod val="155000"/>
-                  </a:schemeClr>
-                </a:solidFill>
-                <a:prstDash val="solid"/>
-              </a:ln>
-              <a:solidFill>
-                <a:schemeClr val="bg2">
-                  <a:tint val="85000"/>
-                  <a:satMod val="155000"/>
-                </a:schemeClr>
-              </a:solidFill>
-              <a:effectLst>
-                <a:outerShdw blurRad="41275" dist="20320" dir="1800000" algn="tl" rotWithShape="0">
-                  <a:srgbClr val="000000">
-                    <a:alpha val="40000"/>
-                  </a:srgbClr>
-                </a:outerShdw>
-              </a:effectLst>
-            </a:endParaRPr>
-          </a:p>
-          <a:p>
-            <a:pPr marL="97728" indent="0">
-              <a:buNone/>
-            </a:pPr>
-            <a:endParaRPr lang="en-US" dirty="0"/>
-          </a:p>
-        </p:txBody>
-      </p:sp>
+        </p:nvPicPr>
+        <p:blipFill rotWithShape="1">
+          <a:blip r:embed="rId3">
+            <a:extLst>
+              <a:ext uri="{28A0092B-C50C-407E-A947-70E740481C1C}">
+                <a14:useLocalDpi xmlns:a14="http://schemas.microsoft.com/office/drawing/2010/main" val="0"/>
+              </a:ext>
+            </a:extLst>
+          </a:blip>
+          <a:srcRect l="-328" r="-706"/>
+          <a:stretch/>
+        </p:blipFill>
+        <p:spPr>
+          <a:xfrm>
+            <a:off x="5638801" y="3810000"/>
+            <a:ext cx="2820552" cy="2643510"/>
+          </a:xfrm>
+        </p:spPr>
+      </p:pic>
     </p:spTree>
     <p:extLst>
       <p:ext uri="{BB962C8B-B14F-4D97-AF65-F5344CB8AC3E}">
-        <p14:creationId xmlns:p14="http://schemas.microsoft.com/office/powerpoint/2010/main" val="3710286707"/>
+        <p14:creationId xmlns:p14="http://schemas.microsoft.com/office/powerpoint/2010/main" val="126617145"/>
       </p:ext>
     </p:extLst>
   </p:cSld>
